--- a/Programming Project.pptx
+++ b/Programming Project.pptx
@@ -8,16 +8,32 @@
     <p:sldMasterId id="2147483724" r:id="rId4"/>
   </p:sldMasterIdLst>
   <p:notesMasterIdLst>
-    <p:notesMasterId r:id="rId9"/>
+    <p:notesMasterId r:id="rId25"/>
   </p:notesMasterIdLst>
   <p:handoutMasterIdLst>
-    <p:handoutMasterId r:id="rId10"/>
+    <p:handoutMasterId r:id="rId26"/>
   </p:handoutMasterIdLst>
   <p:sldIdLst>
     <p:sldId id="446" r:id="rId5"/>
     <p:sldId id="447" r:id="rId6"/>
-    <p:sldId id="426" r:id="rId7"/>
-    <p:sldId id="448" r:id="rId8"/>
+    <p:sldId id="449" r:id="rId7"/>
+    <p:sldId id="426" r:id="rId8"/>
+    <p:sldId id="463" r:id="rId9"/>
+    <p:sldId id="448" r:id="rId10"/>
+    <p:sldId id="450" r:id="rId11"/>
+    <p:sldId id="451" r:id="rId12"/>
+    <p:sldId id="452" r:id="rId13"/>
+    <p:sldId id="454" r:id="rId14"/>
+    <p:sldId id="458" r:id="rId15"/>
+    <p:sldId id="461" r:id="rId16"/>
+    <p:sldId id="459" r:id="rId17"/>
+    <p:sldId id="453" r:id="rId18"/>
+    <p:sldId id="462" r:id="rId19"/>
+    <p:sldId id="457" r:id="rId20"/>
+    <p:sldId id="456" r:id="rId21"/>
+    <p:sldId id="455" r:id="rId22"/>
+    <p:sldId id="460" r:id="rId23"/>
+    <p:sldId id="464" r:id="rId24"/>
   </p:sldIdLst>
   <p:sldSz cx="12192000" cy="6858000"/>
   <p:notesSz cx="6858000" cy="9144000"/>
@@ -273,7 +289,7 @@
           <a:p>
             <a:fld id="{E54A69E4-EFBB-4687-8058-A94EE1B5781B}" type="datetimeFigureOut">
               <a:rPr lang="en-US" smtClean="0"/>
-              <a:t>5/4/2022</a:t>
+              <a:t>5/5/2022</a:t>
             </a:fld>
             <a:endParaRPr lang="en-US" dirty="0"/>
           </a:p>
@@ -450,7 +466,7 @@
           <a:p>
             <a:fld id="{CDE546B2-EB9C-4E9C-8793-C25F32D58B9A}" type="datetimeFigureOut">
               <a:rPr lang="en-US" smtClean="0"/>
-              <a:t>5/4/2022</a:t>
+              <a:t>5/5/2022</a:t>
             </a:fld>
             <a:endParaRPr lang="en-US" dirty="0"/>
           </a:p>
@@ -885,6 +901,258 @@
 </p:notes>
 </file>
 
+<file path=ppt/notesSlides/notesSlide3.xml><?xml version="1.0" encoding="utf-8"?>
+<p:notes xmlns:a="http://schemas.openxmlformats.org/drawingml/2006/main" xmlns:r="http://schemas.openxmlformats.org/officeDocument/2006/relationships" xmlns:p="http://schemas.openxmlformats.org/presentationml/2006/main">
+  <p:cSld>
+    <p:spTree>
+      <p:nvGrpSpPr>
+        <p:cNvPr id="1" name=""/>
+        <p:cNvGrpSpPr/>
+        <p:nvPr/>
+      </p:nvGrpSpPr>
+      <p:grpSpPr>
+        <a:xfrm>
+          <a:off x="0" y="0"/>
+          <a:ext cx="0" cy="0"/>
+          <a:chOff x="0" y="0"/>
+          <a:chExt cx="0" cy="0"/>
+        </a:xfrm>
+      </p:grpSpPr>
+      <p:sp>
+        <p:nvSpPr>
+          <p:cNvPr id="2" name="Slide Image Placeholder 1"/>
+          <p:cNvSpPr>
+            <a:spLocks noGrp="1" noRot="1" noChangeAspect="1"/>
+          </p:cNvSpPr>
+          <p:nvPr>
+            <p:ph type="sldImg"/>
+          </p:nvPr>
+        </p:nvSpPr>
+        <p:spPr/>
+      </p:sp>
+      <p:sp>
+        <p:nvSpPr>
+          <p:cNvPr id="3" name="Notes Placeholder 2"/>
+          <p:cNvSpPr>
+            <a:spLocks noGrp="1"/>
+          </p:cNvSpPr>
+          <p:nvPr>
+            <p:ph type="body" idx="1"/>
+          </p:nvPr>
+        </p:nvSpPr>
+        <p:spPr/>
+        <p:txBody>
+          <a:bodyPr/>
+          <a:lstStyle/>
+          <a:p>
+            <a:endParaRPr lang="en-US" dirty="0"/>
+          </a:p>
+        </p:txBody>
+      </p:sp>
+      <p:sp>
+        <p:nvSpPr>
+          <p:cNvPr id="4" name="Slide Number Placeholder 3"/>
+          <p:cNvSpPr>
+            <a:spLocks noGrp="1"/>
+          </p:cNvSpPr>
+          <p:nvPr>
+            <p:ph type="sldNum" sz="quarter" idx="5"/>
+          </p:nvPr>
+        </p:nvSpPr>
+        <p:spPr/>
+        <p:txBody>
+          <a:bodyPr/>
+          <a:lstStyle/>
+          <a:p>
+            <a:fld id="{6B83F1C3-4FA3-4491-97F4-43CA9C8BDFDF}" type="slidenum">
+              <a:rPr lang="en-US" smtClean="0"/>
+              <a:t>3</a:t>
+            </a:fld>
+            <a:endParaRPr lang="en-US" dirty="0"/>
+          </a:p>
+        </p:txBody>
+      </p:sp>
+    </p:spTree>
+    <p:extLst>
+      <p:ext uri="{BB962C8B-B14F-4D97-AF65-F5344CB8AC3E}">
+        <p14:creationId xmlns:p14="http://schemas.microsoft.com/office/powerpoint/2010/main" val="3532057988"/>
+      </p:ext>
+    </p:extLst>
+  </p:cSld>
+  <p:clrMapOvr>
+    <a:masterClrMapping/>
+  </p:clrMapOvr>
+</p:notes>
+</file>
+
+<file path=ppt/notesSlides/notesSlide4.xml><?xml version="1.0" encoding="utf-8"?>
+<p:notes xmlns:a="http://schemas.openxmlformats.org/drawingml/2006/main" xmlns:r="http://schemas.openxmlformats.org/officeDocument/2006/relationships" xmlns:p="http://schemas.openxmlformats.org/presentationml/2006/main">
+  <p:cSld>
+    <p:spTree>
+      <p:nvGrpSpPr>
+        <p:cNvPr id="1" name=""/>
+        <p:cNvGrpSpPr/>
+        <p:nvPr/>
+      </p:nvGrpSpPr>
+      <p:grpSpPr>
+        <a:xfrm>
+          <a:off x="0" y="0"/>
+          <a:ext cx="0" cy="0"/>
+          <a:chOff x="0" y="0"/>
+          <a:chExt cx="0" cy="0"/>
+        </a:xfrm>
+      </p:grpSpPr>
+      <p:sp>
+        <p:nvSpPr>
+          <p:cNvPr id="2" name="Slide Image Placeholder 1"/>
+          <p:cNvSpPr>
+            <a:spLocks noGrp="1" noRot="1" noChangeAspect="1"/>
+          </p:cNvSpPr>
+          <p:nvPr>
+            <p:ph type="sldImg"/>
+          </p:nvPr>
+        </p:nvSpPr>
+        <p:spPr/>
+      </p:sp>
+      <p:sp>
+        <p:nvSpPr>
+          <p:cNvPr id="3" name="Notes Placeholder 2"/>
+          <p:cNvSpPr>
+            <a:spLocks noGrp="1"/>
+          </p:cNvSpPr>
+          <p:nvPr>
+            <p:ph type="body" idx="1"/>
+          </p:nvPr>
+        </p:nvSpPr>
+        <p:spPr/>
+        <p:txBody>
+          <a:bodyPr/>
+          <a:lstStyle/>
+          <a:p>
+            <a:endParaRPr lang="en-US" dirty="0"/>
+          </a:p>
+        </p:txBody>
+      </p:sp>
+      <p:sp>
+        <p:nvSpPr>
+          <p:cNvPr id="4" name="Slide Number Placeholder 3"/>
+          <p:cNvSpPr>
+            <a:spLocks noGrp="1"/>
+          </p:cNvSpPr>
+          <p:nvPr>
+            <p:ph type="sldNum" sz="quarter" idx="5"/>
+          </p:nvPr>
+        </p:nvSpPr>
+        <p:spPr/>
+        <p:txBody>
+          <a:bodyPr/>
+          <a:lstStyle/>
+          <a:p>
+            <a:fld id="{6B83F1C3-4FA3-4491-97F4-43CA9C8BDFDF}" type="slidenum">
+              <a:rPr lang="en-US" smtClean="0"/>
+              <a:t>5</a:t>
+            </a:fld>
+            <a:endParaRPr lang="en-US" dirty="0"/>
+          </a:p>
+        </p:txBody>
+      </p:sp>
+    </p:spTree>
+    <p:extLst>
+      <p:ext uri="{BB962C8B-B14F-4D97-AF65-F5344CB8AC3E}">
+        <p14:creationId xmlns:p14="http://schemas.microsoft.com/office/powerpoint/2010/main" val="237107430"/>
+      </p:ext>
+    </p:extLst>
+  </p:cSld>
+  <p:clrMapOvr>
+    <a:masterClrMapping/>
+  </p:clrMapOvr>
+</p:notes>
+</file>
+
+<file path=ppt/notesSlides/notesSlide5.xml><?xml version="1.0" encoding="utf-8"?>
+<p:notes xmlns:a="http://schemas.openxmlformats.org/drawingml/2006/main" xmlns:r="http://schemas.openxmlformats.org/officeDocument/2006/relationships" xmlns:p="http://schemas.openxmlformats.org/presentationml/2006/main">
+  <p:cSld>
+    <p:spTree>
+      <p:nvGrpSpPr>
+        <p:cNvPr id="1" name=""/>
+        <p:cNvGrpSpPr/>
+        <p:nvPr/>
+      </p:nvGrpSpPr>
+      <p:grpSpPr>
+        <a:xfrm>
+          <a:off x="0" y="0"/>
+          <a:ext cx="0" cy="0"/>
+          <a:chOff x="0" y="0"/>
+          <a:chExt cx="0" cy="0"/>
+        </a:xfrm>
+      </p:grpSpPr>
+      <p:sp>
+        <p:nvSpPr>
+          <p:cNvPr id="2" name="Slide Image Placeholder 1"/>
+          <p:cNvSpPr>
+            <a:spLocks noGrp="1" noRot="1" noChangeAspect="1"/>
+          </p:cNvSpPr>
+          <p:nvPr>
+            <p:ph type="sldImg"/>
+          </p:nvPr>
+        </p:nvSpPr>
+        <p:spPr/>
+      </p:sp>
+      <p:sp>
+        <p:nvSpPr>
+          <p:cNvPr id="3" name="Notes Placeholder 2"/>
+          <p:cNvSpPr>
+            <a:spLocks noGrp="1"/>
+          </p:cNvSpPr>
+          <p:nvPr>
+            <p:ph type="body" idx="1"/>
+          </p:nvPr>
+        </p:nvSpPr>
+        <p:spPr/>
+        <p:txBody>
+          <a:bodyPr/>
+          <a:lstStyle/>
+          <a:p>
+            <a:endParaRPr lang="en-US" dirty="0"/>
+          </a:p>
+        </p:txBody>
+      </p:sp>
+      <p:sp>
+        <p:nvSpPr>
+          <p:cNvPr id="4" name="Slide Number Placeholder 3"/>
+          <p:cNvSpPr>
+            <a:spLocks noGrp="1"/>
+          </p:cNvSpPr>
+          <p:nvPr>
+            <p:ph type="sldNum" sz="quarter" idx="5"/>
+          </p:nvPr>
+        </p:nvSpPr>
+        <p:spPr/>
+        <p:txBody>
+          <a:bodyPr/>
+          <a:lstStyle/>
+          <a:p>
+            <a:fld id="{6B83F1C3-4FA3-4491-97F4-43CA9C8BDFDF}" type="slidenum">
+              <a:rPr lang="en-US" smtClean="0"/>
+              <a:t>20</a:t>
+            </a:fld>
+            <a:endParaRPr lang="en-US" dirty="0"/>
+          </a:p>
+        </p:txBody>
+      </p:sp>
+    </p:spTree>
+    <p:extLst>
+      <p:ext uri="{BB962C8B-B14F-4D97-AF65-F5344CB8AC3E}">
+        <p14:creationId xmlns:p14="http://schemas.microsoft.com/office/powerpoint/2010/main" val="2173205362"/>
+      </p:ext>
+    </p:extLst>
+  </p:cSld>
+  <p:clrMapOvr>
+    <a:masterClrMapping/>
+  </p:clrMapOvr>
+</p:notes>
+</file>
+
 <file path=ppt/slideLayouts/slideLayout1.xml><?xml version="1.0" encoding="utf-8"?>
 <p:sldLayout xmlns:a="http://schemas.openxmlformats.org/drawingml/2006/main" xmlns:r="http://schemas.openxmlformats.org/officeDocument/2006/relationships" xmlns:p="http://schemas.openxmlformats.org/presentationml/2006/main" preserve="1" userDrawn="1">
   <p:cSld name="Title">
@@ -1799,6 +2067,135 @@
       </p15:sldGuideLst>
     </p:ext>
   </p:extLst>
+</p:sldLayout>
+</file>
+
+<file path=ppt/slideLayouts/slideLayout12.xml><?xml version="1.0" encoding="utf-8"?>
+<p:sldLayout xmlns:a="http://schemas.openxmlformats.org/drawingml/2006/main" xmlns:r="http://schemas.openxmlformats.org/officeDocument/2006/relationships" xmlns:p="http://schemas.openxmlformats.org/presentationml/2006/main" userDrawn="1">
+  <p:cSld name="Title">
+    <p:spTree>
+      <p:nvGrpSpPr>
+        <p:cNvPr id="1" name=""/>
+        <p:cNvGrpSpPr/>
+        <p:nvPr/>
+      </p:nvGrpSpPr>
+      <p:grpSpPr>
+        <a:xfrm>
+          <a:off x="0" y="0"/>
+          <a:ext cx="0" cy="0"/>
+          <a:chOff x="0" y="0"/>
+          <a:chExt cx="0" cy="0"/>
+        </a:xfrm>
+      </p:grpSpPr>
+      <p:sp>
+        <p:nvSpPr>
+          <p:cNvPr id="8" name="Picture Placeholder 7">
+            <a:extLst>
+              <a:ext uri="{FF2B5EF4-FFF2-40B4-BE49-F238E27FC236}">
+                <a16:creationId xmlns:a16="http://schemas.microsoft.com/office/drawing/2014/main" id="{DF9C7667-EADA-40AC-B931-4642E0A9A4DE}"/>
+              </a:ext>
+            </a:extLst>
+          </p:cNvPr>
+          <p:cNvSpPr>
+            <a:spLocks noGrp="1"/>
+          </p:cNvSpPr>
+          <p:nvPr>
+            <p:ph type="pic" sz="quarter" idx="13"/>
+          </p:nvPr>
+        </p:nvSpPr>
+        <p:spPr>
+          <a:xfrm>
+            <a:off x="0" y="0"/>
+            <a:ext cx="12192000" cy="6858000"/>
+          </a:xfrm>
+          <a:prstGeom prst="rect">
+            <a:avLst/>
+          </a:prstGeom>
+          <a:solidFill>
+            <a:schemeClr val="tx1">
+              <a:lumMod val="65000"/>
+              <a:lumOff val="35000"/>
+            </a:schemeClr>
+          </a:solidFill>
+        </p:spPr>
+        <p:txBody>
+          <a:bodyPr anchor="ctr"/>
+          <a:lstStyle>
+            <a:lvl1pPr marL="0" indent="0" algn="ctr">
+              <a:buNone/>
+              <a:defRPr>
+                <a:solidFill>
+                  <a:schemeClr val="bg1"/>
+                </a:solidFill>
+              </a:defRPr>
+            </a:lvl1pPr>
+          </a:lstStyle>
+          <a:p>
+            <a:r>
+              <a:rPr lang="en-US"/>
+              <a:t>Click icon to add picture</a:t>
+            </a:r>
+            <a:endParaRPr lang="en-US" dirty="0"/>
+          </a:p>
+        </p:txBody>
+      </p:sp>
+      <p:sp>
+        <p:nvSpPr>
+          <p:cNvPr id="2" name="Title 1">
+            <a:extLst>
+              <a:ext uri="{FF2B5EF4-FFF2-40B4-BE49-F238E27FC236}">
+                <a16:creationId xmlns:a16="http://schemas.microsoft.com/office/drawing/2014/main" id="{43379CA9-81D6-424A-8046-4B56E1D25059}"/>
+              </a:ext>
+            </a:extLst>
+          </p:cNvPr>
+          <p:cNvSpPr>
+            <a:spLocks noGrp="1"/>
+          </p:cNvSpPr>
+          <p:nvPr>
+            <p:ph type="title"/>
+          </p:nvPr>
+        </p:nvSpPr>
+        <p:spPr>
+          <a:xfrm>
+            <a:off x="457200" y="4517136"/>
+            <a:ext cx="6581554" cy="1371600"/>
+          </a:xfrm>
+        </p:spPr>
+        <p:txBody>
+          <a:bodyPr>
+            <a:normAutofit/>
+          </a:bodyPr>
+          <a:lstStyle>
+            <a:lvl1pPr>
+              <a:lnSpc>
+                <a:spcPts val="4600"/>
+              </a:lnSpc>
+              <a:defRPr sz="3600" cap="all" baseline="0">
+                <a:solidFill>
+                  <a:schemeClr val="bg1"/>
+                </a:solidFill>
+              </a:defRPr>
+            </a:lvl1pPr>
+          </a:lstStyle>
+          <a:p>
+            <a:r>
+              <a:rPr lang="en-US"/>
+              <a:t>Click to edit Master title style</a:t>
+            </a:r>
+            <a:endParaRPr lang="en-US" dirty="0"/>
+          </a:p>
+        </p:txBody>
+      </p:sp>
+    </p:spTree>
+    <p:extLst>
+      <p:ext uri="{BB962C8B-B14F-4D97-AF65-F5344CB8AC3E}">
+        <p14:creationId xmlns:p14="http://schemas.microsoft.com/office/powerpoint/2010/main" val="2261131302"/>
+      </p:ext>
+    </p:extLst>
+  </p:cSld>
+  <p:clrMapOvr>
+    <a:masterClrMapping/>
+  </p:clrMapOvr>
 </p:sldLayout>
 </file>
 
@@ -4862,7 +5259,7 @@
           <a:p>
             <a:fld id="{8F310904-DE8F-4B8E-99C6-5AFA03672FFA}" type="datetimeFigureOut">
               <a:rPr lang="en-US" smtClean="0"/>
-              <a:t>5/4/2022</a:t>
+              <a:t>5/5/2022</a:t>
             </a:fld>
             <a:endParaRPr lang="en-US" dirty="0"/>
           </a:p>
@@ -5393,7 +5790,7 @@
           <a:p>
             <a:fld id="{8F310904-DE8F-4B8E-99C6-5AFA03672FFA}" type="datetimeFigureOut">
               <a:rPr lang="en-US" smtClean="0"/>
-              <a:t>5/4/2022</a:t>
+              <a:t>5/5/2022</a:t>
             </a:fld>
             <a:endParaRPr lang="en-US" dirty="0"/>
           </a:p>
@@ -5921,7 +6318,7 @@
           <a:p>
             <a:fld id="{8F310904-DE8F-4B8E-99C6-5AFA03672FFA}" type="datetimeFigureOut">
               <a:rPr lang="en-US" smtClean="0"/>
-              <a:t>5/4/2022</a:t>
+              <a:t>5/5/2022</a:t>
             </a:fld>
             <a:endParaRPr lang="en-US" dirty="0"/>
           </a:p>
@@ -6449,7 +6846,7 @@
           <a:p>
             <a:fld id="{8F310904-DE8F-4B8E-99C6-5AFA03672FFA}" type="datetimeFigureOut">
               <a:rPr lang="en-US" smtClean="0"/>
-              <a:t>5/4/2022</a:t>
+              <a:t>5/5/2022</a:t>
             </a:fld>
             <a:endParaRPr lang="en-US" dirty="0"/>
           </a:p>
@@ -6556,6 +6953,7 @@
   <p:sldLayoutIdLst>
     <p:sldLayoutId id="2147483731" r:id="rId1"/>
     <p:sldLayoutId id="2147483704" r:id="rId2"/>
+    <p:sldLayoutId id="2147483732" r:id="rId3"/>
   </p:sldLayoutIdLst>
   <p:txStyles>
     <p:titleStyle>
@@ -6976,6 +7374,947 @@
 </p:sld>
 </file>
 
+<file path=ppt/slides/slide10.xml><?xml version="1.0" encoding="utf-8"?>
+<p:sld xmlns:a="http://schemas.openxmlformats.org/drawingml/2006/main" xmlns:r="http://schemas.openxmlformats.org/officeDocument/2006/relationships" xmlns:p="http://schemas.openxmlformats.org/presentationml/2006/main">
+  <p:cSld>
+    <p:spTree>
+      <p:nvGrpSpPr>
+        <p:cNvPr id="1" name=""/>
+        <p:cNvGrpSpPr/>
+        <p:nvPr/>
+      </p:nvGrpSpPr>
+      <p:grpSpPr>
+        <a:xfrm>
+          <a:off x="0" y="0"/>
+          <a:ext cx="0" cy="0"/>
+          <a:chOff x="0" y="0"/>
+          <a:chExt cx="0" cy="0"/>
+        </a:xfrm>
+      </p:grpSpPr>
+      <p:sp>
+        <p:nvSpPr>
+          <p:cNvPr id="12" name="Title 11">
+            <a:extLst>
+              <a:ext uri="{FF2B5EF4-FFF2-40B4-BE49-F238E27FC236}">
+                <a16:creationId xmlns:a16="http://schemas.microsoft.com/office/drawing/2014/main" id="{068262D9-1F10-9845-9286-018F872538C0}"/>
+              </a:ext>
+            </a:extLst>
+          </p:cNvPr>
+          <p:cNvSpPr>
+            <a:spLocks noGrp="1"/>
+          </p:cNvSpPr>
+          <p:nvPr>
+            <p:ph type="title"/>
+          </p:nvPr>
+        </p:nvSpPr>
+        <p:spPr>
+          <a:xfrm rot="5400000">
+            <a:off x="8913737" y="2233515"/>
+            <a:ext cx="5605272" cy="1572126"/>
+          </a:xfrm>
+        </p:spPr>
+        <p:txBody>
+          <a:bodyPr/>
+          <a:lstStyle/>
+          <a:p>
+            <a:r>
+              <a:rPr lang="en-US" dirty="0"/>
+              <a:t>I</a:t>
+            </a:r>
+            <a:r>
+              <a:rPr lang="en-PH" dirty="0"/>
+              <a:t>Identifier</a:t>
+            </a:r>
+          </a:p>
+        </p:txBody>
+      </p:sp>
+      <p:pic>
+        <p:nvPicPr>
+          <p:cNvPr id="3" name="Picture 2">
+            <a:extLst>
+              <a:ext uri="{FF2B5EF4-FFF2-40B4-BE49-F238E27FC236}">
+                <a16:creationId xmlns:a16="http://schemas.microsoft.com/office/drawing/2014/main" id="{7DB5D479-8028-A72E-D8A0-B8CC330A98E3}"/>
+              </a:ext>
+            </a:extLst>
+          </p:cNvPr>
+          <p:cNvPicPr>
+            <a:picLocks noChangeAspect="1"/>
+          </p:cNvPicPr>
+          <p:nvPr/>
+        </p:nvPicPr>
+        <p:blipFill>
+          <a:blip r:embed="rId2"/>
+          <a:stretch>
+            <a:fillRect/>
+          </a:stretch>
+        </p:blipFill>
+        <p:spPr>
+          <a:xfrm>
+            <a:off x="224790" y="0"/>
+            <a:ext cx="10904219" cy="6858000"/>
+          </a:xfrm>
+          <a:prstGeom prst="rect">
+            <a:avLst/>
+          </a:prstGeom>
+        </p:spPr>
+      </p:pic>
+    </p:spTree>
+    <p:extLst>
+      <p:ext uri="{BB962C8B-B14F-4D97-AF65-F5344CB8AC3E}">
+        <p14:creationId xmlns:p14="http://schemas.microsoft.com/office/powerpoint/2010/main" val="1874863294"/>
+      </p:ext>
+    </p:extLst>
+  </p:cSld>
+  <p:clrMapOvr>
+    <a:masterClrMapping/>
+  </p:clrMapOvr>
+</p:sld>
+</file>
+
+<file path=ppt/slides/slide11.xml><?xml version="1.0" encoding="utf-8"?>
+<p:sld xmlns:a="http://schemas.openxmlformats.org/drawingml/2006/main" xmlns:r="http://schemas.openxmlformats.org/officeDocument/2006/relationships" xmlns:p="http://schemas.openxmlformats.org/presentationml/2006/main">
+  <p:cSld>
+    <p:spTree>
+      <p:nvGrpSpPr>
+        <p:cNvPr id="1" name=""/>
+        <p:cNvGrpSpPr/>
+        <p:nvPr/>
+      </p:nvGrpSpPr>
+      <p:grpSpPr>
+        <a:xfrm>
+          <a:off x="0" y="0"/>
+          <a:ext cx="0" cy="0"/>
+          <a:chOff x="0" y="0"/>
+          <a:chExt cx="0" cy="0"/>
+        </a:xfrm>
+      </p:grpSpPr>
+      <p:sp>
+        <p:nvSpPr>
+          <p:cNvPr id="12" name="Title 11">
+            <a:extLst>
+              <a:ext uri="{FF2B5EF4-FFF2-40B4-BE49-F238E27FC236}">
+                <a16:creationId xmlns:a16="http://schemas.microsoft.com/office/drawing/2014/main" id="{068262D9-1F10-9845-9286-018F872538C0}"/>
+              </a:ext>
+            </a:extLst>
+          </p:cNvPr>
+          <p:cNvSpPr>
+            <a:spLocks noGrp="1"/>
+          </p:cNvSpPr>
+          <p:nvPr>
+            <p:ph type="title"/>
+          </p:nvPr>
+        </p:nvSpPr>
+        <p:spPr>
+          <a:xfrm rot="5400000">
+            <a:off x="8913737" y="2233515"/>
+            <a:ext cx="5605272" cy="1572126"/>
+          </a:xfrm>
+        </p:spPr>
+        <p:txBody>
+          <a:bodyPr/>
+          <a:lstStyle/>
+          <a:p>
+            <a:r>
+              <a:rPr lang="en-PH" dirty="0"/>
+              <a:t>forming identifier</a:t>
+            </a:r>
+          </a:p>
+        </p:txBody>
+      </p:sp>
+      <p:pic>
+        <p:nvPicPr>
+          <p:cNvPr id="3" name="Picture 2">
+            <a:extLst>
+              <a:ext uri="{FF2B5EF4-FFF2-40B4-BE49-F238E27FC236}">
+                <a16:creationId xmlns:a16="http://schemas.microsoft.com/office/drawing/2014/main" id="{64620455-3046-D558-85EF-D8248582AEE3}"/>
+              </a:ext>
+            </a:extLst>
+          </p:cNvPr>
+          <p:cNvPicPr>
+            <a:picLocks noChangeAspect="1"/>
+          </p:cNvPicPr>
+          <p:nvPr/>
+        </p:nvPicPr>
+        <p:blipFill>
+          <a:blip r:embed="rId2"/>
+          <a:stretch>
+            <a:fillRect/>
+          </a:stretch>
+        </p:blipFill>
+        <p:spPr>
+          <a:xfrm>
+            <a:off x="2824756" y="0"/>
+            <a:ext cx="5170888" cy="6858000"/>
+          </a:xfrm>
+          <a:prstGeom prst="rect">
+            <a:avLst/>
+          </a:prstGeom>
+        </p:spPr>
+      </p:pic>
+    </p:spTree>
+    <p:extLst>
+      <p:ext uri="{BB962C8B-B14F-4D97-AF65-F5344CB8AC3E}">
+        <p14:creationId xmlns:p14="http://schemas.microsoft.com/office/powerpoint/2010/main" val="802338327"/>
+      </p:ext>
+    </p:extLst>
+  </p:cSld>
+  <p:clrMapOvr>
+    <a:masterClrMapping/>
+  </p:clrMapOvr>
+</p:sld>
+</file>
+
+<file path=ppt/slides/slide12.xml><?xml version="1.0" encoding="utf-8"?>
+<p:sld xmlns:a="http://schemas.openxmlformats.org/drawingml/2006/main" xmlns:r="http://schemas.openxmlformats.org/officeDocument/2006/relationships" xmlns:p="http://schemas.openxmlformats.org/presentationml/2006/main">
+  <p:cSld>
+    <p:spTree>
+      <p:nvGrpSpPr>
+        <p:cNvPr id="1" name=""/>
+        <p:cNvGrpSpPr/>
+        <p:nvPr/>
+      </p:nvGrpSpPr>
+      <p:grpSpPr>
+        <a:xfrm>
+          <a:off x="0" y="0"/>
+          <a:ext cx="0" cy="0"/>
+          <a:chOff x="0" y="0"/>
+          <a:chExt cx="0" cy="0"/>
+        </a:xfrm>
+      </p:grpSpPr>
+      <p:sp>
+        <p:nvSpPr>
+          <p:cNvPr id="12" name="Title 11">
+            <a:extLst>
+              <a:ext uri="{FF2B5EF4-FFF2-40B4-BE49-F238E27FC236}">
+                <a16:creationId xmlns:a16="http://schemas.microsoft.com/office/drawing/2014/main" id="{068262D9-1F10-9845-9286-018F872538C0}"/>
+              </a:ext>
+            </a:extLst>
+          </p:cNvPr>
+          <p:cNvSpPr>
+            <a:spLocks noGrp="1"/>
+          </p:cNvSpPr>
+          <p:nvPr>
+            <p:ph type="title"/>
+          </p:nvPr>
+        </p:nvSpPr>
+        <p:spPr>
+          <a:xfrm rot="5400000">
+            <a:off x="8913737" y="2233515"/>
+            <a:ext cx="5605272" cy="1572126"/>
+          </a:xfrm>
+        </p:spPr>
+        <p:txBody>
+          <a:bodyPr/>
+          <a:lstStyle/>
+          <a:p>
+            <a:r>
+              <a:rPr lang="en-US" dirty="0"/>
+              <a:t>c</a:t>
+            </a:r>
+            <a:r>
+              <a:rPr lang="en-PH" dirty="0" err="1"/>
+              <a:t>onstants</a:t>
+            </a:r>
+            <a:endParaRPr lang="en-PH" dirty="0"/>
+          </a:p>
+        </p:txBody>
+      </p:sp>
+      <p:pic>
+        <p:nvPicPr>
+          <p:cNvPr id="4" name="Picture 3">
+            <a:extLst>
+              <a:ext uri="{FF2B5EF4-FFF2-40B4-BE49-F238E27FC236}">
+                <a16:creationId xmlns:a16="http://schemas.microsoft.com/office/drawing/2014/main" id="{A5E2C860-AA31-4F91-32A3-11A070CFFC0A}"/>
+              </a:ext>
+            </a:extLst>
+          </p:cNvPr>
+          <p:cNvPicPr>
+            <a:picLocks noChangeAspect="1"/>
+          </p:cNvPicPr>
+          <p:nvPr/>
+        </p:nvPicPr>
+        <p:blipFill>
+          <a:blip r:embed="rId2"/>
+          <a:stretch>
+            <a:fillRect/>
+          </a:stretch>
+        </p:blipFill>
+        <p:spPr>
+          <a:xfrm>
+            <a:off x="4043038" y="0"/>
+            <a:ext cx="4105923" cy="6858000"/>
+          </a:xfrm>
+          <a:prstGeom prst="rect">
+            <a:avLst/>
+          </a:prstGeom>
+        </p:spPr>
+      </p:pic>
+    </p:spTree>
+    <p:extLst>
+      <p:ext uri="{BB962C8B-B14F-4D97-AF65-F5344CB8AC3E}">
+        <p14:creationId xmlns:p14="http://schemas.microsoft.com/office/powerpoint/2010/main" val="3418752080"/>
+      </p:ext>
+    </p:extLst>
+  </p:cSld>
+  <p:clrMapOvr>
+    <a:masterClrMapping/>
+  </p:clrMapOvr>
+</p:sld>
+</file>
+
+<file path=ppt/slides/slide13.xml><?xml version="1.0" encoding="utf-8"?>
+<p:sld xmlns:a="http://schemas.openxmlformats.org/drawingml/2006/main" xmlns:r="http://schemas.openxmlformats.org/officeDocument/2006/relationships" xmlns:p="http://schemas.openxmlformats.org/presentationml/2006/main">
+  <p:cSld>
+    <p:spTree>
+      <p:nvGrpSpPr>
+        <p:cNvPr id="1" name=""/>
+        <p:cNvGrpSpPr/>
+        <p:nvPr/>
+      </p:nvGrpSpPr>
+      <p:grpSpPr>
+        <a:xfrm>
+          <a:off x="0" y="0"/>
+          <a:ext cx="0" cy="0"/>
+          <a:chOff x="0" y="0"/>
+          <a:chExt cx="0" cy="0"/>
+        </a:xfrm>
+      </p:grpSpPr>
+      <p:sp>
+        <p:nvSpPr>
+          <p:cNvPr id="12" name="Title 11">
+            <a:extLst>
+              <a:ext uri="{FF2B5EF4-FFF2-40B4-BE49-F238E27FC236}">
+                <a16:creationId xmlns:a16="http://schemas.microsoft.com/office/drawing/2014/main" id="{068262D9-1F10-9845-9286-018F872538C0}"/>
+              </a:ext>
+            </a:extLst>
+          </p:cNvPr>
+          <p:cNvSpPr>
+            <a:spLocks noGrp="1"/>
+          </p:cNvSpPr>
+          <p:nvPr>
+            <p:ph type="title"/>
+          </p:nvPr>
+        </p:nvSpPr>
+        <p:spPr>
+          <a:xfrm rot="5400000">
+            <a:off x="8913737" y="2233515"/>
+            <a:ext cx="5605272" cy="1572126"/>
+          </a:xfrm>
+        </p:spPr>
+        <p:txBody>
+          <a:bodyPr/>
+          <a:lstStyle/>
+          <a:p>
+            <a:r>
+              <a:rPr lang="en-PH" dirty="0"/>
+              <a:t>forming constant</a:t>
+            </a:r>
+          </a:p>
+        </p:txBody>
+      </p:sp>
+      <p:pic>
+        <p:nvPicPr>
+          <p:cNvPr id="3" name="Picture 2">
+            <a:extLst>
+              <a:ext uri="{FF2B5EF4-FFF2-40B4-BE49-F238E27FC236}">
+                <a16:creationId xmlns:a16="http://schemas.microsoft.com/office/drawing/2014/main" id="{27CDCF10-C394-8CB2-923C-53F56929DA51}"/>
+              </a:ext>
+            </a:extLst>
+          </p:cNvPr>
+          <p:cNvPicPr>
+            <a:picLocks noChangeAspect="1"/>
+          </p:cNvPicPr>
+          <p:nvPr/>
+        </p:nvPicPr>
+        <p:blipFill>
+          <a:blip r:embed="rId2"/>
+          <a:stretch>
+            <a:fillRect/>
+          </a:stretch>
+        </p:blipFill>
+        <p:spPr>
+          <a:xfrm>
+            <a:off x="4095750" y="0"/>
+            <a:ext cx="4000500" cy="6858000"/>
+          </a:xfrm>
+          <a:prstGeom prst="rect">
+            <a:avLst/>
+          </a:prstGeom>
+        </p:spPr>
+      </p:pic>
+    </p:spTree>
+    <p:extLst>
+      <p:ext uri="{BB962C8B-B14F-4D97-AF65-F5344CB8AC3E}">
+        <p14:creationId xmlns:p14="http://schemas.microsoft.com/office/powerpoint/2010/main" val="2840897540"/>
+      </p:ext>
+    </p:extLst>
+  </p:cSld>
+  <p:clrMapOvr>
+    <a:masterClrMapping/>
+  </p:clrMapOvr>
+</p:sld>
+</file>
+
+<file path=ppt/slides/slide14.xml><?xml version="1.0" encoding="utf-8"?>
+<p:sld xmlns:a="http://schemas.openxmlformats.org/drawingml/2006/main" xmlns:r="http://schemas.openxmlformats.org/officeDocument/2006/relationships" xmlns:p="http://schemas.openxmlformats.org/presentationml/2006/main">
+  <p:cSld>
+    <p:spTree>
+      <p:nvGrpSpPr>
+        <p:cNvPr id="1" name=""/>
+        <p:cNvGrpSpPr/>
+        <p:nvPr/>
+      </p:nvGrpSpPr>
+      <p:grpSpPr>
+        <a:xfrm>
+          <a:off x="0" y="0"/>
+          <a:ext cx="0" cy="0"/>
+          <a:chOff x="0" y="0"/>
+          <a:chExt cx="0" cy="0"/>
+        </a:xfrm>
+      </p:grpSpPr>
+      <p:sp>
+        <p:nvSpPr>
+          <p:cNvPr id="12" name="Title 11">
+            <a:extLst>
+              <a:ext uri="{FF2B5EF4-FFF2-40B4-BE49-F238E27FC236}">
+                <a16:creationId xmlns:a16="http://schemas.microsoft.com/office/drawing/2014/main" id="{068262D9-1F10-9845-9286-018F872538C0}"/>
+              </a:ext>
+            </a:extLst>
+          </p:cNvPr>
+          <p:cNvSpPr>
+            <a:spLocks noGrp="1"/>
+          </p:cNvSpPr>
+          <p:nvPr>
+            <p:ph type="title"/>
+          </p:nvPr>
+        </p:nvSpPr>
+        <p:spPr>
+          <a:xfrm>
+            <a:off x="490728" y="0"/>
+            <a:ext cx="5605272" cy="1572126"/>
+          </a:xfrm>
+        </p:spPr>
+        <p:txBody>
+          <a:bodyPr/>
+          <a:lstStyle/>
+          <a:p>
+            <a:r>
+              <a:rPr lang="en-US" dirty="0"/>
+              <a:t>O</a:t>
+            </a:r>
+            <a:r>
+              <a:rPr lang="en-PH" dirty="0" err="1"/>
+              <a:t>Perator</a:t>
+            </a:r>
+            <a:endParaRPr lang="en-PH" dirty="0"/>
+          </a:p>
+        </p:txBody>
+      </p:sp>
+      <p:pic>
+        <p:nvPicPr>
+          <p:cNvPr id="3" name="Picture 2">
+            <a:extLst>
+              <a:ext uri="{FF2B5EF4-FFF2-40B4-BE49-F238E27FC236}">
+                <a16:creationId xmlns:a16="http://schemas.microsoft.com/office/drawing/2014/main" id="{FD273CC3-18F5-2E24-277C-A9DAABD2C729}"/>
+              </a:ext>
+            </a:extLst>
+          </p:cNvPr>
+          <p:cNvPicPr>
+            <a:picLocks noChangeAspect="1"/>
+          </p:cNvPicPr>
+          <p:nvPr/>
+        </p:nvPicPr>
+        <p:blipFill>
+          <a:blip r:embed="rId2"/>
+          <a:stretch>
+            <a:fillRect/>
+          </a:stretch>
+        </p:blipFill>
+        <p:spPr>
+          <a:xfrm>
+            <a:off x="0" y="1434804"/>
+            <a:ext cx="12192000" cy="3988391"/>
+          </a:xfrm>
+          <a:prstGeom prst="rect">
+            <a:avLst/>
+          </a:prstGeom>
+        </p:spPr>
+      </p:pic>
+    </p:spTree>
+    <p:extLst>
+      <p:ext uri="{BB962C8B-B14F-4D97-AF65-F5344CB8AC3E}">
+        <p14:creationId xmlns:p14="http://schemas.microsoft.com/office/powerpoint/2010/main" val="1688315606"/>
+      </p:ext>
+    </p:extLst>
+  </p:cSld>
+  <p:clrMapOvr>
+    <a:masterClrMapping/>
+  </p:clrMapOvr>
+</p:sld>
+</file>
+
+<file path=ppt/slides/slide15.xml><?xml version="1.0" encoding="utf-8"?>
+<p:sld xmlns:a="http://schemas.openxmlformats.org/drawingml/2006/main" xmlns:r="http://schemas.openxmlformats.org/officeDocument/2006/relationships" xmlns:p="http://schemas.openxmlformats.org/presentationml/2006/main">
+  <p:cSld>
+    <p:spTree>
+      <p:nvGrpSpPr>
+        <p:cNvPr id="1" name=""/>
+        <p:cNvGrpSpPr/>
+        <p:nvPr/>
+      </p:nvGrpSpPr>
+      <p:grpSpPr>
+        <a:xfrm>
+          <a:off x="0" y="0"/>
+          <a:ext cx="0" cy="0"/>
+          <a:chOff x="0" y="0"/>
+          <a:chExt cx="0" cy="0"/>
+        </a:xfrm>
+      </p:grpSpPr>
+      <p:sp>
+        <p:nvSpPr>
+          <p:cNvPr id="12" name="Title 11">
+            <a:extLst>
+              <a:ext uri="{FF2B5EF4-FFF2-40B4-BE49-F238E27FC236}">
+                <a16:creationId xmlns:a16="http://schemas.microsoft.com/office/drawing/2014/main" id="{068262D9-1F10-9845-9286-018F872538C0}"/>
+              </a:ext>
+            </a:extLst>
+          </p:cNvPr>
+          <p:cNvSpPr>
+            <a:spLocks noGrp="1"/>
+          </p:cNvSpPr>
+          <p:nvPr>
+            <p:ph type="title"/>
+          </p:nvPr>
+        </p:nvSpPr>
+        <p:spPr>
+          <a:xfrm rot="5400000">
+            <a:off x="8913737" y="2233515"/>
+            <a:ext cx="5605272" cy="1572126"/>
+          </a:xfrm>
+        </p:spPr>
+        <p:txBody>
+          <a:bodyPr/>
+          <a:lstStyle/>
+          <a:p>
+            <a:r>
+              <a:rPr lang="en-US" dirty="0"/>
+              <a:t>E</a:t>
+            </a:r>
+            <a:r>
+              <a:rPr lang="en-PH" dirty="0" err="1"/>
+              <a:t>xp</a:t>
+            </a:r>
+            <a:r>
+              <a:rPr lang="en-PH" dirty="0"/>
+              <a:t> Parenthesis</a:t>
+            </a:r>
+          </a:p>
+        </p:txBody>
+      </p:sp>
+      <p:pic>
+        <p:nvPicPr>
+          <p:cNvPr id="3" name="Picture 2">
+            <a:extLst>
+              <a:ext uri="{FF2B5EF4-FFF2-40B4-BE49-F238E27FC236}">
+                <a16:creationId xmlns:a16="http://schemas.microsoft.com/office/drawing/2014/main" id="{F5876AE4-5C28-26F7-5BBF-7A0FECF803A6}"/>
+              </a:ext>
+            </a:extLst>
+          </p:cNvPr>
+          <p:cNvPicPr>
+            <a:picLocks noChangeAspect="1"/>
+          </p:cNvPicPr>
+          <p:nvPr/>
+        </p:nvPicPr>
+        <p:blipFill>
+          <a:blip r:embed="rId2"/>
+          <a:stretch>
+            <a:fillRect/>
+          </a:stretch>
+        </p:blipFill>
+        <p:spPr>
+          <a:xfrm>
+            <a:off x="2018731" y="723522"/>
+            <a:ext cx="8154538" cy="5410955"/>
+          </a:xfrm>
+          <a:prstGeom prst="rect">
+            <a:avLst/>
+          </a:prstGeom>
+        </p:spPr>
+      </p:pic>
+    </p:spTree>
+    <p:extLst>
+      <p:ext uri="{BB962C8B-B14F-4D97-AF65-F5344CB8AC3E}">
+        <p14:creationId xmlns:p14="http://schemas.microsoft.com/office/powerpoint/2010/main" val="1212501474"/>
+      </p:ext>
+    </p:extLst>
+  </p:cSld>
+  <p:clrMapOvr>
+    <a:masterClrMapping/>
+  </p:clrMapOvr>
+</p:sld>
+</file>
+
+<file path=ppt/slides/slide16.xml><?xml version="1.0" encoding="utf-8"?>
+<p:sld xmlns:a="http://schemas.openxmlformats.org/drawingml/2006/main" xmlns:r="http://schemas.openxmlformats.org/officeDocument/2006/relationships" xmlns:p="http://schemas.openxmlformats.org/presentationml/2006/main">
+  <p:cSld>
+    <p:spTree>
+      <p:nvGrpSpPr>
+        <p:cNvPr id="1" name=""/>
+        <p:cNvGrpSpPr/>
+        <p:nvPr/>
+      </p:nvGrpSpPr>
+      <p:grpSpPr>
+        <a:xfrm>
+          <a:off x="0" y="0"/>
+          <a:ext cx="0" cy="0"/>
+          <a:chOff x="0" y="0"/>
+          <a:chExt cx="0" cy="0"/>
+        </a:xfrm>
+      </p:grpSpPr>
+      <p:sp>
+        <p:nvSpPr>
+          <p:cNvPr id="12" name="Title 11">
+            <a:extLst>
+              <a:ext uri="{FF2B5EF4-FFF2-40B4-BE49-F238E27FC236}">
+                <a16:creationId xmlns:a16="http://schemas.microsoft.com/office/drawing/2014/main" id="{068262D9-1F10-9845-9286-018F872538C0}"/>
+              </a:ext>
+            </a:extLst>
+          </p:cNvPr>
+          <p:cNvSpPr>
+            <a:spLocks noGrp="1"/>
+          </p:cNvSpPr>
+          <p:nvPr>
+            <p:ph type="title"/>
+          </p:nvPr>
+        </p:nvSpPr>
+        <p:spPr>
+          <a:xfrm rot="5400000">
+            <a:off x="8913737" y="2233515"/>
+            <a:ext cx="5605272" cy="1572126"/>
+          </a:xfrm>
+        </p:spPr>
+        <p:txBody>
+          <a:bodyPr/>
+          <a:lstStyle/>
+          <a:p>
+            <a:r>
+              <a:rPr lang="en-US" dirty="0" err="1"/>
+              <a:t>i</a:t>
+            </a:r>
+            <a:r>
+              <a:rPr lang="en-PH" dirty="0" err="1"/>
+              <a:t>sbalanced</a:t>
+            </a:r>
+            <a:endParaRPr lang="en-PH" dirty="0"/>
+          </a:p>
+        </p:txBody>
+      </p:sp>
+      <p:pic>
+        <p:nvPicPr>
+          <p:cNvPr id="3" name="Picture 2">
+            <a:extLst>
+              <a:ext uri="{FF2B5EF4-FFF2-40B4-BE49-F238E27FC236}">
+                <a16:creationId xmlns:a16="http://schemas.microsoft.com/office/drawing/2014/main" id="{83600128-D12B-CAFC-BA45-BF0A654FFD9D}"/>
+              </a:ext>
+            </a:extLst>
+          </p:cNvPr>
+          <p:cNvPicPr>
+            <a:picLocks noChangeAspect="1"/>
+          </p:cNvPicPr>
+          <p:nvPr/>
+        </p:nvPicPr>
+        <p:blipFill>
+          <a:blip r:embed="rId2"/>
+          <a:stretch>
+            <a:fillRect/>
+          </a:stretch>
+        </p:blipFill>
+        <p:spPr>
+          <a:xfrm>
+            <a:off x="3239826" y="0"/>
+            <a:ext cx="5712348" cy="6858000"/>
+          </a:xfrm>
+          <a:prstGeom prst="rect">
+            <a:avLst/>
+          </a:prstGeom>
+        </p:spPr>
+      </p:pic>
+    </p:spTree>
+    <p:extLst>
+      <p:ext uri="{BB962C8B-B14F-4D97-AF65-F5344CB8AC3E}">
+        <p14:creationId xmlns:p14="http://schemas.microsoft.com/office/powerpoint/2010/main" val="2377979668"/>
+      </p:ext>
+    </p:extLst>
+  </p:cSld>
+  <p:clrMapOvr>
+    <a:masterClrMapping/>
+  </p:clrMapOvr>
+</p:sld>
+</file>
+
+<file path=ppt/slides/slide17.xml><?xml version="1.0" encoding="utf-8"?>
+<p:sld xmlns:a="http://schemas.openxmlformats.org/drawingml/2006/main" xmlns:r="http://schemas.openxmlformats.org/officeDocument/2006/relationships" xmlns:p="http://schemas.openxmlformats.org/presentationml/2006/main">
+  <p:cSld>
+    <p:spTree>
+      <p:nvGrpSpPr>
+        <p:cNvPr id="1" name=""/>
+        <p:cNvGrpSpPr/>
+        <p:nvPr/>
+      </p:nvGrpSpPr>
+      <p:grpSpPr>
+        <a:xfrm>
+          <a:off x="0" y="0"/>
+          <a:ext cx="0" cy="0"/>
+          <a:chOff x="0" y="0"/>
+          <a:chExt cx="0" cy="0"/>
+        </a:xfrm>
+      </p:grpSpPr>
+      <p:sp>
+        <p:nvSpPr>
+          <p:cNvPr id="12" name="Title 11">
+            <a:extLst>
+              <a:ext uri="{FF2B5EF4-FFF2-40B4-BE49-F238E27FC236}">
+                <a16:creationId xmlns:a16="http://schemas.microsoft.com/office/drawing/2014/main" id="{068262D9-1F10-9845-9286-018F872538C0}"/>
+              </a:ext>
+            </a:extLst>
+          </p:cNvPr>
+          <p:cNvSpPr>
+            <a:spLocks noGrp="1"/>
+          </p:cNvSpPr>
+          <p:nvPr>
+            <p:ph type="title"/>
+          </p:nvPr>
+        </p:nvSpPr>
+        <p:spPr>
+          <a:xfrm rot="5400000">
+            <a:off x="8913737" y="2233515"/>
+            <a:ext cx="5605272" cy="1572126"/>
+          </a:xfrm>
+        </p:spPr>
+        <p:txBody>
+          <a:bodyPr/>
+          <a:lstStyle/>
+          <a:p>
+            <a:r>
+              <a:rPr lang="en-US" dirty="0" err="1"/>
+              <a:t>i</a:t>
+            </a:r>
+            <a:r>
+              <a:rPr lang="en-PH" dirty="0" err="1"/>
+              <a:t>schar</a:t>
+            </a:r>
+            <a:endParaRPr lang="en-PH" dirty="0"/>
+          </a:p>
+        </p:txBody>
+      </p:sp>
+      <p:pic>
+        <p:nvPicPr>
+          <p:cNvPr id="3" name="Picture 2">
+            <a:extLst>
+              <a:ext uri="{FF2B5EF4-FFF2-40B4-BE49-F238E27FC236}">
+                <a16:creationId xmlns:a16="http://schemas.microsoft.com/office/drawing/2014/main" id="{A86C06CA-B9B0-A3F7-628F-DEB6F024DA13}"/>
+              </a:ext>
+            </a:extLst>
+          </p:cNvPr>
+          <p:cNvPicPr>
+            <a:picLocks noChangeAspect="1"/>
+          </p:cNvPicPr>
+          <p:nvPr/>
+        </p:nvPicPr>
+        <p:blipFill>
+          <a:blip r:embed="rId2"/>
+          <a:stretch>
+            <a:fillRect/>
+          </a:stretch>
+        </p:blipFill>
+        <p:spPr>
+          <a:xfrm>
+            <a:off x="4009734" y="1585655"/>
+            <a:ext cx="4172532" cy="3686689"/>
+          </a:xfrm>
+          <a:prstGeom prst="rect">
+            <a:avLst/>
+          </a:prstGeom>
+        </p:spPr>
+      </p:pic>
+    </p:spTree>
+    <p:extLst>
+      <p:ext uri="{BB962C8B-B14F-4D97-AF65-F5344CB8AC3E}">
+        <p14:creationId xmlns:p14="http://schemas.microsoft.com/office/powerpoint/2010/main" val="4269053863"/>
+      </p:ext>
+    </p:extLst>
+  </p:cSld>
+  <p:clrMapOvr>
+    <a:masterClrMapping/>
+  </p:clrMapOvr>
+</p:sld>
+</file>
+
+<file path=ppt/slides/slide18.xml><?xml version="1.0" encoding="utf-8"?>
+<p:sld xmlns:a="http://schemas.openxmlformats.org/drawingml/2006/main" xmlns:r="http://schemas.openxmlformats.org/officeDocument/2006/relationships" xmlns:p="http://schemas.openxmlformats.org/presentationml/2006/main">
+  <p:cSld>
+    <p:spTree>
+      <p:nvGrpSpPr>
+        <p:cNvPr id="1" name=""/>
+        <p:cNvGrpSpPr/>
+        <p:nvPr/>
+      </p:nvGrpSpPr>
+      <p:grpSpPr>
+        <a:xfrm>
+          <a:off x="0" y="0"/>
+          <a:ext cx="0" cy="0"/>
+          <a:chOff x="0" y="0"/>
+          <a:chExt cx="0" cy="0"/>
+        </a:xfrm>
+      </p:grpSpPr>
+      <p:sp>
+        <p:nvSpPr>
+          <p:cNvPr id="12" name="Title 11">
+            <a:extLst>
+              <a:ext uri="{FF2B5EF4-FFF2-40B4-BE49-F238E27FC236}">
+                <a16:creationId xmlns:a16="http://schemas.microsoft.com/office/drawing/2014/main" id="{068262D9-1F10-9845-9286-018F872538C0}"/>
+              </a:ext>
+            </a:extLst>
+          </p:cNvPr>
+          <p:cNvSpPr>
+            <a:spLocks noGrp="1"/>
+          </p:cNvSpPr>
+          <p:nvPr>
+            <p:ph type="title"/>
+          </p:nvPr>
+        </p:nvSpPr>
+        <p:spPr>
+          <a:xfrm rot="5400000">
+            <a:off x="8913737" y="2233515"/>
+            <a:ext cx="5605272" cy="1572126"/>
+          </a:xfrm>
+        </p:spPr>
+        <p:txBody>
+          <a:bodyPr/>
+          <a:lstStyle/>
+          <a:p>
+            <a:r>
+              <a:rPr lang="en-US" dirty="0"/>
+              <a:t>T</a:t>
+            </a:r>
+            <a:r>
+              <a:rPr lang="en-PH" dirty="0" err="1"/>
+              <a:t>erminator</a:t>
+            </a:r>
+            <a:endParaRPr lang="en-PH" dirty="0"/>
+          </a:p>
+        </p:txBody>
+      </p:sp>
+      <p:pic>
+        <p:nvPicPr>
+          <p:cNvPr id="3" name="Picture 2">
+            <a:extLst>
+              <a:ext uri="{FF2B5EF4-FFF2-40B4-BE49-F238E27FC236}">
+                <a16:creationId xmlns:a16="http://schemas.microsoft.com/office/drawing/2014/main" id="{1A85B405-D40C-D6F8-449F-77FDB418F0E7}"/>
+              </a:ext>
+            </a:extLst>
+          </p:cNvPr>
+          <p:cNvPicPr>
+            <a:picLocks noChangeAspect="1"/>
+          </p:cNvPicPr>
+          <p:nvPr/>
+        </p:nvPicPr>
+        <p:blipFill>
+          <a:blip r:embed="rId2"/>
+          <a:stretch>
+            <a:fillRect/>
+          </a:stretch>
+        </p:blipFill>
+        <p:spPr>
+          <a:xfrm>
+            <a:off x="889861" y="709233"/>
+            <a:ext cx="10412278" cy="5439534"/>
+          </a:xfrm>
+          <a:prstGeom prst="rect">
+            <a:avLst/>
+          </a:prstGeom>
+        </p:spPr>
+      </p:pic>
+    </p:spTree>
+    <p:extLst>
+      <p:ext uri="{BB962C8B-B14F-4D97-AF65-F5344CB8AC3E}">
+        <p14:creationId xmlns:p14="http://schemas.microsoft.com/office/powerpoint/2010/main" val="3720609042"/>
+      </p:ext>
+    </p:extLst>
+  </p:cSld>
+  <p:clrMapOvr>
+    <a:masterClrMapping/>
+  </p:clrMapOvr>
+</p:sld>
+</file>
+
+<file path=ppt/slides/slide19.xml><?xml version="1.0" encoding="utf-8"?>
+<p:sld xmlns:a="http://schemas.openxmlformats.org/drawingml/2006/main" xmlns:r="http://schemas.openxmlformats.org/officeDocument/2006/relationships" xmlns:p="http://schemas.openxmlformats.org/presentationml/2006/main">
+  <p:cSld>
+    <p:spTree>
+      <p:nvGrpSpPr>
+        <p:cNvPr id="1" name=""/>
+        <p:cNvGrpSpPr/>
+        <p:nvPr/>
+      </p:nvGrpSpPr>
+      <p:grpSpPr>
+        <a:xfrm>
+          <a:off x="0" y="0"/>
+          <a:ext cx="0" cy="0"/>
+          <a:chOff x="0" y="0"/>
+          <a:chExt cx="0" cy="0"/>
+        </a:xfrm>
+      </p:grpSpPr>
+      <p:sp>
+        <p:nvSpPr>
+          <p:cNvPr id="12" name="Title 11">
+            <a:extLst>
+              <a:ext uri="{FF2B5EF4-FFF2-40B4-BE49-F238E27FC236}">
+                <a16:creationId xmlns:a16="http://schemas.microsoft.com/office/drawing/2014/main" id="{068262D9-1F10-9845-9286-018F872538C0}"/>
+              </a:ext>
+            </a:extLst>
+          </p:cNvPr>
+          <p:cNvSpPr>
+            <a:spLocks noGrp="1"/>
+          </p:cNvSpPr>
+          <p:nvPr>
+            <p:ph type="title"/>
+          </p:nvPr>
+        </p:nvSpPr>
+        <p:spPr>
+          <a:xfrm rot="5400000">
+            <a:off x="8913737" y="2233515"/>
+            <a:ext cx="5605272" cy="1572126"/>
+          </a:xfrm>
+        </p:spPr>
+        <p:txBody>
+          <a:bodyPr/>
+          <a:lstStyle/>
+          <a:p>
+            <a:r>
+              <a:rPr lang="en-US" dirty="0"/>
+              <a:t>F</a:t>
+            </a:r>
+            <a:r>
+              <a:rPr lang="en-PH" dirty="0"/>
+              <a:t>INAL Note</a:t>
+            </a:r>
+          </a:p>
+        </p:txBody>
+      </p:sp>
+    </p:spTree>
+    <p:extLst>
+      <p:ext uri="{BB962C8B-B14F-4D97-AF65-F5344CB8AC3E}">
+        <p14:creationId xmlns:p14="http://schemas.microsoft.com/office/powerpoint/2010/main" val="3223822791"/>
+      </p:ext>
+    </p:extLst>
+  </p:cSld>
+  <p:clrMapOvr>
+    <a:masterClrMapping/>
+  </p:clrMapOvr>
+</p:sld>
+</file>
+
 <file path=ppt/slides/slide2.xml><?xml version="1.0" encoding="utf-8"?>
 <p:sld xmlns:a="http://schemas.openxmlformats.org/drawingml/2006/main" xmlns:r="http://schemas.openxmlformats.org/officeDocument/2006/relationships" xmlns:p="http://schemas.openxmlformats.org/presentationml/2006/main">
   <p:cSld>
@@ -7101,7 +8440,7 @@
         </p:nvSpPr>
         <p:spPr>
           <a:xfrm>
-            <a:off x="457199" y="914400"/>
+            <a:off x="92765" y="0"/>
             <a:ext cx="11174819" cy="903767"/>
           </a:xfrm>
         </p:spPr>
@@ -7111,7 +8450,7 @@
           <a:p>
             <a:r>
               <a:rPr lang="en-US" dirty="0"/>
-              <a:t>Grammar Rules</a:t>
+              <a:t>Goal</a:t>
             </a:r>
           </a:p>
         </p:txBody>
@@ -7134,7 +8473,7 @@
         </p:nvSpPr>
         <p:spPr>
           <a:xfrm>
-            <a:off x="92765" y="2240280"/>
+            <a:off x="0" y="2126189"/>
             <a:ext cx="8905461" cy="4197096"/>
           </a:xfrm>
         </p:spPr>
@@ -7142,50 +8481,106 @@
           <a:bodyPr/>
           <a:lstStyle/>
           <a:p>
-            <a:r>
-              <a:rPr lang="en-US" sz="2800" dirty="0" err="1"/>
-              <a:t>var_dec:data_type</a:t>
-            </a:r>
-            <a:r>
-              <a:rPr lang="en-US" sz="2800" dirty="0"/>
-              <a:t> dec ;</a:t>
-            </a:r>
-          </a:p>
-          <a:p>
-            <a:r>
-              <a:rPr lang="en-US" sz="2800" dirty="0" err="1"/>
-              <a:t>data_type:boolean</a:t>
-            </a:r>
-            <a:r>
-              <a:rPr lang="en-US" sz="2800" dirty="0"/>
-              <a:t> | float | int | String | byte | long | short</a:t>
-            </a:r>
-          </a:p>
-          <a:p>
-            <a:r>
-              <a:rPr lang="en-US" sz="2800" dirty="0" err="1"/>
-              <a:t>dec:identifier</a:t>
-            </a:r>
-            <a:r>
-              <a:rPr lang="en-US" sz="2800" dirty="0"/>
-              <a:t> [=exp] | identifier, dec</a:t>
-            </a:r>
-          </a:p>
-          <a:p>
-            <a:r>
-              <a:rPr lang="en-US" sz="2800" dirty="0" err="1"/>
-              <a:t>exp:exp</a:t>
-            </a:r>
-            <a:r>
-              <a:rPr lang="en-US" sz="2800" dirty="0"/>
-              <a:t> (+|*|/|-) exp | ( exp ) | a-z-A-Z [exp] | 0 - 9 [exp] | " exp " | 0 - 9 . exp</a:t>
-            </a:r>
-          </a:p>
-          <a:p>
-            <a:r>
-              <a:rPr lang="en-US" sz="2800" dirty="0"/>
-              <a:t>identifier:(a-z-A-Z) [a-z-A-Z-0-9_]</a:t>
-            </a:r>
+            <a:pPr marL="457200" indent="-457200">
+              <a:buFont typeface="Wingdings" panose="05000000000000000000" pitchFamily="2" charset="2"/>
+              <a:buChar char="Ø"/>
+            </a:pPr>
+            <a:r>
+              <a:rPr lang="en-US" sz="2800" b="0" i="0" dirty="0">
+                <a:solidFill>
+                  <a:srgbClr val="252424"/>
+                </a:solidFill>
+                <a:effectLst/>
+                <a:latin typeface="Segoe UI Web"/>
+              </a:rPr>
+              <a:t>Use the BNF grammar we discussed in the video link below. </a:t>
+            </a:r>
+          </a:p>
+          <a:p>
+            <a:pPr marL="457200" indent="-457200">
+              <a:buFont typeface="Wingdings" panose="05000000000000000000" pitchFamily="2" charset="2"/>
+              <a:buChar char="Ø"/>
+            </a:pPr>
+            <a:r>
+              <a:rPr lang="en-US" sz="2800" b="0" i="0" dirty="0">
+                <a:solidFill>
+                  <a:srgbClr val="252424"/>
+                </a:solidFill>
+                <a:effectLst/>
+                <a:latin typeface="Segoe UI Web"/>
+              </a:rPr>
+              <a:t>Implement a syntax analyzer that checks grammar against a source code base. </a:t>
+            </a:r>
+          </a:p>
+          <a:p>
+            <a:pPr marL="914400" lvl="1" indent="-457200">
+              <a:buFont typeface="Wingdings" panose="05000000000000000000" pitchFamily="2" charset="2"/>
+              <a:buChar char="Ø"/>
+            </a:pPr>
+            <a:r>
+              <a:rPr lang="en-US" sz="3400" dirty="0">
+                <a:solidFill>
+                  <a:srgbClr val="252424"/>
+                </a:solidFill>
+                <a:latin typeface="Segoe UI Web"/>
+              </a:rPr>
+              <a:t>The source code will be read from l</a:t>
+            </a:r>
+            <a:r>
+              <a:rPr lang="en-US" sz="3400" b="0" i="0" dirty="0">
+                <a:solidFill>
+                  <a:srgbClr val="252424"/>
+                </a:solidFill>
+                <a:effectLst/>
+                <a:latin typeface="Segoe UI Web"/>
+              </a:rPr>
+              <a:t>eft to right to </a:t>
+            </a:r>
+            <a:r>
+              <a:rPr lang="en-US" sz="3400" dirty="0">
+                <a:solidFill>
+                  <a:srgbClr val="252424"/>
+                </a:solidFill>
+                <a:latin typeface="Segoe UI Web"/>
+              </a:rPr>
+              <a:t>check if there are syntax errors</a:t>
+            </a:r>
+            <a:endParaRPr lang="en-US" sz="3400" b="0" i="0" dirty="0">
+              <a:solidFill>
+                <a:srgbClr val="252424"/>
+              </a:solidFill>
+              <a:effectLst/>
+              <a:latin typeface="Segoe UI Web"/>
+            </a:endParaRPr>
+          </a:p>
+          <a:p>
+            <a:pPr marL="457200" indent="-457200">
+              <a:buFont typeface="Wingdings" panose="05000000000000000000" pitchFamily="2" charset="2"/>
+              <a:buChar char="Ø"/>
+            </a:pPr>
+            <a:r>
+              <a:rPr lang="en-US" sz="2800" b="0" i="0" dirty="0">
+                <a:solidFill>
+                  <a:srgbClr val="252424"/>
+                </a:solidFill>
+                <a:effectLst/>
+                <a:latin typeface="Segoe UI Web"/>
+              </a:rPr>
+              <a:t>Integrate the lexical analyzer you created previously.</a:t>
+            </a:r>
+          </a:p>
+          <a:p>
+            <a:pPr marL="914400" lvl="1" indent="-457200">
+              <a:buFont typeface="Wingdings" panose="05000000000000000000" pitchFamily="2" charset="2"/>
+              <a:buChar char="Ø"/>
+            </a:pPr>
+            <a:endParaRPr lang="en-US" sz="3400" b="0" i="0" dirty="0">
+              <a:solidFill>
+                <a:srgbClr val="252424"/>
+              </a:solidFill>
+              <a:effectLst/>
+              <a:latin typeface="Segoe UI Web"/>
+            </a:endParaRPr>
           </a:p>
         </p:txBody>
       </p:sp>
@@ -7193,6 +8588,106 @@
     <p:extLst>
       <p:ext uri="{BB962C8B-B14F-4D97-AF65-F5344CB8AC3E}">
         <p14:creationId xmlns:p14="http://schemas.microsoft.com/office/powerpoint/2010/main" val="3898511310"/>
+      </p:ext>
+    </p:extLst>
+  </p:cSld>
+  <p:clrMapOvr>
+    <a:masterClrMapping/>
+  </p:clrMapOvr>
+</p:sld>
+</file>
+
+<file path=ppt/slides/slide20.xml><?xml version="1.0" encoding="utf-8"?>
+<p:sld xmlns:a="http://schemas.openxmlformats.org/drawingml/2006/main" xmlns:r="http://schemas.openxmlformats.org/officeDocument/2006/relationships" xmlns:p="http://schemas.openxmlformats.org/presentationml/2006/main">
+  <p:cSld>
+    <p:spTree>
+      <p:nvGrpSpPr>
+        <p:cNvPr id="1" name=""/>
+        <p:cNvGrpSpPr/>
+        <p:nvPr/>
+      </p:nvGrpSpPr>
+      <p:grpSpPr>
+        <a:xfrm>
+          <a:off x="0" y="0"/>
+          <a:ext cx="0" cy="0"/>
+          <a:chOff x="0" y="0"/>
+          <a:chExt cx="0" cy="0"/>
+        </a:xfrm>
+      </p:grpSpPr>
+      <p:pic>
+        <p:nvPicPr>
+          <p:cNvPr id="8" name="Picture Placeholder 7" descr="Abstract image of curvy lines">
+            <a:extLst>
+              <a:ext uri="{FF2B5EF4-FFF2-40B4-BE49-F238E27FC236}">
+                <a16:creationId xmlns:a16="http://schemas.microsoft.com/office/drawing/2014/main" id="{81F59575-96AE-45B0-B1FB-3CFC139E9D12}"/>
+              </a:ext>
+            </a:extLst>
+          </p:cNvPr>
+          <p:cNvPicPr>
+            <a:picLocks noGrp="1" noChangeAspect="1"/>
+          </p:cNvPicPr>
+          <p:nvPr>
+            <p:ph type="pic" sz="quarter" idx="13"/>
+          </p:nvPr>
+        </p:nvPicPr>
+        <p:blipFill>
+          <a:blip r:embed="rId3"/>
+          <a:srcRect/>
+          <a:stretch/>
+        </p:blipFill>
+        <p:spPr>
+          <a:xfrm>
+            <a:off x="225" y="0"/>
+            <a:ext cx="12191550" cy="6857999"/>
+          </a:xfrm>
+        </p:spPr>
+      </p:pic>
+      <p:sp>
+        <p:nvSpPr>
+          <p:cNvPr id="4" name="Title 3">
+            <a:extLst>
+              <a:ext uri="{FF2B5EF4-FFF2-40B4-BE49-F238E27FC236}">
+                <a16:creationId xmlns:a16="http://schemas.microsoft.com/office/drawing/2014/main" id="{08347D8D-E852-43D5-858E-2D01BE57FA93}"/>
+              </a:ext>
+            </a:extLst>
+          </p:cNvPr>
+          <p:cNvSpPr>
+            <a:spLocks noGrp="1"/>
+          </p:cNvSpPr>
+          <p:nvPr>
+            <p:ph type="title"/>
+          </p:nvPr>
+        </p:nvSpPr>
+        <p:spPr>
+          <a:xfrm>
+            <a:off x="457200" y="4515034"/>
+            <a:ext cx="6581554" cy="1371600"/>
+          </a:xfrm>
+        </p:spPr>
+        <p:txBody>
+          <a:bodyPr anchor="t" anchorCtr="0">
+            <a:normAutofit/>
+          </a:bodyPr>
+          <a:lstStyle/>
+          <a:p>
+            <a:r>
+              <a:rPr lang="en-US" dirty="0"/>
+              <a:t>Thank you for listening</a:t>
+            </a:r>
+            <a:br>
+              <a:rPr lang="en-US" dirty="0"/>
+            </a:br>
+            <a:r>
+              <a:rPr lang="en-US" dirty="0"/>
+              <a:t>Hope to pass this semester!</a:t>
+            </a:r>
+          </a:p>
+        </p:txBody>
+      </p:sp>
+    </p:spTree>
+    <p:extLst>
+      <p:ext uri="{BB962C8B-B14F-4D97-AF65-F5344CB8AC3E}">
+        <p14:creationId xmlns:p14="http://schemas.microsoft.com/office/powerpoint/2010/main" val="129190433"/>
       </p:ext>
     </p:extLst>
   </p:cSld>
@@ -7221,73 +8716,49 @@
       </p:grpSpPr>
       <p:pic>
         <p:nvPicPr>
-          <p:cNvPr id="5" name="Picture 4">
-            <a:extLst>
-              <a:ext uri="{FF2B5EF4-FFF2-40B4-BE49-F238E27FC236}">
-                <a16:creationId xmlns:a16="http://schemas.microsoft.com/office/drawing/2014/main" id="{95FB3D38-DE9A-1E87-24E1-00248D2F27F0}"/>
+          <p:cNvPr id="8" name="Picture Placeholder 7" descr="A person standing on a rock while looking at the ocean wave with outstretched arms">
+            <a:extLst>
+              <a:ext uri="{FF2B5EF4-FFF2-40B4-BE49-F238E27FC236}">
+                <a16:creationId xmlns:a16="http://schemas.microsoft.com/office/drawing/2014/main" id="{8C1A64BB-92C4-44CC-9AB7-8416F1B9BF56}"/>
               </a:ext>
             </a:extLst>
           </p:cNvPr>
           <p:cNvPicPr>
-            <a:picLocks noChangeAspect="1"/>
+            <a:picLocks noGrp="1" noChangeAspect="1"/>
           </p:cNvPicPr>
-          <p:nvPr/>
+          <p:nvPr>
+            <p:ph type="pic" sz="quarter" idx="13"/>
+          </p:nvPr>
         </p:nvPicPr>
-        <p:blipFill>
-          <a:blip r:embed="rId2"/>
-          <a:stretch>
-            <a:fillRect/>
-          </a:stretch>
+        <p:blipFill rotWithShape="1">
+          <a:blip r:embed="rId3" cstate="screen">
+            <a:extLst>
+              <a:ext uri="{28A0092B-C50C-407E-A947-70E740481C1C}">
+                <a14:useLocalDpi xmlns:a14="http://schemas.microsoft.com/office/drawing/2010/main"/>
+              </a:ext>
+            </a:extLst>
+          </a:blip>
+          <a:srcRect/>
+          <a:stretch/>
         </p:blipFill>
         <p:spPr>
           <a:xfrm>
-            <a:off x="351183" y="1592874"/>
-            <a:ext cx="6230219" cy="4096322"/>
-          </a:xfrm>
-          <a:prstGeom prst="rect">
-            <a:avLst/>
-          </a:prstGeom>
+            <a:off x="0" y="0"/>
+            <a:ext cx="12192000" cy="6858000"/>
+          </a:xfrm>
+          <a:solidFill>
+            <a:srgbClr val="6768AB">
+              <a:alpha val="75000"/>
+            </a:srgbClr>
+          </a:solidFill>
         </p:spPr>
       </p:pic>
       <p:sp>
         <p:nvSpPr>
-          <p:cNvPr id="12" name="Title 11">
-            <a:extLst>
-              <a:ext uri="{FF2B5EF4-FFF2-40B4-BE49-F238E27FC236}">
-                <a16:creationId xmlns:a16="http://schemas.microsoft.com/office/drawing/2014/main" id="{068262D9-1F10-9845-9286-018F872538C0}"/>
-              </a:ext>
-            </a:extLst>
-          </p:cNvPr>
-          <p:cNvSpPr>
-            <a:spLocks noGrp="1"/>
-          </p:cNvSpPr>
-          <p:nvPr>
-            <p:ph type="title"/>
-          </p:nvPr>
-        </p:nvSpPr>
-        <p:spPr>
-          <a:xfrm>
-            <a:off x="184682" y="-178035"/>
-            <a:ext cx="5605272" cy="1572126"/>
-          </a:xfrm>
-        </p:spPr>
-        <p:txBody>
-          <a:bodyPr/>
-          <a:lstStyle/>
-          <a:p>
-            <a:r>
-              <a:rPr lang="en-PH" dirty="0"/>
-              <a:t>Main</a:t>
-            </a:r>
-          </a:p>
-        </p:txBody>
-      </p:sp>
-      <p:sp>
-        <p:nvSpPr>
-          <p:cNvPr id="15" name="Rectangle 14">
-            <a:extLst>
-              <a:ext uri="{FF2B5EF4-FFF2-40B4-BE49-F238E27FC236}">
-                <a16:creationId xmlns:a16="http://schemas.microsoft.com/office/drawing/2014/main" id="{A5F90466-172A-E1C0-75FB-C6A7F7D03319}"/>
+          <p:cNvPr id="9" name="Rectangle 8" descr="Shaded overlay">
+            <a:extLst>
+              <a:ext uri="{FF2B5EF4-FFF2-40B4-BE49-F238E27FC236}">
+                <a16:creationId xmlns:a16="http://schemas.microsoft.com/office/drawing/2014/main" id="{558C501A-DC1F-4BA4-BFFA-44EF8845A384}"/>
               </a:ext>
             </a:extLst>
           </p:cNvPr>
@@ -7296,12 +8767,17 @@
         </p:nvSpPr>
         <p:spPr>
           <a:xfrm>
-            <a:off x="7275443" y="1394091"/>
-            <a:ext cx="4565373" cy="5112726"/>
-          </a:xfrm>
-          <a:prstGeom prst="rect">
-            <a:avLst/>
-          </a:prstGeom>
+            <a:off x="0" y="0"/>
+            <a:ext cx="12192000" cy="6858000"/>
+          </a:xfrm>
+          <a:prstGeom prst="rect">
+            <a:avLst/>
+          </a:prstGeom>
+          <a:solidFill>
+            <a:srgbClr val="6768AB">
+              <a:alpha val="74902"/>
+            </a:srgbClr>
+          </a:solidFill>
         </p:spPr>
         <p:style>
           <a:lnRef idx="2">
@@ -7324,40 +8800,188 @@
           <a:lstStyle/>
           <a:p>
             <a:pPr algn="ctr"/>
-            <a:r>
-              <a:rPr lang="en-PH" dirty="0"/>
-              <a:t>Main Points:</a:t>
-            </a:r>
-          </a:p>
-          <a:p>
-            <a:pPr marL="342900" indent="-342900" algn="ctr">
-              <a:buAutoNum type="arabicPeriod"/>
-            </a:pPr>
-            <a:r>
-              <a:rPr lang="en-PH" dirty="0"/>
-              <a:t>If the </a:t>
-            </a:r>
-            <a:r>
-              <a:rPr lang="en-PH" dirty="0" err="1"/>
-              <a:t>data_types</a:t>
-            </a:r>
-            <a:r>
-              <a:rPr lang="en-PH" dirty="0"/>
-              <a:t> function return false then we would check if last index is terminator else exit the program.</a:t>
-            </a:r>
-          </a:p>
-          <a:p>
-            <a:pPr marL="342900" indent="-342900" algn="ctr">
-              <a:buAutoNum type="arabicPeriod"/>
-            </a:pPr>
-            <a:endParaRPr lang="en-PH" dirty="0"/>
+            <a:endParaRPr lang="en-US" dirty="0"/>
+          </a:p>
+        </p:txBody>
+      </p:sp>
+      <p:sp>
+        <p:nvSpPr>
+          <p:cNvPr id="4" name="Title 3">
+            <a:extLst>
+              <a:ext uri="{FF2B5EF4-FFF2-40B4-BE49-F238E27FC236}">
+                <a16:creationId xmlns:a16="http://schemas.microsoft.com/office/drawing/2014/main" id="{135A981B-6487-4B00-9EAF-D0D748FA6014}"/>
+              </a:ext>
+            </a:extLst>
+          </p:cNvPr>
+          <p:cNvSpPr>
+            <a:spLocks noGrp="1"/>
+          </p:cNvSpPr>
+          <p:nvPr>
+            <p:ph type="title"/>
+          </p:nvPr>
+        </p:nvSpPr>
+        <p:spPr>
+          <a:xfrm>
+            <a:off x="92765" y="0"/>
+            <a:ext cx="11174819" cy="903767"/>
+          </a:xfrm>
+        </p:spPr>
+        <p:txBody>
+          <a:bodyPr/>
+          <a:lstStyle/>
+          <a:p>
+            <a:r>
+              <a:rPr lang="en-US" dirty="0"/>
+              <a:t>Grammar Rules</a:t>
+            </a:r>
+          </a:p>
+        </p:txBody>
+      </p:sp>
+      <p:sp>
+        <p:nvSpPr>
+          <p:cNvPr id="6" name="Text Placeholder 5">
+            <a:extLst>
+              <a:ext uri="{FF2B5EF4-FFF2-40B4-BE49-F238E27FC236}">
+                <a16:creationId xmlns:a16="http://schemas.microsoft.com/office/drawing/2014/main" id="{B43F7E3B-CE99-4770-8587-6554C15693F8}"/>
+              </a:ext>
+            </a:extLst>
+          </p:cNvPr>
+          <p:cNvSpPr>
+            <a:spLocks noGrp="1"/>
+          </p:cNvSpPr>
+          <p:nvPr>
+            <p:ph type="body" sz="quarter" idx="14"/>
+          </p:nvPr>
+        </p:nvSpPr>
+        <p:spPr>
+          <a:xfrm>
+            <a:off x="743929" y="1173481"/>
+            <a:ext cx="8905461" cy="4197096"/>
+          </a:xfrm>
+        </p:spPr>
+        <p:txBody>
+          <a:bodyPr/>
+          <a:lstStyle/>
+          <a:p>
+            <a:r>
+              <a:rPr lang="en-US" sz="2800" dirty="0" err="1"/>
+              <a:t>var_dec</a:t>
+            </a:r>
+            <a:r>
+              <a:rPr lang="en-US" sz="2800" dirty="0"/>
+              <a:t> ::= </a:t>
+            </a:r>
+            <a:r>
+              <a:rPr lang="en-US" sz="2800" dirty="0" err="1"/>
+              <a:t>data_type</a:t>
+            </a:r>
+            <a:r>
+              <a:rPr lang="en-US" sz="2800" dirty="0"/>
+              <a:t> dec ;</a:t>
+            </a:r>
+          </a:p>
+          <a:p>
+            <a:r>
+              <a:rPr lang="en-US" sz="2800" dirty="0" err="1"/>
+              <a:t>data_type</a:t>
+            </a:r>
+            <a:r>
+              <a:rPr lang="en-US" sz="2800" dirty="0"/>
+              <a:t> ::= </a:t>
+            </a:r>
+            <a:r>
+              <a:rPr lang="en-US" sz="2800" dirty="0" err="1"/>
+              <a:t>boolean</a:t>
+            </a:r>
+            <a:r>
+              <a:rPr lang="en-US" sz="2800" dirty="0"/>
+              <a:t> </a:t>
+            </a:r>
+          </a:p>
+          <a:p>
+            <a:r>
+              <a:rPr lang="en-US" sz="2800" dirty="0"/>
+              <a:t>	        ::= float </a:t>
+            </a:r>
+          </a:p>
+          <a:p>
+            <a:r>
+              <a:rPr lang="en-US" sz="2800" dirty="0"/>
+              <a:t>	        ::= int </a:t>
+            </a:r>
+          </a:p>
+          <a:p>
+            <a:r>
+              <a:rPr lang="en-US" sz="2800" dirty="0"/>
+              <a:t>	        ::= String  </a:t>
+            </a:r>
+          </a:p>
+          <a:p>
+            <a:r>
+              <a:rPr lang="en-US" sz="2800" dirty="0"/>
+              <a:t>	        ::= byte  </a:t>
+            </a:r>
+          </a:p>
+          <a:p>
+            <a:r>
+              <a:rPr lang="en-US" sz="2800" dirty="0"/>
+              <a:t>	        ::= long </a:t>
+            </a:r>
+          </a:p>
+          <a:p>
+            <a:r>
+              <a:rPr lang="en-US" sz="2800" dirty="0"/>
+              <a:t>	        ::= short</a:t>
+            </a:r>
+          </a:p>
+          <a:p>
+            <a:r>
+              <a:rPr lang="en-US" sz="2800" dirty="0"/>
+              <a:t>dec::= identifier [=exp] </a:t>
+            </a:r>
+          </a:p>
+          <a:p>
+            <a:r>
+              <a:rPr lang="en-US" sz="2800" dirty="0"/>
+              <a:t>      ::= identifier, dec</a:t>
+            </a:r>
+          </a:p>
+          <a:p>
+            <a:r>
+              <a:rPr lang="en-US" sz="2800" dirty="0"/>
+              <a:t>Exp:= exp (+|*|/|-) exp </a:t>
+            </a:r>
+          </a:p>
+          <a:p>
+            <a:r>
+              <a:rPr lang="en-US" sz="2800" dirty="0"/>
+              <a:t>      ::= ( exp )</a:t>
+            </a:r>
+          </a:p>
+          <a:p>
+            <a:r>
+              <a:rPr lang="en-US" sz="2800" dirty="0"/>
+              <a:t>      ::= a-z-A-Z [exp]</a:t>
+            </a:r>
+          </a:p>
+          <a:p>
+            <a:r>
+              <a:rPr lang="en-US" sz="2800" dirty="0"/>
+              <a:t>      ::= 0 - 9 [exp]</a:t>
+            </a:r>
+          </a:p>
+          <a:p>
+            <a:r>
+              <a:rPr lang="en-US" sz="2800" dirty="0"/>
+              <a:t>identifier:(a-z-A-Z) [a-z-A-Z-0-9_]</a:t>
+            </a:r>
           </a:p>
         </p:txBody>
       </p:sp>
     </p:spTree>
     <p:extLst>
       <p:ext uri="{BB962C8B-B14F-4D97-AF65-F5344CB8AC3E}">
-        <p14:creationId xmlns:p14="http://schemas.microsoft.com/office/powerpoint/2010/main" val="1646138950"/>
+        <p14:creationId xmlns:p14="http://schemas.microsoft.com/office/powerpoint/2010/main" val="2007132916"/>
       </p:ext>
     </p:extLst>
   </p:cSld>
@@ -7401,8 +9025,8 @@
           </p:nvPr>
         </p:nvSpPr>
         <p:spPr>
-          <a:xfrm>
-            <a:off x="184682" y="-178035"/>
+          <a:xfrm rot="5400000">
+            <a:off x="8913737" y="2233515"/>
             <a:ext cx="5605272" cy="1572126"/>
           </a:xfrm>
         </p:spPr>
@@ -7412,17 +9036,17 @@
           <a:p>
             <a:r>
               <a:rPr lang="en-PH" dirty="0"/>
-              <a:t>Data types</a:t>
+              <a:t>Main</a:t>
             </a:r>
           </a:p>
         </p:txBody>
       </p:sp>
       <p:pic>
         <p:nvPicPr>
-          <p:cNvPr id="14" name="Picture 13">
-            <a:extLst>
-              <a:ext uri="{FF2B5EF4-FFF2-40B4-BE49-F238E27FC236}">
-                <a16:creationId xmlns:a16="http://schemas.microsoft.com/office/drawing/2014/main" id="{F6BEDDA8-0F3D-2A09-CDC8-263437069A7E}"/>
+          <p:cNvPr id="3" name="Picture 2">
+            <a:extLst>
+              <a:ext uri="{FF2B5EF4-FFF2-40B4-BE49-F238E27FC236}">
+                <a16:creationId xmlns:a16="http://schemas.microsoft.com/office/drawing/2014/main" id="{715A431E-7301-9AC9-9E27-B9E88CC2A975}"/>
               </a:ext>
             </a:extLst>
           </p:cNvPr>
@@ -7439,20 +9063,715 @@
         </p:blipFill>
         <p:spPr>
           <a:xfrm>
-            <a:off x="450574" y="953381"/>
-            <a:ext cx="6878010" cy="5163271"/>
+            <a:off x="475627" y="203088"/>
+            <a:ext cx="8417456" cy="6396406"/>
           </a:xfrm>
           <a:prstGeom prst="rect">
             <a:avLst/>
           </a:prstGeom>
         </p:spPr>
       </p:pic>
+      <p:sp>
+        <p:nvSpPr>
+          <p:cNvPr id="4" name="TextBox 3">
+            <a:extLst>
+              <a:ext uri="{FF2B5EF4-FFF2-40B4-BE49-F238E27FC236}">
+                <a16:creationId xmlns:a16="http://schemas.microsoft.com/office/drawing/2014/main" id="{47D08134-54B0-F680-8753-372E4022071E}"/>
+              </a:ext>
+            </a:extLst>
+          </p:cNvPr>
+          <p:cNvSpPr txBox="1"/>
+          <p:nvPr/>
+        </p:nvSpPr>
+        <p:spPr>
+          <a:xfrm>
+            <a:off x="1233055" y="1482436"/>
+            <a:ext cx="5514109" cy="307777"/>
+          </a:xfrm>
+          <a:prstGeom prst="rect">
+            <a:avLst/>
+          </a:prstGeom>
+          <a:noFill/>
+        </p:spPr>
+        <p:txBody>
+          <a:bodyPr wrap="square" rtlCol="0">
+            <a:spAutoFit/>
+          </a:bodyPr>
+          <a:lstStyle/>
+          <a:p>
+            <a:r>
+              <a:rPr lang="en-US" sz="1400" dirty="0"/>
+              <a:t>Function that return s the parse tree of the given syntax code</a:t>
+            </a:r>
+            <a:endParaRPr lang="en-PH" sz="1400" dirty="0"/>
+          </a:p>
+        </p:txBody>
+      </p:sp>
+      <p:sp>
+        <p:nvSpPr>
+          <p:cNvPr id="8" name="TextBox 7">
+            <a:extLst>
+              <a:ext uri="{FF2B5EF4-FFF2-40B4-BE49-F238E27FC236}">
+                <a16:creationId xmlns:a16="http://schemas.microsoft.com/office/drawing/2014/main" id="{422FC4F4-A900-2203-C4F4-B0DD511E8BA4}"/>
+              </a:ext>
+            </a:extLst>
+          </p:cNvPr>
+          <p:cNvSpPr txBox="1"/>
+          <p:nvPr/>
+        </p:nvSpPr>
+        <p:spPr>
+          <a:xfrm>
+            <a:off x="1233055" y="1847119"/>
+            <a:ext cx="6874625" cy="307777"/>
+          </a:xfrm>
+          <a:prstGeom prst="rect">
+            <a:avLst/>
+          </a:prstGeom>
+          <a:noFill/>
+        </p:spPr>
+        <p:txBody>
+          <a:bodyPr wrap="square" rtlCol="0">
+            <a:spAutoFit/>
+          </a:bodyPr>
+          <a:lstStyle/>
+          <a:p>
+            <a:r>
+              <a:rPr lang="en-US" sz="1400" dirty="0"/>
+              <a:t>Function that covers the choices in dec where if the tokens[2] is = or , or none</a:t>
+            </a:r>
+            <a:endParaRPr lang="en-PH" sz="1400" dirty="0"/>
+          </a:p>
+        </p:txBody>
+      </p:sp>
+      <p:sp>
+        <p:nvSpPr>
+          <p:cNvPr id="9" name="TextBox 8">
+            <a:extLst>
+              <a:ext uri="{FF2B5EF4-FFF2-40B4-BE49-F238E27FC236}">
+                <a16:creationId xmlns:a16="http://schemas.microsoft.com/office/drawing/2014/main" id="{7494AE0E-9C1E-E9FE-D023-9E91195E97B8}"/>
+              </a:ext>
+            </a:extLst>
+          </p:cNvPr>
+          <p:cNvSpPr txBox="1"/>
+          <p:nvPr/>
+        </p:nvSpPr>
+        <p:spPr>
+          <a:xfrm>
+            <a:off x="1233054" y="2211802"/>
+            <a:ext cx="5514109" cy="307777"/>
+          </a:xfrm>
+          <a:prstGeom prst="rect">
+            <a:avLst/>
+          </a:prstGeom>
+          <a:noFill/>
+        </p:spPr>
+        <p:txBody>
+          <a:bodyPr wrap="square" rtlCol="0">
+            <a:spAutoFit/>
+          </a:bodyPr>
+          <a:lstStyle/>
+          <a:p>
+            <a:r>
+              <a:rPr lang="en-US" sz="1400" dirty="0"/>
+              <a:t>Function that checks if the last index is terminator</a:t>
+            </a:r>
+            <a:endParaRPr lang="en-PH" sz="1400" dirty="0"/>
+          </a:p>
+        </p:txBody>
+      </p:sp>
+      <p:sp>
+        <p:nvSpPr>
+          <p:cNvPr id="10" name="TextBox 9">
+            <a:extLst>
+              <a:ext uri="{FF2B5EF4-FFF2-40B4-BE49-F238E27FC236}">
+                <a16:creationId xmlns:a16="http://schemas.microsoft.com/office/drawing/2014/main" id="{CC2B9036-868C-93B8-8F5E-31C6FF03C051}"/>
+              </a:ext>
+            </a:extLst>
+          </p:cNvPr>
+          <p:cNvSpPr txBox="1"/>
+          <p:nvPr/>
+        </p:nvSpPr>
+        <p:spPr>
+          <a:xfrm>
+            <a:off x="1233051" y="2610103"/>
+            <a:ext cx="5514109" cy="307777"/>
+          </a:xfrm>
+          <a:prstGeom prst="rect">
+            <a:avLst/>
+          </a:prstGeom>
+          <a:noFill/>
+        </p:spPr>
+        <p:txBody>
+          <a:bodyPr wrap="square" rtlCol="0">
+            <a:spAutoFit/>
+          </a:bodyPr>
+          <a:lstStyle/>
+          <a:p>
+            <a:r>
+              <a:rPr lang="en-US" sz="1400" dirty="0"/>
+              <a:t>Function that path where choice from dec is =</a:t>
+            </a:r>
+            <a:endParaRPr lang="en-PH" sz="1400" dirty="0"/>
+          </a:p>
+        </p:txBody>
+      </p:sp>
+      <p:sp>
+        <p:nvSpPr>
+          <p:cNvPr id="11" name="TextBox 10">
+            <a:extLst>
+              <a:ext uri="{FF2B5EF4-FFF2-40B4-BE49-F238E27FC236}">
+                <a16:creationId xmlns:a16="http://schemas.microsoft.com/office/drawing/2014/main" id="{9CBFA152-BCE9-0BE7-D0CA-241F225CE22F}"/>
+              </a:ext>
+            </a:extLst>
+          </p:cNvPr>
+          <p:cNvSpPr txBox="1"/>
+          <p:nvPr/>
+        </p:nvSpPr>
+        <p:spPr>
+          <a:xfrm>
+            <a:off x="1233055" y="2941464"/>
+            <a:ext cx="6806045" cy="307777"/>
+          </a:xfrm>
+          <a:prstGeom prst="rect">
+            <a:avLst/>
+          </a:prstGeom>
+          <a:noFill/>
+        </p:spPr>
+        <p:txBody>
+          <a:bodyPr wrap="square" rtlCol="0">
+            <a:spAutoFit/>
+          </a:bodyPr>
+          <a:lstStyle/>
+          <a:p>
+            <a:r>
+              <a:rPr lang="en-US" sz="1400" dirty="0"/>
+              <a:t>Function that checks the conditions being fulfilled from &lt;exp&gt; &lt;op&gt; &lt;exp&gt;</a:t>
+            </a:r>
+            <a:endParaRPr lang="en-PH" sz="1400" dirty="0"/>
+          </a:p>
+        </p:txBody>
+      </p:sp>
+      <p:sp>
+        <p:nvSpPr>
+          <p:cNvPr id="13" name="TextBox 12">
+            <a:extLst>
+              <a:ext uri="{FF2B5EF4-FFF2-40B4-BE49-F238E27FC236}">
+                <a16:creationId xmlns:a16="http://schemas.microsoft.com/office/drawing/2014/main" id="{05197080-843F-FDF0-AD55-AF340979CED0}"/>
+              </a:ext>
+            </a:extLst>
+          </p:cNvPr>
+          <p:cNvSpPr txBox="1"/>
+          <p:nvPr/>
+        </p:nvSpPr>
+        <p:spPr>
+          <a:xfrm>
+            <a:off x="1233054" y="3320893"/>
+            <a:ext cx="7590906" cy="307777"/>
+          </a:xfrm>
+          <a:prstGeom prst="rect">
+            <a:avLst/>
+          </a:prstGeom>
+          <a:noFill/>
+        </p:spPr>
+        <p:txBody>
+          <a:bodyPr wrap="square" rtlCol="0">
+            <a:spAutoFit/>
+          </a:bodyPr>
+          <a:lstStyle/>
+          <a:p>
+            <a:r>
+              <a:rPr lang="en-US" sz="1400" dirty="0"/>
+              <a:t>Function that check if users has ( brace then copy the token from the index of ( until end </a:t>
+            </a:r>
+            <a:endParaRPr lang="en-PH" sz="1400" dirty="0"/>
+          </a:p>
+        </p:txBody>
+      </p:sp>
+      <p:sp>
+        <p:nvSpPr>
+          <p:cNvPr id="14" name="TextBox 13">
+            <a:extLst>
+              <a:ext uri="{FF2B5EF4-FFF2-40B4-BE49-F238E27FC236}">
+                <a16:creationId xmlns:a16="http://schemas.microsoft.com/office/drawing/2014/main" id="{78DEBCC3-4B81-9E72-53CB-C7F23C046A43}"/>
+              </a:ext>
+            </a:extLst>
+          </p:cNvPr>
+          <p:cNvSpPr txBox="1"/>
+          <p:nvPr/>
+        </p:nvSpPr>
+        <p:spPr>
+          <a:xfrm>
+            <a:off x="1233054" y="3671126"/>
+            <a:ext cx="7590906" cy="307777"/>
+          </a:xfrm>
+          <a:prstGeom prst="rect">
+            <a:avLst/>
+          </a:prstGeom>
+          <a:noFill/>
+        </p:spPr>
+        <p:txBody>
+          <a:bodyPr wrap="square" rtlCol="0">
+            <a:spAutoFit/>
+          </a:bodyPr>
+          <a:lstStyle/>
+          <a:p>
+            <a:r>
+              <a:rPr lang="en-US" sz="1400" dirty="0"/>
+              <a:t>Function that check the if the token has balanced parenthesis then identify for errors</a:t>
+            </a:r>
+            <a:endParaRPr lang="en-PH" sz="1400" dirty="0"/>
+          </a:p>
+        </p:txBody>
+      </p:sp>
+      <p:sp>
+        <p:nvSpPr>
+          <p:cNvPr id="16" name="TextBox 15">
+            <a:extLst>
+              <a:ext uri="{FF2B5EF4-FFF2-40B4-BE49-F238E27FC236}">
+                <a16:creationId xmlns:a16="http://schemas.microsoft.com/office/drawing/2014/main" id="{A6D9B3C4-4E98-1117-0723-A63F03D5C1CB}"/>
+              </a:ext>
+            </a:extLst>
+          </p:cNvPr>
+          <p:cNvSpPr txBox="1"/>
+          <p:nvPr/>
+        </p:nvSpPr>
+        <p:spPr>
+          <a:xfrm>
+            <a:off x="1233053" y="4035809"/>
+            <a:ext cx="7660029" cy="307777"/>
+          </a:xfrm>
+          <a:prstGeom prst="rect">
+            <a:avLst/>
+          </a:prstGeom>
+          <a:noFill/>
+        </p:spPr>
+        <p:txBody>
+          <a:bodyPr wrap="square" rtlCol="0">
+            <a:spAutoFit/>
+          </a:bodyPr>
+          <a:lstStyle/>
+          <a:p>
+            <a:r>
+              <a:rPr lang="en-US" sz="1400" dirty="0"/>
+              <a:t>Function that return Boolean to </a:t>
+            </a:r>
+            <a:r>
+              <a:rPr lang="en-US" sz="1400" dirty="0" err="1"/>
+              <a:t>isBalanced</a:t>
+            </a:r>
+            <a:r>
+              <a:rPr lang="en-US" sz="1400" dirty="0"/>
+              <a:t> if certain index is identifier or constant for checking</a:t>
+            </a:r>
+            <a:endParaRPr lang="en-PH" sz="1400" dirty="0"/>
+          </a:p>
+        </p:txBody>
+      </p:sp>
+      <p:sp>
+        <p:nvSpPr>
+          <p:cNvPr id="17" name="TextBox 16">
+            <a:extLst>
+              <a:ext uri="{FF2B5EF4-FFF2-40B4-BE49-F238E27FC236}">
+                <a16:creationId xmlns:a16="http://schemas.microsoft.com/office/drawing/2014/main" id="{DAA34F96-B073-5411-653A-1DEC0FD9E9D0}"/>
+              </a:ext>
+            </a:extLst>
+          </p:cNvPr>
+          <p:cNvSpPr txBox="1"/>
+          <p:nvPr/>
+        </p:nvSpPr>
+        <p:spPr>
+          <a:xfrm>
+            <a:off x="1233054" y="4420246"/>
+            <a:ext cx="7590906" cy="307777"/>
+          </a:xfrm>
+          <a:prstGeom prst="rect">
+            <a:avLst/>
+          </a:prstGeom>
+          <a:noFill/>
+        </p:spPr>
+        <p:txBody>
+          <a:bodyPr wrap="square" rtlCol="0">
+            <a:spAutoFit/>
+          </a:bodyPr>
+          <a:lstStyle/>
+          <a:p>
+            <a:r>
+              <a:rPr lang="en-US" sz="1400" dirty="0"/>
+              <a:t>Function that throws error if it is not identifier and return the string of successive identifier</a:t>
+            </a:r>
+            <a:endParaRPr lang="en-PH" sz="1400" dirty="0"/>
+          </a:p>
+        </p:txBody>
+      </p:sp>
+      <p:sp>
+        <p:nvSpPr>
+          <p:cNvPr id="18" name="TextBox 17">
+            <a:extLst>
+              <a:ext uri="{FF2B5EF4-FFF2-40B4-BE49-F238E27FC236}">
+                <a16:creationId xmlns:a16="http://schemas.microsoft.com/office/drawing/2014/main" id="{F1F41B5E-4204-2DFB-AF60-3A4A8797D4DD}"/>
+              </a:ext>
+            </a:extLst>
+          </p:cNvPr>
+          <p:cNvSpPr txBox="1"/>
+          <p:nvPr/>
+        </p:nvSpPr>
+        <p:spPr>
+          <a:xfrm>
+            <a:off x="1233053" y="4770479"/>
+            <a:ext cx="7202287" cy="307777"/>
+          </a:xfrm>
+          <a:prstGeom prst="rect">
+            <a:avLst/>
+          </a:prstGeom>
+          <a:noFill/>
+        </p:spPr>
+        <p:txBody>
+          <a:bodyPr wrap="square" rtlCol="0">
+            <a:spAutoFit/>
+          </a:bodyPr>
+          <a:lstStyle/>
+          <a:p>
+            <a:r>
+              <a:rPr lang="en-US" sz="1400" dirty="0"/>
+              <a:t>Function that return the string of successive identifier</a:t>
+            </a:r>
+            <a:endParaRPr lang="en-PH" sz="1400" dirty="0"/>
+          </a:p>
+        </p:txBody>
+      </p:sp>
+      <p:sp>
+        <p:nvSpPr>
+          <p:cNvPr id="19" name="TextBox 18">
+            <a:extLst>
+              <a:ext uri="{FF2B5EF4-FFF2-40B4-BE49-F238E27FC236}">
+                <a16:creationId xmlns:a16="http://schemas.microsoft.com/office/drawing/2014/main" id="{7070D257-8969-22F9-A302-519DC2D5CEAB}"/>
+              </a:ext>
+            </a:extLst>
+          </p:cNvPr>
+          <p:cNvSpPr txBox="1"/>
+          <p:nvPr/>
+        </p:nvSpPr>
+        <p:spPr>
+          <a:xfrm>
+            <a:off x="1233052" y="5135162"/>
+            <a:ext cx="5514109" cy="307777"/>
+          </a:xfrm>
+          <a:prstGeom prst="rect">
+            <a:avLst/>
+          </a:prstGeom>
+          <a:noFill/>
+        </p:spPr>
+        <p:txBody>
+          <a:bodyPr wrap="square" rtlCol="0">
+            <a:spAutoFit/>
+          </a:bodyPr>
+          <a:lstStyle/>
+          <a:p>
+            <a:r>
+              <a:rPr lang="en-US" sz="1400" dirty="0"/>
+              <a:t>Function that return s the parse tree of the given syntax code</a:t>
+            </a:r>
+            <a:endParaRPr lang="en-PH" sz="1400" dirty="0"/>
+          </a:p>
+        </p:txBody>
+      </p:sp>
+      <p:sp>
+        <p:nvSpPr>
+          <p:cNvPr id="20" name="TextBox 19">
+            <a:extLst>
+              <a:ext uri="{FF2B5EF4-FFF2-40B4-BE49-F238E27FC236}">
+                <a16:creationId xmlns:a16="http://schemas.microsoft.com/office/drawing/2014/main" id="{D119680C-8982-27A2-DBF3-7280FC4FA6E4}"/>
+              </a:ext>
+            </a:extLst>
+          </p:cNvPr>
+          <p:cNvSpPr txBox="1"/>
+          <p:nvPr/>
+        </p:nvSpPr>
+        <p:spPr>
+          <a:xfrm>
+            <a:off x="1233051" y="5880012"/>
+            <a:ext cx="5514109" cy="307777"/>
+          </a:xfrm>
+          <a:prstGeom prst="rect">
+            <a:avLst/>
+          </a:prstGeom>
+          <a:noFill/>
+        </p:spPr>
+        <p:txBody>
+          <a:bodyPr wrap="square" rtlCol="0">
+            <a:spAutoFit/>
+          </a:bodyPr>
+          <a:lstStyle/>
+          <a:p>
+            <a:r>
+              <a:rPr lang="en-US" sz="1400" dirty="0"/>
+              <a:t>Function that return if it is a </a:t>
+            </a:r>
+            <a:r>
+              <a:rPr lang="en-US" sz="1400" dirty="0" err="1"/>
+              <a:t>data_type</a:t>
+            </a:r>
+            <a:endParaRPr lang="en-PH" sz="1400" dirty="0"/>
+          </a:p>
+        </p:txBody>
+      </p:sp>
+      <p:sp>
+        <p:nvSpPr>
+          <p:cNvPr id="21" name="TextBox 20">
+            <a:extLst>
+              <a:ext uri="{FF2B5EF4-FFF2-40B4-BE49-F238E27FC236}">
+                <a16:creationId xmlns:a16="http://schemas.microsoft.com/office/drawing/2014/main" id="{15CC8848-2BC0-C683-F024-2D29B8DA061E}"/>
+              </a:ext>
+            </a:extLst>
+          </p:cNvPr>
+          <p:cNvSpPr txBox="1"/>
+          <p:nvPr/>
+        </p:nvSpPr>
+        <p:spPr>
+          <a:xfrm>
+            <a:off x="1233052" y="5507587"/>
+            <a:ext cx="7660030" cy="307777"/>
+          </a:xfrm>
+          <a:prstGeom prst="rect">
+            <a:avLst/>
+          </a:prstGeom>
+          <a:noFill/>
+        </p:spPr>
+        <p:txBody>
+          <a:bodyPr wrap="square" rtlCol="0">
+            <a:spAutoFit/>
+          </a:bodyPr>
+          <a:lstStyle/>
+          <a:p>
+            <a:r>
+              <a:rPr lang="en-US" sz="1400" dirty="0"/>
+              <a:t>Function that throws error if it is not constant and return the string of successive identifier</a:t>
+            </a:r>
+            <a:endParaRPr lang="en-PH" sz="1400" dirty="0"/>
+          </a:p>
+        </p:txBody>
+      </p:sp>
+      <p:sp>
+        <p:nvSpPr>
+          <p:cNvPr id="6" name="TextBox 5">
+            <a:extLst>
+              <a:ext uri="{FF2B5EF4-FFF2-40B4-BE49-F238E27FC236}">
+                <a16:creationId xmlns:a16="http://schemas.microsoft.com/office/drawing/2014/main" id="{458EDAD3-8AAB-0247-C374-7219DEB7FAC3}"/>
+              </a:ext>
+            </a:extLst>
+          </p:cNvPr>
+          <p:cNvSpPr txBox="1"/>
+          <p:nvPr/>
+        </p:nvSpPr>
+        <p:spPr>
+          <a:xfrm>
+            <a:off x="9448800" y="1482436"/>
+            <a:ext cx="2267573" cy="1754326"/>
+          </a:xfrm>
+          <a:prstGeom prst="rect">
+            <a:avLst/>
+          </a:prstGeom>
+          <a:noFill/>
+        </p:spPr>
+        <p:txBody>
+          <a:bodyPr wrap="square" rtlCol="0">
+            <a:spAutoFit/>
+          </a:bodyPr>
+          <a:lstStyle/>
+          <a:p>
+            <a:r>
+              <a:rPr lang="en-US" dirty="0"/>
+              <a:t>The summary of Function use in checking the grammar if it is a valid syntax code or not.</a:t>
+            </a:r>
+            <a:endParaRPr lang="en-PH" dirty="0"/>
+          </a:p>
+        </p:txBody>
+      </p:sp>
+    </p:spTree>
+    <p:extLst>
+      <p:ext uri="{BB962C8B-B14F-4D97-AF65-F5344CB8AC3E}">
+        <p14:creationId xmlns:p14="http://schemas.microsoft.com/office/powerpoint/2010/main" val="1646138950"/>
+      </p:ext>
+    </p:extLst>
+  </p:cSld>
+  <p:clrMapOvr>
+    <a:masterClrMapping/>
+  </p:clrMapOvr>
+</p:sld>
+</file>
+
+<file path=ppt/slides/slide5.xml><?xml version="1.0" encoding="utf-8"?>
+<p:sld xmlns:a="http://schemas.openxmlformats.org/drawingml/2006/main" xmlns:r="http://schemas.openxmlformats.org/officeDocument/2006/relationships" xmlns:p="http://schemas.openxmlformats.org/presentationml/2006/main">
+  <p:cSld>
+    <p:spTree>
+      <p:nvGrpSpPr>
+        <p:cNvPr id="1" name=""/>
+        <p:cNvGrpSpPr/>
+        <p:nvPr/>
+      </p:nvGrpSpPr>
+      <p:grpSpPr>
+        <a:xfrm>
+          <a:off x="0" y="0"/>
+          <a:ext cx="0" cy="0"/>
+          <a:chOff x="0" y="0"/>
+          <a:chExt cx="0" cy="0"/>
+        </a:xfrm>
+      </p:grpSpPr>
       <p:pic>
         <p:nvPicPr>
-          <p:cNvPr id="3" name="Picture 2">
-            <a:extLst>
-              <a:ext uri="{FF2B5EF4-FFF2-40B4-BE49-F238E27FC236}">
-                <a16:creationId xmlns:a16="http://schemas.microsoft.com/office/drawing/2014/main" id="{F6D1D4A2-4A3B-6161-0375-038B69ECAD71}"/>
+          <p:cNvPr id="8" name="Picture Placeholder 7" descr="Abstract image of curvy lines">
+            <a:extLst>
+              <a:ext uri="{FF2B5EF4-FFF2-40B4-BE49-F238E27FC236}">
+                <a16:creationId xmlns:a16="http://schemas.microsoft.com/office/drawing/2014/main" id="{81F59575-96AE-45B0-B1FB-3CFC139E9D12}"/>
+              </a:ext>
+            </a:extLst>
+          </p:cNvPr>
+          <p:cNvPicPr>
+            <a:picLocks noGrp="1" noChangeAspect="1"/>
+          </p:cNvPicPr>
+          <p:nvPr>
+            <p:ph type="pic" sz="quarter" idx="13"/>
+          </p:nvPr>
+        </p:nvPicPr>
+        <p:blipFill>
+          <a:blip r:embed="rId3"/>
+          <a:srcRect/>
+          <a:stretch/>
+        </p:blipFill>
+        <p:spPr>
+          <a:xfrm>
+            <a:off x="225" y="0"/>
+            <a:ext cx="12191550" cy="6857999"/>
+          </a:xfrm>
+        </p:spPr>
+      </p:pic>
+      <p:sp>
+        <p:nvSpPr>
+          <p:cNvPr id="4" name="Title 3">
+            <a:extLst>
+              <a:ext uri="{FF2B5EF4-FFF2-40B4-BE49-F238E27FC236}">
+                <a16:creationId xmlns:a16="http://schemas.microsoft.com/office/drawing/2014/main" id="{08347D8D-E852-43D5-858E-2D01BE57FA93}"/>
+              </a:ext>
+            </a:extLst>
+          </p:cNvPr>
+          <p:cNvSpPr>
+            <a:spLocks noGrp="1"/>
+          </p:cNvSpPr>
+          <p:nvPr>
+            <p:ph type="title"/>
+          </p:nvPr>
+        </p:nvSpPr>
+        <p:spPr>
+          <a:xfrm>
+            <a:off x="457200" y="4515034"/>
+            <a:ext cx="9474200" cy="1371600"/>
+          </a:xfrm>
+        </p:spPr>
+        <p:txBody>
+          <a:bodyPr anchor="t" anchorCtr="0">
+            <a:normAutofit/>
+          </a:bodyPr>
+          <a:lstStyle/>
+          <a:p>
+            <a:r>
+              <a:rPr lang="en-US" dirty="0"/>
+              <a:t>Header rule</a:t>
+            </a:r>
+            <a:br>
+              <a:rPr lang="en-US" dirty="0"/>
+            </a:br>
+            <a:r>
+              <a:rPr lang="en-US" dirty="0"/>
+              <a:t>{</a:t>
+            </a:r>
+            <a:r>
+              <a:rPr lang="en-US" dirty="0" err="1"/>
+              <a:t>Data_type</a:t>
+            </a:r>
+            <a:r>
+              <a:rPr lang="en-US" dirty="0"/>
+              <a:t>, DEC, exp, IDENTIFIER</a:t>
+            </a:r>
+          </a:p>
+        </p:txBody>
+      </p:sp>
+    </p:spTree>
+    <p:extLst>
+      <p:ext uri="{BB962C8B-B14F-4D97-AF65-F5344CB8AC3E}">
+        <p14:creationId xmlns:p14="http://schemas.microsoft.com/office/powerpoint/2010/main" val="949181838"/>
+      </p:ext>
+    </p:extLst>
+  </p:cSld>
+  <p:clrMapOvr>
+    <a:masterClrMapping/>
+  </p:clrMapOvr>
+</p:sld>
+</file>
+
+<file path=ppt/slides/slide6.xml><?xml version="1.0" encoding="utf-8"?>
+<p:sld xmlns:a="http://schemas.openxmlformats.org/drawingml/2006/main" xmlns:r="http://schemas.openxmlformats.org/officeDocument/2006/relationships" xmlns:p="http://schemas.openxmlformats.org/presentationml/2006/main">
+  <p:cSld>
+    <p:spTree>
+      <p:nvGrpSpPr>
+        <p:cNvPr id="1" name=""/>
+        <p:cNvGrpSpPr/>
+        <p:nvPr/>
+      </p:nvGrpSpPr>
+      <p:grpSpPr>
+        <a:xfrm>
+          <a:off x="0" y="0"/>
+          <a:ext cx="0" cy="0"/>
+          <a:chOff x="0" y="0"/>
+          <a:chExt cx="0" cy="0"/>
+        </a:xfrm>
+      </p:grpSpPr>
+      <p:sp>
+        <p:nvSpPr>
+          <p:cNvPr id="12" name="Title 11">
+            <a:extLst>
+              <a:ext uri="{FF2B5EF4-FFF2-40B4-BE49-F238E27FC236}">
+                <a16:creationId xmlns:a16="http://schemas.microsoft.com/office/drawing/2014/main" id="{068262D9-1F10-9845-9286-018F872538C0}"/>
+              </a:ext>
+            </a:extLst>
+          </p:cNvPr>
+          <p:cNvSpPr>
+            <a:spLocks noGrp="1"/>
+          </p:cNvSpPr>
+          <p:nvPr>
+            <p:ph type="title"/>
+          </p:nvPr>
+        </p:nvSpPr>
+        <p:spPr>
+          <a:xfrm rot="5400000">
+            <a:off x="8913737" y="2233515"/>
+            <a:ext cx="5605272" cy="1572126"/>
+          </a:xfrm>
+        </p:spPr>
+        <p:txBody>
+          <a:bodyPr/>
+          <a:lstStyle/>
+          <a:p>
+            <a:r>
+              <a:rPr lang="en-US" dirty="0"/>
+              <a:t>S</a:t>
+            </a:r>
+            <a:r>
+              <a:rPr lang="en-PH" dirty="0" err="1"/>
+              <a:t>yntax</a:t>
+            </a:r>
+            <a:r>
+              <a:rPr lang="en-PH" dirty="0"/>
+              <a:t> analyzer</a:t>
+            </a:r>
+          </a:p>
+        </p:txBody>
+      </p:sp>
+      <p:pic>
+        <p:nvPicPr>
+          <p:cNvPr id="4" name="Picture 3">
+            <a:extLst>
+              <a:ext uri="{FF2B5EF4-FFF2-40B4-BE49-F238E27FC236}">
+                <a16:creationId xmlns:a16="http://schemas.microsoft.com/office/drawing/2014/main" id="{080FAFA9-FD4C-4FB8-3F08-A239D144E8AF}"/>
               </a:ext>
             </a:extLst>
           </p:cNvPr>
@@ -7462,15 +9781,15 @@
           <p:nvPr/>
         </p:nvPicPr>
         <p:blipFill>
-          <a:blip r:embed="rId3"/>
+          <a:blip r:embed="rId2"/>
           <a:stretch>
             <a:fillRect/>
           </a:stretch>
         </p:blipFill>
         <p:spPr>
           <a:xfrm>
-            <a:off x="5466307" y="5339029"/>
-            <a:ext cx="6030167" cy="1343212"/>
+            <a:off x="758991" y="0"/>
+            <a:ext cx="6377790" cy="6858000"/>
           </a:xfrm>
           <a:prstGeom prst="rect">
             <a:avLst/>
@@ -7480,7 +9799,296 @@
     </p:spTree>
     <p:extLst>
       <p:ext uri="{BB962C8B-B14F-4D97-AF65-F5344CB8AC3E}">
-        <p14:creationId xmlns:p14="http://schemas.microsoft.com/office/powerpoint/2010/main" val="67594657"/>
+        <p14:creationId xmlns:p14="http://schemas.microsoft.com/office/powerpoint/2010/main" val="3812670178"/>
+      </p:ext>
+    </p:extLst>
+  </p:cSld>
+  <p:clrMapOvr>
+    <a:masterClrMapping/>
+  </p:clrMapOvr>
+</p:sld>
+</file>
+
+<file path=ppt/slides/slide7.xml><?xml version="1.0" encoding="utf-8"?>
+<p:sld xmlns:a="http://schemas.openxmlformats.org/drawingml/2006/main" xmlns:r="http://schemas.openxmlformats.org/officeDocument/2006/relationships" xmlns:p="http://schemas.openxmlformats.org/presentationml/2006/main">
+  <p:cSld>
+    <p:spTree>
+      <p:nvGrpSpPr>
+        <p:cNvPr id="1" name=""/>
+        <p:cNvGrpSpPr/>
+        <p:nvPr/>
+      </p:nvGrpSpPr>
+      <p:grpSpPr>
+        <a:xfrm>
+          <a:off x="0" y="0"/>
+          <a:ext cx="0" cy="0"/>
+          <a:chOff x="0" y="0"/>
+          <a:chExt cx="0" cy="0"/>
+        </a:xfrm>
+      </p:grpSpPr>
+      <p:sp>
+        <p:nvSpPr>
+          <p:cNvPr id="12" name="Title 11">
+            <a:extLst>
+              <a:ext uri="{FF2B5EF4-FFF2-40B4-BE49-F238E27FC236}">
+                <a16:creationId xmlns:a16="http://schemas.microsoft.com/office/drawing/2014/main" id="{068262D9-1F10-9845-9286-018F872538C0}"/>
+              </a:ext>
+            </a:extLst>
+          </p:cNvPr>
+          <p:cNvSpPr>
+            <a:spLocks noGrp="1"/>
+          </p:cNvSpPr>
+          <p:nvPr>
+            <p:ph type="title"/>
+          </p:nvPr>
+        </p:nvSpPr>
+        <p:spPr>
+          <a:xfrm rot="5400000">
+            <a:off x="8913737" y="2233515"/>
+            <a:ext cx="5605272" cy="1572126"/>
+          </a:xfrm>
+        </p:spPr>
+        <p:txBody>
+          <a:bodyPr/>
+          <a:lstStyle/>
+          <a:p>
+            <a:r>
+              <a:rPr lang="en-PH" dirty="0" err="1"/>
+              <a:t>Data_type</a:t>
+            </a:r>
+            <a:endParaRPr lang="en-PH" dirty="0"/>
+          </a:p>
+        </p:txBody>
+      </p:sp>
+      <p:pic>
+        <p:nvPicPr>
+          <p:cNvPr id="6" name="Picture 5">
+            <a:extLst>
+              <a:ext uri="{FF2B5EF4-FFF2-40B4-BE49-F238E27FC236}">
+                <a16:creationId xmlns:a16="http://schemas.microsoft.com/office/drawing/2014/main" id="{A1A0C161-BE6D-79F6-A9BE-FC940AAF04F9}"/>
+              </a:ext>
+            </a:extLst>
+          </p:cNvPr>
+          <p:cNvPicPr>
+            <a:picLocks noChangeAspect="1"/>
+          </p:cNvPicPr>
+          <p:nvPr/>
+        </p:nvPicPr>
+        <p:blipFill>
+          <a:blip r:embed="rId2"/>
+          <a:stretch>
+            <a:fillRect/>
+          </a:stretch>
+        </p:blipFill>
+        <p:spPr>
+          <a:xfrm>
+            <a:off x="3245726" y="0"/>
+            <a:ext cx="5281448" cy="6858000"/>
+          </a:xfrm>
+          <a:prstGeom prst="rect">
+            <a:avLst/>
+          </a:prstGeom>
+        </p:spPr>
+      </p:pic>
+    </p:spTree>
+    <p:extLst>
+      <p:ext uri="{BB962C8B-B14F-4D97-AF65-F5344CB8AC3E}">
+        <p14:creationId xmlns:p14="http://schemas.microsoft.com/office/powerpoint/2010/main" val="3632709021"/>
+      </p:ext>
+    </p:extLst>
+  </p:cSld>
+  <p:clrMapOvr>
+    <a:masterClrMapping/>
+  </p:clrMapOvr>
+</p:sld>
+</file>
+
+<file path=ppt/slides/slide8.xml><?xml version="1.0" encoding="utf-8"?>
+<p:sld xmlns:a="http://schemas.openxmlformats.org/drawingml/2006/main" xmlns:r="http://schemas.openxmlformats.org/officeDocument/2006/relationships" xmlns:p="http://schemas.openxmlformats.org/presentationml/2006/main">
+  <p:cSld>
+    <p:spTree>
+      <p:nvGrpSpPr>
+        <p:cNvPr id="1" name=""/>
+        <p:cNvGrpSpPr/>
+        <p:nvPr/>
+      </p:nvGrpSpPr>
+      <p:grpSpPr>
+        <a:xfrm>
+          <a:off x="0" y="0"/>
+          <a:ext cx="0" cy="0"/>
+          <a:chOff x="0" y="0"/>
+          <a:chExt cx="0" cy="0"/>
+        </a:xfrm>
+      </p:grpSpPr>
+      <p:pic>
+        <p:nvPicPr>
+          <p:cNvPr id="3" name="Picture 2">
+            <a:extLst>
+              <a:ext uri="{FF2B5EF4-FFF2-40B4-BE49-F238E27FC236}">
+                <a16:creationId xmlns:a16="http://schemas.microsoft.com/office/drawing/2014/main" id="{360EFAEF-A8E3-798F-159C-BB4579B25195}"/>
+              </a:ext>
+            </a:extLst>
+          </p:cNvPr>
+          <p:cNvPicPr>
+            <a:picLocks noChangeAspect="1"/>
+          </p:cNvPicPr>
+          <p:nvPr/>
+        </p:nvPicPr>
+        <p:blipFill>
+          <a:blip r:embed="rId2"/>
+          <a:stretch>
+            <a:fillRect/>
+          </a:stretch>
+        </p:blipFill>
+        <p:spPr>
+          <a:xfrm>
+            <a:off x="32426" y="0"/>
+            <a:ext cx="12159574" cy="6858000"/>
+          </a:xfrm>
+          <a:prstGeom prst="rect">
+            <a:avLst/>
+          </a:prstGeom>
+        </p:spPr>
+      </p:pic>
+      <p:sp>
+        <p:nvSpPr>
+          <p:cNvPr id="12" name="Title 11">
+            <a:extLst>
+              <a:ext uri="{FF2B5EF4-FFF2-40B4-BE49-F238E27FC236}">
+                <a16:creationId xmlns:a16="http://schemas.microsoft.com/office/drawing/2014/main" id="{068262D9-1F10-9845-9286-018F872538C0}"/>
+              </a:ext>
+            </a:extLst>
+          </p:cNvPr>
+          <p:cNvSpPr>
+            <a:spLocks noGrp="1"/>
+          </p:cNvSpPr>
+          <p:nvPr>
+            <p:ph type="title"/>
+          </p:nvPr>
+        </p:nvSpPr>
+        <p:spPr>
+          <a:xfrm rot="5400000">
+            <a:off x="8913737" y="2233515"/>
+            <a:ext cx="5605272" cy="1572126"/>
+          </a:xfrm>
+        </p:spPr>
+        <p:txBody>
+          <a:bodyPr/>
+          <a:lstStyle/>
+          <a:p>
+            <a:r>
+              <a:rPr lang="en-PH" dirty="0">
+                <a:solidFill>
+                  <a:srgbClr val="FF0000"/>
+                </a:solidFill>
+              </a:rPr>
+              <a:t>Declaration</a:t>
+            </a:r>
+          </a:p>
+        </p:txBody>
+      </p:sp>
+    </p:spTree>
+    <p:extLst>
+      <p:ext uri="{BB962C8B-B14F-4D97-AF65-F5344CB8AC3E}">
+        <p14:creationId xmlns:p14="http://schemas.microsoft.com/office/powerpoint/2010/main" val="3945899871"/>
+      </p:ext>
+    </p:extLst>
+  </p:cSld>
+  <p:clrMapOvr>
+    <a:masterClrMapping/>
+  </p:clrMapOvr>
+</p:sld>
+</file>
+
+<file path=ppt/slides/slide9.xml><?xml version="1.0" encoding="utf-8"?>
+<p:sld xmlns:a="http://schemas.openxmlformats.org/drawingml/2006/main" xmlns:r="http://schemas.openxmlformats.org/officeDocument/2006/relationships" xmlns:p="http://schemas.openxmlformats.org/presentationml/2006/main">
+  <p:cSld>
+    <p:spTree>
+      <p:nvGrpSpPr>
+        <p:cNvPr id="1" name=""/>
+        <p:cNvGrpSpPr/>
+        <p:nvPr/>
+      </p:nvGrpSpPr>
+      <p:grpSpPr>
+        <a:xfrm>
+          <a:off x="0" y="0"/>
+          <a:ext cx="0" cy="0"/>
+          <a:chOff x="0" y="0"/>
+          <a:chExt cx="0" cy="0"/>
+        </a:xfrm>
+      </p:grpSpPr>
+      <p:sp>
+        <p:nvSpPr>
+          <p:cNvPr id="12" name="Title 11">
+            <a:extLst>
+              <a:ext uri="{FF2B5EF4-FFF2-40B4-BE49-F238E27FC236}">
+                <a16:creationId xmlns:a16="http://schemas.microsoft.com/office/drawing/2014/main" id="{068262D9-1F10-9845-9286-018F872538C0}"/>
+              </a:ext>
+            </a:extLst>
+          </p:cNvPr>
+          <p:cNvSpPr>
+            <a:spLocks noGrp="1"/>
+          </p:cNvSpPr>
+          <p:nvPr>
+            <p:ph type="title"/>
+          </p:nvPr>
+        </p:nvSpPr>
+        <p:spPr>
+          <a:xfrm>
+            <a:off x="166310" y="-562365"/>
+            <a:ext cx="5605272" cy="1572126"/>
+          </a:xfrm>
+        </p:spPr>
+        <p:txBody>
+          <a:bodyPr/>
+          <a:lstStyle/>
+          <a:p>
+            <a:r>
+              <a:rPr lang="en-US" dirty="0"/>
+              <a:t>E</a:t>
+            </a:r>
+            <a:r>
+              <a:rPr lang="en-PH" dirty="0" err="1"/>
+              <a:t>XPression</a:t>
+            </a:r>
+            <a:endParaRPr lang="en-PH" dirty="0"/>
+          </a:p>
+        </p:txBody>
+      </p:sp>
+      <p:pic>
+        <p:nvPicPr>
+          <p:cNvPr id="3" name="Picture 2">
+            <a:extLst>
+              <a:ext uri="{FF2B5EF4-FFF2-40B4-BE49-F238E27FC236}">
+                <a16:creationId xmlns:a16="http://schemas.microsoft.com/office/drawing/2014/main" id="{74556390-5240-1489-E360-C36711615360}"/>
+              </a:ext>
+            </a:extLst>
+          </p:cNvPr>
+          <p:cNvPicPr>
+            <a:picLocks noChangeAspect="1"/>
+          </p:cNvPicPr>
+          <p:nvPr/>
+        </p:nvPicPr>
+        <p:blipFill>
+          <a:blip r:embed="rId2"/>
+          <a:stretch>
+            <a:fillRect/>
+          </a:stretch>
+        </p:blipFill>
+        <p:spPr>
+          <a:xfrm>
+            <a:off x="0" y="452298"/>
+            <a:ext cx="12192000" cy="5953404"/>
+          </a:xfrm>
+          <a:prstGeom prst="rect">
+            <a:avLst/>
+          </a:prstGeom>
+        </p:spPr>
+      </p:pic>
+    </p:spTree>
+    <p:extLst>
+      <p:ext uri="{BB962C8B-B14F-4D97-AF65-F5344CB8AC3E}">
+        <p14:creationId xmlns:p14="http://schemas.microsoft.com/office/powerpoint/2010/main" val="1530652028"/>
       </p:ext>
     </p:extLst>
   </p:cSld>

--- a/Programming Project.pptx
+++ b/Programming Project.pptx
@@ -8,32 +8,34 @@
     <p:sldMasterId id="2147483724" r:id="rId4"/>
   </p:sldMasterIdLst>
   <p:notesMasterIdLst>
-    <p:notesMasterId r:id="rId25"/>
+    <p:notesMasterId r:id="rId27"/>
   </p:notesMasterIdLst>
   <p:handoutMasterIdLst>
-    <p:handoutMasterId r:id="rId26"/>
+    <p:handoutMasterId r:id="rId28"/>
   </p:handoutMasterIdLst>
   <p:sldIdLst>
     <p:sldId id="446" r:id="rId5"/>
     <p:sldId id="447" r:id="rId6"/>
     <p:sldId id="449" r:id="rId7"/>
-    <p:sldId id="426" r:id="rId8"/>
-    <p:sldId id="463" r:id="rId9"/>
-    <p:sldId id="448" r:id="rId10"/>
-    <p:sldId id="450" r:id="rId11"/>
-    <p:sldId id="451" r:id="rId12"/>
-    <p:sldId id="452" r:id="rId13"/>
-    <p:sldId id="454" r:id="rId14"/>
-    <p:sldId id="458" r:id="rId15"/>
-    <p:sldId id="461" r:id="rId16"/>
-    <p:sldId id="459" r:id="rId17"/>
-    <p:sldId id="453" r:id="rId18"/>
-    <p:sldId id="462" r:id="rId19"/>
-    <p:sldId id="457" r:id="rId20"/>
-    <p:sldId id="456" r:id="rId21"/>
-    <p:sldId id="455" r:id="rId22"/>
-    <p:sldId id="460" r:id="rId23"/>
-    <p:sldId id="464" r:id="rId24"/>
+    <p:sldId id="465" r:id="rId8"/>
+    <p:sldId id="426" r:id="rId9"/>
+    <p:sldId id="463" r:id="rId10"/>
+    <p:sldId id="448" r:id="rId11"/>
+    <p:sldId id="450" r:id="rId12"/>
+    <p:sldId id="451" r:id="rId13"/>
+    <p:sldId id="452" r:id="rId14"/>
+    <p:sldId id="455" r:id="rId15"/>
+    <p:sldId id="466" r:id="rId16"/>
+    <p:sldId id="454" r:id="rId17"/>
+    <p:sldId id="458" r:id="rId18"/>
+    <p:sldId id="461" r:id="rId19"/>
+    <p:sldId id="459" r:id="rId20"/>
+    <p:sldId id="453" r:id="rId21"/>
+    <p:sldId id="462" r:id="rId22"/>
+    <p:sldId id="457" r:id="rId23"/>
+    <p:sldId id="456" r:id="rId24"/>
+    <p:sldId id="467" r:id="rId25"/>
+    <p:sldId id="464" r:id="rId26"/>
   </p:sldIdLst>
   <p:sldSz cx="12192000" cy="6858000"/>
   <p:notesSz cx="6858000" cy="9144000"/>
@@ -1050,7 +1052,7 @@
           <a:p>
             <a:fld id="{6B83F1C3-4FA3-4491-97F4-43CA9C8BDFDF}" type="slidenum">
               <a:rPr lang="en-US" smtClean="0"/>
-              <a:t>5</a:t>
+              <a:t>4</a:t>
             </a:fld>
             <a:endParaRPr lang="en-US" dirty="0"/>
           </a:p>
@@ -1059,7 +1061,7 @@
     </p:spTree>
     <p:extLst>
       <p:ext uri="{BB962C8B-B14F-4D97-AF65-F5344CB8AC3E}">
-        <p14:creationId xmlns:p14="http://schemas.microsoft.com/office/powerpoint/2010/main" val="237107430"/>
+        <p14:creationId xmlns:p14="http://schemas.microsoft.com/office/powerpoint/2010/main" val="2595049126"/>
       </p:ext>
     </p:extLst>
   </p:cSld>
@@ -1134,7 +1136,259 @@
           <a:p>
             <a:fld id="{6B83F1C3-4FA3-4491-97F4-43CA9C8BDFDF}" type="slidenum">
               <a:rPr lang="en-US" smtClean="0"/>
-              <a:t>20</a:t>
+              <a:t>6</a:t>
+            </a:fld>
+            <a:endParaRPr lang="en-US" dirty="0"/>
+          </a:p>
+        </p:txBody>
+      </p:sp>
+    </p:spTree>
+    <p:extLst>
+      <p:ext uri="{BB962C8B-B14F-4D97-AF65-F5344CB8AC3E}">
+        <p14:creationId xmlns:p14="http://schemas.microsoft.com/office/powerpoint/2010/main" val="237107430"/>
+      </p:ext>
+    </p:extLst>
+  </p:cSld>
+  <p:clrMapOvr>
+    <a:masterClrMapping/>
+  </p:clrMapOvr>
+</p:notes>
+</file>
+
+<file path=ppt/notesSlides/notesSlide6.xml><?xml version="1.0" encoding="utf-8"?>
+<p:notes xmlns:a="http://schemas.openxmlformats.org/drawingml/2006/main" xmlns:r="http://schemas.openxmlformats.org/officeDocument/2006/relationships" xmlns:p="http://schemas.openxmlformats.org/presentationml/2006/main">
+  <p:cSld>
+    <p:spTree>
+      <p:nvGrpSpPr>
+        <p:cNvPr id="1" name=""/>
+        <p:cNvGrpSpPr/>
+        <p:nvPr/>
+      </p:nvGrpSpPr>
+      <p:grpSpPr>
+        <a:xfrm>
+          <a:off x="0" y="0"/>
+          <a:ext cx="0" cy="0"/>
+          <a:chOff x="0" y="0"/>
+          <a:chExt cx="0" cy="0"/>
+        </a:xfrm>
+      </p:grpSpPr>
+      <p:sp>
+        <p:nvSpPr>
+          <p:cNvPr id="2" name="Slide Image Placeholder 1"/>
+          <p:cNvSpPr>
+            <a:spLocks noGrp="1" noRot="1" noChangeAspect="1"/>
+          </p:cNvSpPr>
+          <p:nvPr>
+            <p:ph type="sldImg"/>
+          </p:nvPr>
+        </p:nvSpPr>
+        <p:spPr/>
+      </p:sp>
+      <p:sp>
+        <p:nvSpPr>
+          <p:cNvPr id="3" name="Notes Placeholder 2"/>
+          <p:cNvSpPr>
+            <a:spLocks noGrp="1"/>
+          </p:cNvSpPr>
+          <p:nvPr>
+            <p:ph type="body" idx="1"/>
+          </p:nvPr>
+        </p:nvSpPr>
+        <p:spPr/>
+        <p:txBody>
+          <a:bodyPr/>
+          <a:lstStyle/>
+          <a:p>
+            <a:endParaRPr lang="en-US" dirty="0"/>
+          </a:p>
+        </p:txBody>
+      </p:sp>
+      <p:sp>
+        <p:nvSpPr>
+          <p:cNvPr id="4" name="Slide Number Placeholder 3"/>
+          <p:cNvSpPr>
+            <a:spLocks noGrp="1"/>
+          </p:cNvSpPr>
+          <p:nvPr>
+            <p:ph type="sldNum" sz="quarter" idx="5"/>
+          </p:nvPr>
+        </p:nvSpPr>
+        <p:spPr/>
+        <p:txBody>
+          <a:bodyPr/>
+          <a:lstStyle/>
+          <a:p>
+            <a:fld id="{6B83F1C3-4FA3-4491-97F4-43CA9C8BDFDF}" type="slidenum">
+              <a:rPr lang="en-US" smtClean="0"/>
+              <a:t>12</a:t>
+            </a:fld>
+            <a:endParaRPr lang="en-US" dirty="0"/>
+          </a:p>
+        </p:txBody>
+      </p:sp>
+    </p:spTree>
+    <p:extLst>
+      <p:ext uri="{BB962C8B-B14F-4D97-AF65-F5344CB8AC3E}">
+        <p14:creationId xmlns:p14="http://schemas.microsoft.com/office/powerpoint/2010/main" val="3446650657"/>
+      </p:ext>
+    </p:extLst>
+  </p:cSld>
+  <p:clrMapOvr>
+    <a:masterClrMapping/>
+  </p:clrMapOvr>
+</p:notes>
+</file>
+
+<file path=ppt/notesSlides/notesSlide7.xml><?xml version="1.0" encoding="utf-8"?>
+<p:notes xmlns:a="http://schemas.openxmlformats.org/drawingml/2006/main" xmlns:r="http://schemas.openxmlformats.org/officeDocument/2006/relationships" xmlns:p="http://schemas.openxmlformats.org/presentationml/2006/main">
+  <p:cSld>
+    <p:spTree>
+      <p:nvGrpSpPr>
+        <p:cNvPr id="1" name=""/>
+        <p:cNvGrpSpPr/>
+        <p:nvPr/>
+      </p:nvGrpSpPr>
+      <p:grpSpPr>
+        <a:xfrm>
+          <a:off x="0" y="0"/>
+          <a:ext cx="0" cy="0"/>
+          <a:chOff x="0" y="0"/>
+          <a:chExt cx="0" cy="0"/>
+        </a:xfrm>
+      </p:grpSpPr>
+      <p:sp>
+        <p:nvSpPr>
+          <p:cNvPr id="2" name="Slide Image Placeholder 1"/>
+          <p:cNvSpPr>
+            <a:spLocks noGrp="1" noRot="1" noChangeAspect="1"/>
+          </p:cNvSpPr>
+          <p:nvPr>
+            <p:ph type="sldImg"/>
+          </p:nvPr>
+        </p:nvSpPr>
+        <p:spPr/>
+      </p:sp>
+      <p:sp>
+        <p:nvSpPr>
+          <p:cNvPr id="3" name="Notes Placeholder 2"/>
+          <p:cNvSpPr>
+            <a:spLocks noGrp="1"/>
+          </p:cNvSpPr>
+          <p:nvPr>
+            <p:ph type="body" idx="1"/>
+          </p:nvPr>
+        </p:nvSpPr>
+        <p:spPr/>
+        <p:txBody>
+          <a:bodyPr/>
+          <a:lstStyle/>
+          <a:p>
+            <a:endParaRPr lang="en-US" dirty="0"/>
+          </a:p>
+        </p:txBody>
+      </p:sp>
+      <p:sp>
+        <p:nvSpPr>
+          <p:cNvPr id="4" name="Slide Number Placeholder 3"/>
+          <p:cNvSpPr>
+            <a:spLocks noGrp="1"/>
+          </p:cNvSpPr>
+          <p:nvPr>
+            <p:ph type="sldNum" sz="quarter" idx="5"/>
+          </p:nvPr>
+        </p:nvSpPr>
+        <p:spPr/>
+        <p:txBody>
+          <a:bodyPr/>
+          <a:lstStyle/>
+          <a:p>
+            <a:fld id="{6B83F1C3-4FA3-4491-97F4-43CA9C8BDFDF}" type="slidenum">
+              <a:rPr lang="en-US" smtClean="0"/>
+              <a:t>21</a:t>
+            </a:fld>
+            <a:endParaRPr lang="en-US" dirty="0"/>
+          </a:p>
+        </p:txBody>
+      </p:sp>
+    </p:spTree>
+    <p:extLst>
+      <p:ext uri="{BB962C8B-B14F-4D97-AF65-F5344CB8AC3E}">
+        <p14:creationId xmlns:p14="http://schemas.microsoft.com/office/powerpoint/2010/main" val="4177382874"/>
+      </p:ext>
+    </p:extLst>
+  </p:cSld>
+  <p:clrMapOvr>
+    <a:masterClrMapping/>
+  </p:clrMapOvr>
+</p:notes>
+</file>
+
+<file path=ppt/notesSlides/notesSlide8.xml><?xml version="1.0" encoding="utf-8"?>
+<p:notes xmlns:a="http://schemas.openxmlformats.org/drawingml/2006/main" xmlns:r="http://schemas.openxmlformats.org/officeDocument/2006/relationships" xmlns:p="http://schemas.openxmlformats.org/presentationml/2006/main">
+  <p:cSld>
+    <p:spTree>
+      <p:nvGrpSpPr>
+        <p:cNvPr id="1" name=""/>
+        <p:cNvGrpSpPr/>
+        <p:nvPr/>
+      </p:nvGrpSpPr>
+      <p:grpSpPr>
+        <a:xfrm>
+          <a:off x="0" y="0"/>
+          <a:ext cx="0" cy="0"/>
+          <a:chOff x="0" y="0"/>
+          <a:chExt cx="0" cy="0"/>
+        </a:xfrm>
+      </p:grpSpPr>
+      <p:sp>
+        <p:nvSpPr>
+          <p:cNvPr id="2" name="Slide Image Placeholder 1"/>
+          <p:cNvSpPr>
+            <a:spLocks noGrp="1" noRot="1" noChangeAspect="1"/>
+          </p:cNvSpPr>
+          <p:nvPr>
+            <p:ph type="sldImg"/>
+          </p:nvPr>
+        </p:nvSpPr>
+        <p:spPr/>
+      </p:sp>
+      <p:sp>
+        <p:nvSpPr>
+          <p:cNvPr id="3" name="Notes Placeholder 2"/>
+          <p:cNvSpPr>
+            <a:spLocks noGrp="1"/>
+          </p:cNvSpPr>
+          <p:nvPr>
+            <p:ph type="body" idx="1"/>
+          </p:nvPr>
+        </p:nvSpPr>
+        <p:spPr/>
+        <p:txBody>
+          <a:bodyPr/>
+          <a:lstStyle/>
+          <a:p>
+            <a:endParaRPr lang="en-US" dirty="0"/>
+          </a:p>
+        </p:txBody>
+      </p:sp>
+      <p:sp>
+        <p:nvSpPr>
+          <p:cNvPr id="4" name="Slide Number Placeholder 3"/>
+          <p:cNvSpPr>
+            <a:spLocks noGrp="1"/>
+          </p:cNvSpPr>
+          <p:nvPr>
+            <p:ph type="sldNum" sz="quarter" idx="5"/>
+          </p:nvPr>
+        </p:nvSpPr>
+        <p:spPr/>
+        <p:txBody>
+          <a:bodyPr/>
+          <a:lstStyle/>
+          <a:p>
+            <a:fld id="{6B83F1C3-4FA3-4491-97F4-43CA9C8BDFDF}" type="slidenum">
+              <a:rPr lang="en-US" smtClean="0"/>
+              <a:t>22</a:t>
             </a:fld>
             <a:endParaRPr lang="en-US" dirty="0"/>
           </a:p>
@@ -2190,6 +2444,281 @@
     <p:extLst>
       <p:ext uri="{BB962C8B-B14F-4D97-AF65-F5344CB8AC3E}">
         <p14:creationId xmlns:p14="http://schemas.microsoft.com/office/powerpoint/2010/main" val="2261131302"/>
+      </p:ext>
+    </p:extLst>
+  </p:cSld>
+  <p:clrMapOvr>
+    <a:masterClrMapping/>
+  </p:clrMapOvr>
+</p:sldLayout>
+</file>
+
+<file path=ppt/slideLayouts/slideLayout13.xml><?xml version="1.0" encoding="utf-8"?>
+<p:sldLayout xmlns:a="http://schemas.openxmlformats.org/drawingml/2006/main" xmlns:r="http://schemas.openxmlformats.org/officeDocument/2006/relationships" xmlns:p="http://schemas.openxmlformats.org/presentationml/2006/main" userDrawn="1">
+  <p:cSld name="Intro">
+    <p:spTree>
+      <p:nvGrpSpPr>
+        <p:cNvPr id="1" name=""/>
+        <p:cNvGrpSpPr/>
+        <p:nvPr/>
+      </p:nvGrpSpPr>
+      <p:grpSpPr>
+        <a:xfrm>
+          <a:off x="0" y="0"/>
+          <a:ext cx="0" cy="0"/>
+          <a:chOff x="0" y="0"/>
+          <a:chExt cx="0" cy="0"/>
+        </a:xfrm>
+      </p:grpSpPr>
+      <p:sp>
+        <p:nvSpPr>
+          <p:cNvPr id="8" name="Picture Placeholder 7">
+            <a:extLst>
+              <a:ext uri="{FF2B5EF4-FFF2-40B4-BE49-F238E27FC236}">
+                <a16:creationId xmlns:a16="http://schemas.microsoft.com/office/drawing/2014/main" id="{DF9C7667-EADA-40AC-B931-4642E0A9A4DE}"/>
+              </a:ext>
+            </a:extLst>
+          </p:cNvPr>
+          <p:cNvSpPr>
+            <a:spLocks noGrp="1"/>
+          </p:cNvSpPr>
+          <p:nvPr>
+            <p:ph type="pic" sz="quarter" idx="13"/>
+          </p:nvPr>
+        </p:nvSpPr>
+        <p:spPr>
+          <a:xfrm>
+            <a:off x="0" y="0"/>
+            <a:ext cx="12192000" cy="6858000"/>
+          </a:xfrm>
+          <a:prstGeom prst="rect">
+            <a:avLst/>
+          </a:prstGeom>
+          <a:solidFill>
+            <a:schemeClr val="tx1">
+              <a:lumMod val="50000"/>
+              <a:lumOff val="50000"/>
+            </a:schemeClr>
+          </a:solidFill>
+        </p:spPr>
+        <p:txBody>
+          <a:bodyPr anchor="ctr"/>
+          <a:lstStyle>
+            <a:lvl1pPr marL="0" indent="0">
+              <a:buNone/>
+              <a:defRPr>
+                <a:solidFill>
+                  <a:schemeClr val="bg1"/>
+                </a:solidFill>
+              </a:defRPr>
+            </a:lvl1pPr>
+          </a:lstStyle>
+          <a:p>
+            <a:r>
+              <a:rPr lang="en-US"/>
+              <a:t>Click icon to add picture</a:t>
+            </a:r>
+            <a:endParaRPr lang="en-US" dirty="0"/>
+          </a:p>
+        </p:txBody>
+      </p:sp>
+      <p:sp>
+        <p:nvSpPr>
+          <p:cNvPr id="2" name="Title 1">
+            <a:extLst>
+              <a:ext uri="{FF2B5EF4-FFF2-40B4-BE49-F238E27FC236}">
+                <a16:creationId xmlns:a16="http://schemas.microsoft.com/office/drawing/2014/main" id="{43379CA9-81D6-424A-8046-4B56E1D25059}"/>
+              </a:ext>
+            </a:extLst>
+          </p:cNvPr>
+          <p:cNvSpPr>
+            <a:spLocks noGrp="1"/>
+          </p:cNvSpPr>
+          <p:nvPr>
+            <p:ph type="title"/>
+          </p:nvPr>
+        </p:nvSpPr>
+        <p:spPr/>
+        <p:txBody>
+          <a:bodyPr/>
+          <a:lstStyle>
+            <a:lvl1pPr>
+              <a:defRPr cap="all" baseline="0">
+                <a:solidFill>
+                  <a:schemeClr val="bg1"/>
+                </a:solidFill>
+              </a:defRPr>
+            </a:lvl1pPr>
+          </a:lstStyle>
+          <a:p>
+            <a:r>
+              <a:rPr lang="en-US"/>
+              <a:t>Click to edit Master title style</a:t>
+            </a:r>
+            <a:endParaRPr lang="en-US" dirty="0"/>
+          </a:p>
+        </p:txBody>
+      </p:sp>
+      <p:sp>
+        <p:nvSpPr>
+          <p:cNvPr id="10" name="Text Placeholder 9">
+            <a:extLst>
+              <a:ext uri="{FF2B5EF4-FFF2-40B4-BE49-F238E27FC236}">
+                <a16:creationId xmlns:a16="http://schemas.microsoft.com/office/drawing/2014/main" id="{2A60302F-65DB-4E93-B6C3-49E64C44FB53}"/>
+              </a:ext>
+            </a:extLst>
+          </p:cNvPr>
+          <p:cNvSpPr>
+            <a:spLocks noGrp="1"/>
+          </p:cNvSpPr>
+          <p:nvPr>
+            <p:ph type="body" sz="quarter" idx="14" hasCustomPrompt="1"/>
+          </p:nvPr>
+        </p:nvSpPr>
+        <p:spPr>
+          <a:xfrm>
+            <a:off x="3429000" y="2240280"/>
+            <a:ext cx="4645152" cy="4197096"/>
+          </a:xfrm>
+          <a:prstGeom prst="rect">
+            <a:avLst/>
+          </a:prstGeom>
+        </p:spPr>
+        <p:txBody>
+          <a:bodyPr/>
+          <a:lstStyle>
+            <a:lvl1pPr marL="0" indent="0">
+              <a:lnSpc>
+                <a:spcPts val="2800"/>
+              </a:lnSpc>
+              <a:spcBef>
+                <a:spcPts val="0"/>
+              </a:spcBef>
+              <a:buNone/>
+              <a:defRPr sz="1800">
+                <a:solidFill>
+                  <a:schemeClr val="bg1"/>
+                </a:solidFill>
+              </a:defRPr>
+            </a:lvl1pPr>
+            <a:lvl2pPr marL="457200" indent="0">
+              <a:buNone/>
+              <a:defRPr sz="2400"/>
+            </a:lvl2pPr>
+            <a:lvl3pPr marL="914400" indent="0">
+              <a:buNone/>
+              <a:defRPr sz="2400"/>
+            </a:lvl3pPr>
+            <a:lvl4pPr marL="1371600" indent="0">
+              <a:buNone/>
+              <a:defRPr sz="2400"/>
+            </a:lvl4pPr>
+            <a:lvl5pPr marL="1828800" indent="0">
+              <a:buNone/>
+              <a:defRPr sz="2400"/>
+            </a:lvl5pPr>
+          </a:lstStyle>
+          <a:p>
+            <a:pPr lvl="0"/>
+            <a:r>
+              <a:rPr lang="en-US" dirty="0"/>
+              <a:t>Click to edit text</a:t>
+            </a:r>
+          </a:p>
+        </p:txBody>
+      </p:sp>
+      <p:sp>
+        <p:nvSpPr>
+          <p:cNvPr id="7" name="Text Placeholder 6">
+            <a:extLst>
+              <a:ext uri="{FF2B5EF4-FFF2-40B4-BE49-F238E27FC236}">
+                <a16:creationId xmlns:a16="http://schemas.microsoft.com/office/drawing/2014/main" id="{EC1CB8E8-F58A-4B26-B8AA-8977FC608E83}"/>
+              </a:ext>
+            </a:extLst>
+          </p:cNvPr>
+          <p:cNvSpPr>
+            <a:spLocks noGrp="1"/>
+          </p:cNvSpPr>
+          <p:nvPr>
+            <p:ph type="body" sz="quarter" idx="15" hasCustomPrompt="1"/>
+          </p:nvPr>
+        </p:nvSpPr>
+        <p:spPr>
+          <a:xfrm>
+            <a:off x="630936" y="4498848"/>
+            <a:ext cx="2121408" cy="621792"/>
+          </a:xfrm>
+          <a:prstGeom prst="rect">
+            <a:avLst/>
+          </a:prstGeom>
+        </p:spPr>
+        <p:txBody>
+          <a:bodyPr lIns="0"/>
+          <a:lstStyle>
+            <a:lvl1pPr marL="0" indent="0">
+              <a:lnSpc>
+                <a:spcPts val="1800"/>
+              </a:lnSpc>
+              <a:spcBef>
+                <a:spcPts val="0"/>
+              </a:spcBef>
+              <a:buNone/>
+              <a:defRPr sz="1200" b="1"/>
+            </a:lvl1pPr>
+            <a:lvl2pPr marL="457200" indent="0">
+              <a:lnSpc>
+                <a:spcPts val="1800"/>
+              </a:lnSpc>
+              <a:spcBef>
+                <a:spcPts val="0"/>
+              </a:spcBef>
+              <a:buNone/>
+              <a:defRPr sz="1200" b="1"/>
+            </a:lvl2pPr>
+            <a:lvl3pPr marL="914400" indent="0">
+              <a:lnSpc>
+                <a:spcPts val="1800"/>
+              </a:lnSpc>
+              <a:spcBef>
+                <a:spcPts val="0"/>
+              </a:spcBef>
+              <a:buNone/>
+              <a:defRPr sz="1200" b="1"/>
+            </a:lvl3pPr>
+            <a:lvl4pPr marL="1371600" indent="0">
+              <a:lnSpc>
+                <a:spcPts val="1800"/>
+              </a:lnSpc>
+              <a:spcBef>
+                <a:spcPts val="0"/>
+              </a:spcBef>
+              <a:buNone/>
+              <a:defRPr sz="1200" b="1"/>
+            </a:lvl4pPr>
+            <a:lvl5pPr marL="1828800" indent="0">
+              <a:lnSpc>
+                <a:spcPts val="1800"/>
+              </a:lnSpc>
+              <a:spcBef>
+                <a:spcPts val="0"/>
+              </a:spcBef>
+              <a:buNone/>
+              <a:defRPr sz="1200" b="1"/>
+            </a:lvl5pPr>
+          </a:lstStyle>
+          <a:p>
+            <a:pPr lvl="0"/>
+            <a:r>
+              <a:rPr lang="en-US"/>
+              <a:t>Click to text</a:t>
+            </a:r>
+          </a:p>
+        </p:txBody>
+      </p:sp>
+    </p:spTree>
+    <p:extLst>
+      <p:ext uri="{BB962C8B-B14F-4D97-AF65-F5344CB8AC3E}">
+        <p14:creationId xmlns:p14="http://schemas.microsoft.com/office/powerpoint/2010/main" val="2742582026"/>
       </p:ext>
     </p:extLst>
   </p:cSld>
@@ -6954,6 +7483,7 @@
     <p:sldLayoutId id="2147483731" r:id="rId1"/>
     <p:sldLayoutId id="2147483704" r:id="rId2"/>
     <p:sldLayoutId id="2147483732" r:id="rId3"/>
+    <p:sldLayoutId id="2147483733" r:id="rId4"/>
   </p:sldLayoutIdLst>
   <p:txStyles>
     <p:titleStyle>
@@ -7408,8 +7938,8 @@
           </p:nvPr>
         </p:nvSpPr>
         <p:spPr>
-          <a:xfrm rot="5400000">
-            <a:off x="8913737" y="2233515"/>
+          <a:xfrm>
+            <a:off x="166310" y="-562365"/>
             <a:ext cx="5605272" cy="1572126"/>
           </a:xfrm>
         </p:spPr>
@@ -7419,12 +7949,13 @@
           <a:p>
             <a:r>
               <a:rPr lang="en-US" dirty="0"/>
-              <a:t>I</a:t>
-            </a:r>
-            <a:r>
-              <a:rPr lang="en-PH" dirty="0"/>
-              <a:t>Identifier</a:t>
-            </a:r>
+              <a:t>E</a:t>
+            </a:r>
+            <a:r>
+              <a:rPr lang="en-PH" dirty="0" err="1"/>
+              <a:t>XPression</a:t>
+            </a:r>
+            <a:endParaRPr lang="en-PH" dirty="0"/>
           </a:p>
         </p:txBody>
       </p:sp>
@@ -7433,7 +7964,7 @@
           <p:cNvPr id="3" name="Picture 2">
             <a:extLst>
               <a:ext uri="{FF2B5EF4-FFF2-40B4-BE49-F238E27FC236}">
-                <a16:creationId xmlns:a16="http://schemas.microsoft.com/office/drawing/2014/main" id="{7DB5D479-8028-A72E-D8A0-B8CC330A98E3}"/>
+                <a16:creationId xmlns:a16="http://schemas.microsoft.com/office/drawing/2014/main" id="{74556390-5240-1489-E360-C36711615360}"/>
               </a:ext>
             </a:extLst>
           </p:cNvPr>
@@ -7450,8 +7981,8 @@
         </p:blipFill>
         <p:spPr>
           <a:xfrm>
-            <a:off x="224790" y="0"/>
-            <a:ext cx="10904219" cy="6858000"/>
+            <a:off x="0" y="452298"/>
+            <a:ext cx="12192000" cy="5953404"/>
           </a:xfrm>
           <a:prstGeom prst="rect">
             <a:avLst/>
@@ -7461,7 +7992,7 @@
     </p:spTree>
     <p:extLst>
       <p:ext uri="{BB962C8B-B14F-4D97-AF65-F5344CB8AC3E}">
-        <p14:creationId xmlns:p14="http://schemas.microsoft.com/office/powerpoint/2010/main" val="1874863294"/>
+        <p14:creationId xmlns:p14="http://schemas.microsoft.com/office/powerpoint/2010/main" val="1530652028"/>
       </p:ext>
     </p:extLst>
   </p:cSld>
@@ -7515,9 +8046,14 @@
           <a:lstStyle/>
           <a:p>
             <a:r>
-              <a:rPr lang="en-PH" dirty="0"/>
-              <a:t>forming identifier</a:t>
-            </a:r>
+              <a:rPr lang="en-US" dirty="0"/>
+              <a:t>T</a:t>
+            </a:r>
+            <a:r>
+              <a:rPr lang="en-PH" dirty="0" err="1"/>
+              <a:t>erminator</a:t>
+            </a:r>
+            <a:endParaRPr lang="en-PH" dirty="0"/>
           </a:p>
         </p:txBody>
       </p:sp>
@@ -7526,7 +8062,7 @@
           <p:cNvPr id="3" name="Picture 2">
             <a:extLst>
               <a:ext uri="{FF2B5EF4-FFF2-40B4-BE49-F238E27FC236}">
-                <a16:creationId xmlns:a16="http://schemas.microsoft.com/office/drawing/2014/main" id="{64620455-3046-D558-85EF-D8248582AEE3}"/>
+                <a16:creationId xmlns:a16="http://schemas.microsoft.com/office/drawing/2014/main" id="{1A85B405-D40C-D6F8-449F-77FDB418F0E7}"/>
               </a:ext>
             </a:extLst>
           </p:cNvPr>
@@ -7543,8 +8079,8 @@
         </p:blipFill>
         <p:spPr>
           <a:xfrm>
-            <a:off x="2824756" y="0"/>
-            <a:ext cx="5170888" cy="6858000"/>
+            <a:off x="889861" y="709233"/>
+            <a:ext cx="10412278" cy="5439534"/>
           </a:xfrm>
           <a:prstGeom prst="rect">
             <a:avLst/>
@@ -7554,7 +8090,7 @@
     </p:spTree>
     <p:extLst>
       <p:ext uri="{BB962C8B-B14F-4D97-AF65-F5344CB8AC3E}">
-        <p14:creationId xmlns:p14="http://schemas.microsoft.com/office/powerpoint/2010/main" val="802338327"/>
+        <p14:creationId xmlns:p14="http://schemas.microsoft.com/office/powerpoint/2010/main" val="3720609042"/>
       </p:ext>
     </p:extLst>
   </p:cSld>
@@ -7581,78 +8117,73 @@
           <a:chExt cx="0" cy="0"/>
         </a:xfrm>
       </p:grpSpPr>
-      <p:sp>
-        <p:nvSpPr>
-          <p:cNvPr id="12" name="Title 11">
-            <a:extLst>
-              <a:ext uri="{FF2B5EF4-FFF2-40B4-BE49-F238E27FC236}">
-                <a16:creationId xmlns:a16="http://schemas.microsoft.com/office/drawing/2014/main" id="{068262D9-1F10-9845-9286-018F872538C0}"/>
-              </a:ext>
-            </a:extLst>
-          </p:cNvPr>
-          <p:cNvSpPr>
-            <a:spLocks noGrp="1"/>
-          </p:cNvSpPr>
-          <p:nvPr>
-            <p:ph type="title"/>
-          </p:nvPr>
-        </p:nvSpPr>
-        <p:spPr>
-          <a:xfrm rot="5400000">
-            <a:off x="8913737" y="2233515"/>
-            <a:ext cx="5605272" cy="1572126"/>
-          </a:xfrm>
-        </p:spPr>
-        <p:txBody>
-          <a:bodyPr/>
-          <a:lstStyle/>
-          <a:p>
-            <a:r>
-              <a:rPr lang="en-US" dirty="0"/>
-              <a:t>c</a:t>
-            </a:r>
-            <a:r>
-              <a:rPr lang="en-PH" dirty="0" err="1"/>
-              <a:t>onstants</a:t>
-            </a:r>
-            <a:endParaRPr lang="en-PH" dirty="0"/>
-          </a:p>
-        </p:txBody>
-      </p:sp>
       <p:pic>
         <p:nvPicPr>
-          <p:cNvPr id="4" name="Picture 3">
-            <a:extLst>
-              <a:ext uri="{FF2B5EF4-FFF2-40B4-BE49-F238E27FC236}">
-                <a16:creationId xmlns:a16="http://schemas.microsoft.com/office/drawing/2014/main" id="{A5E2C860-AA31-4F91-32A3-11A070CFFC0A}"/>
+          <p:cNvPr id="8" name="Picture Placeholder 7" descr="Abstract image of curvy lines">
+            <a:extLst>
+              <a:ext uri="{FF2B5EF4-FFF2-40B4-BE49-F238E27FC236}">
+                <a16:creationId xmlns:a16="http://schemas.microsoft.com/office/drawing/2014/main" id="{81F59575-96AE-45B0-B1FB-3CFC139E9D12}"/>
               </a:ext>
             </a:extLst>
           </p:cNvPr>
           <p:cNvPicPr>
-            <a:picLocks noChangeAspect="1"/>
+            <a:picLocks noGrp="1" noChangeAspect="1"/>
           </p:cNvPicPr>
-          <p:nvPr/>
+          <p:nvPr>
+            <p:ph type="pic" sz="quarter" idx="13"/>
+          </p:nvPr>
         </p:nvPicPr>
         <p:blipFill>
-          <a:blip r:embed="rId2"/>
-          <a:stretch>
-            <a:fillRect/>
-          </a:stretch>
+          <a:blip r:embed="rId3"/>
+          <a:srcRect/>
+          <a:stretch/>
         </p:blipFill>
         <p:spPr>
           <a:xfrm>
-            <a:off x="4043038" y="0"/>
-            <a:ext cx="4105923" cy="6858000"/>
-          </a:xfrm>
-          <a:prstGeom prst="rect">
-            <a:avLst/>
-          </a:prstGeom>
+            <a:off x="225" y="0"/>
+            <a:ext cx="12191550" cy="6857999"/>
+          </a:xfrm>
         </p:spPr>
       </p:pic>
+      <p:sp>
+        <p:nvSpPr>
+          <p:cNvPr id="4" name="Title 3">
+            <a:extLst>
+              <a:ext uri="{FF2B5EF4-FFF2-40B4-BE49-F238E27FC236}">
+                <a16:creationId xmlns:a16="http://schemas.microsoft.com/office/drawing/2014/main" id="{08347D8D-E852-43D5-858E-2D01BE57FA93}"/>
+              </a:ext>
+            </a:extLst>
+          </p:cNvPr>
+          <p:cNvSpPr>
+            <a:spLocks noGrp="1"/>
+          </p:cNvSpPr>
+          <p:nvPr>
+            <p:ph type="title"/>
+          </p:nvPr>
+        </p:nvSpPr>
+        <p:spPr>
+          <a:xfrm>
+            <a:off x="457200" y="4515034"/>
+            <a:ext cx="9474200" cy="1371600"/>
+          </a:xfrm>
+        </p:spPr>
+        <p:txBody>
+          <a:bodyPr anchor="t" anchorCtr="0">
+            <a:normAutofit/>
+          </a:bodyPr>
+          <a:lstStyle/>
+          <a:p>
+            <a:r>
+              <a:rPr lang="en-US" dirty="0"/>
+              <a:t>Sub - function flowchart</a:t>
+            </a:r>
+          </a:p>
+        </p:txBody>
+      </p:sp>
     </p:spTree>
     <p:extLst>
       <p:ext uri="{BB962C8B-B14F-4D97-AF65-F5344CB8AC3E}">
-        <p14:creationId xmlns:p14="http://schemas.microsoft.com/office/powerpoint/2010/main" val="3418752080"/>
+        <p14:creationId xmlns:p14="http://schemas.microsoft.com/office/powerpoint/2010/main" val="1998534627"/>
       </p:ext>
     </p:extLst>
   </p:cSld>
@@ -7706,8 +8237,12 @@
           <a:lstStyle/>
           <a:p>
             <a:r>
+              <a:rPr lang="en-US" dirty="0"/>
+              <a:t>I</a:t>
+            </a:r>
+            <a:r>
               <a:rPr lang="en-PH" dirty="0"/>
-              <a:t>forming constant</a:t>
+              <a:t>Identifier</a:t>
             </a:r>
           </a:p>
         </p:txBody>
@@ -7717,7 +8252,7 @@
           <p:cNvPr id="3" name="Picture 2">
             <a:extLst>
               <a:ext uri="{FF2B5EF4-FFF2-40B4-BE49-F238E27FC236}">
-                <a16:creationId xmlns:a16="http://schemas.microsoft.com/office/drawing/2014/main" id="{27CDCF10-C394-8CB2-923C-53F56929DA51}"/>
+                <a16:creationId xmlns:a16="http://schemas.microsoft.com/office/drawing/2014/main" id="{7DB5D479-8028-A72E-D8A0-B8CC330A98E3}"/>
               </a:ext>
             </a:extLst>
           </p:cNvPr>
@@ -7734,8 +8269,8 @@
         </p:blipFill>
         <p:spPr>
           <a:xfrm>
-            <a:off x="4095750" y="0"/>
-            <a:ext cx="4000500" cy="6858000"/>
+            <a:off x="224790" y="0"/>
+            <a:ext cx="10904219" cy="6858000"/>
           </a:xfrm>
           <a:prstGeom prst="rect">
             <a:avLst/>
@@ -7745,7 +8280,7 @@
     </p:spTree>
     <p:extLst>
       <p:ext uri="{BB962C8B-B14F-4D97-AF65-F5344CB8AC3E}">
-        <p14:creationId xmlns:p14="http://schemas.microsoft.com/office/powerpoint/2010/main" val="2840897540"/>
+        <p14:creationId xmlns:p14="http://schemas.microsoft.com/office/powerpoint/2010/main" val="1874863294"/>
       </p:ext>
     </p:extLst>
   </p:cSld>
@@ -7789,8 +8324,8 @@
           </p:nvPr>
         </p:nvSpPr>
         <p:spPr>
-          <a:xfrm>
-            <a:off x="490728" y="0"/>
+          <a:xfrm rot="5400000">
+            <a:off x="8913737" y="2233515"/>
             <a:ext cx="5605272" cy="1572126"/>
           </a:xfrm>
         </p:spPr>
@@ -7799,14 +8334,9 @@
           <a:lstStyle/>
           <a:p>
             <a:r>
-              <a:rPr lang="en-US" dirty="0"/>
-              <a:t>O</a:t>
-            </a:r>
-            <a:r>
-              <a:rPr lang="en-PH" dirty="0" err="1"/>
-              <a:t>Perator</a:t>
-            </a:r>
-            <a:endParaRPr lang="en-PH" dirty="0"/>
+              <a:rPr lang="en-PH" dirty="0"/>
+              <a:t>forming identifier</a:t>
+            </a:r>
           </a:p>
         </p:txBody>
       </p:sp>
@@ -7815,7 +8345,7 @@
           <p:cNvPr id="3" name="Picture 2">
             <a:extLst>
               <a:ext uri="{FF2B5EF4-FFF2-40B4-BE49-F238E27FC236}">
-                <a16:creationId xmlns:a16="http://schemas.microsoft.com/office/drawing/2014/main" id="{FD273CC3-18F5-2E24-277C-A9DAABD2C729}"/>
+                <a16:creationId xmlns:a16="http://schemas.microsoft.com/office/drawing/2014/main" id="{64620455-3046-D558-85EF-D8248582AEE3}"/>
               </a:ext>
             </a:extLst>
           </p:cNvPr>
@@ -7832,8 +8362,8 @@
         </p:blipFill>
         <p:spPr>
           <a:xfrm>
-            <a:off x="0" y="1434804"/>
-            <a:ext cx="12192000" cy="3988391"/>
+            <a:off x="2824756" y="0"/>
+            <a:ext cx="5170888" cy="6858000"/>
           </a:xfrm>
           <a:prstGeom prst="rect">
             <a:avLst/>
@@ -7843,7 +8373,7 @@
     </p:spTree>
     <p:extLst>
       <p:ext uri="{BB962C8B-B14F-4D97-AF65-F5344CB8AC3E}">
-        <p14:creationId xmlns:p14="http://schemas.microsoft.com/office/powerpoint/2010/main" val="1688315606"/>
+        <p14:creationId xmlns:p14="http://schemas.microsoft.com/office/powerpoint/2010/main" val="802338327"/>
       </p:ext>
     </p:extLst>
   </p:cSld>
@@ -7898,25 +8428,22 @@
           <a:p>
             <a:r>
               <a:rPr lang="en-US" dirty="0"/>
-              <a:t>E</a:t>
+              <a:t>c</a:t>
             </a:r>
             <a:r>
               <a:rPr lang="en-PH" dirty="0" err="1"/>
-              <a:t>xp</a:t>
-            </a:r>
-            <a:r>
-              <a:rPr lang="en-PH" dirty="0"/>
-              <a:t> Parenthesis</a:t>
-            </a:r>
+              <a:t>onstants</a:t>
+            </a:r>
+            <a:endParaRPr lang="en-PH" dirty="0"/>
           </a:p>
         </p:txBody>
       </p:sp>
       <p:pic>
         <p:nvPicPr>
-          <p:cNvPr id="3" name="Picture 2">
-            <a:extLst>
-              <a:ext uri="{FF2B5EF4-FFF2-40B4-BE49-F238E27FC236}">
-                <a16:creationId xmlns:a16="http://schemas.microsoft.com/office/drawing/2014/main" id="{F5876AE4-5C28-26F7-5BBF-7A0FECF803A6}"/>
+          <p:cNvPr id="4" name="Picture 3">
+            <a:extLst>
+              <a:ext uri="{FF2B5EF4-FFF2-40B4-BE49-F238E27FC236}">
+                <a16:creationId xmlns:a16="http://schemas.microsoft.com/office/drawing/2014/main" id="{A5E2C860-AA31-4F91-32A3-11A070CFFC0A}"/>
               </a:ext>
             </a:extLst>
           </p:cNvPr>
@@ -7933,8 +8460,8 @@
         </p:blipFill>
         <p:spPr>
           <a:xfrm>
-            <a:off x="2018731" y="723522"/>
-            <a:ext cx="8154538" cy="5410955"/>
+            <a:off x="4043038" y="0"/>
+            <a:ext cx="4105923" cy="6858000"/>
           </a:xfrm>
           <a:prstGeom prst="rect">
             <a:avLst/>
@@ -7944,7 +8471,7 @@
     </p:spTree>
     <p:extLst>
       <p:ext uri="{BB962C8B-B14F-4D97-AF65-F5344CB8AC3E}">
-        <p14:creationId xmlns:p14="http://schemas.microsoft.com/office/powerpoint/2010/main" val="1212501474"/>
+        <p14:creationId xmlns:p14="http://schemas.microsoft.com/office/powerpoint/2010/main" val="3418752080"/>
       </p:ext>
     </p:extLst>
   </p:cSld>
@@ -7998,14 +8525,9 @@
           <a:lstStyle/>
           <a:p>
             <a:r>
-              <a:rPr lang="en-US" dirty="0" err="1"/>
-              <a:t>i</a:t>
-            </a:r>
-            <a:r>
-              <a:rPr lang="en-PH" dirty="0" err="1"/>
-              <a:t>sbalanced</a:t>
-            </a:r>
-            <a:endParaRPr lang="en-PH" dirty="0"/>
+              <a:rPr lang="en-PH" dirty="0"/>
+              <a:t>forming constant</a:t>
+            </a:r>
           </a:p>
         </p:txBody>
       </p:sp>
@@ -8014,7 +8536,7 @@
           <p:cNvPr id="3" name="Picture 2">
             <a:extLst>
               <a:ext uri="{FF2B5EF4-FFF2-40B4-BE49-F238E27FC236}">
-                <a16:creationId xmlns:a16="http://schemas.microsoft.com/office/drawing/2014/main" id="{83600128-D12B-CAFC-BA45-BF0A654FFD9D}"/>
+                <a16:creationId xmlns:a16="http://schemas.microsoft.com/office/drawing/2014/main" id="{27CDCF10-C394-8CB2-923C-53F56929DA51}"/>
               </a:ext>
             </a:extLst>
           </p:cNvPr>
@@ -8031,8 +8553,8 @@
         </p:blipFill>
         <p:spPr>
           <a:xfrm>
-            <a:off x="3239826" y="0"/>
-            <a:ext cx="5712348" cy="6858000"/>
+            <a:off x="4095750" y="0"/>
+            <a:ext cx="4000500" cy="6858000"/>
           </a:xfrm>
           <a:prstGeom prst="rect">
             <a:avLst/>
@@ -8042,7 +8564,7 @@
     </p:spTree>
     <p:extLst>
       <p:ext uri="{BB962C8B-B14F-4D97-AF65-F5344CB8AC3E}">
-        <p14:creationId xmlns:p14="http://schemas.microsoft.com/office/powerpoint/2010/main" val="2377979668"/>
+        <p14:creationId xmlns:p14="http://schemas.microsoft.com/office/powerpoint/2010/main" val="2840897540"/>
       </p:ext>
     </p:extLst>
   </p:cSld>
@@ -8086,8 +8608,8 @@
           </p:nvPr>
         </p:nvSpPr>
         <p:spPr>
-          <a:xfrm rot="5400000">
-            <a:off x="8913737" y="2233515"/>
+          <a:xfrm>
+            <a:off x="490728" y="0"/>
             <a:ext cx="5605272" cy="1572126"/>
           </a:xfrm>
         </p:spPr>
@@ -8096,12 +8618,12 @@
           <a:lstStyle/>
           <a:p>
             <a:r>
-              <a:rPr lang="en-US" dirty="0" err="1"/>
-              <a:t>i</a:t>
+              <a:rPr lang="en-US" dirty="0"/>
+              <a:t>O</a:t>
             </a:r>
             <a:r>
               <a:rPr lang="en-PH" dirty="0" err="1"/>
-              <a:t>schar</a:t>
+              <a:t>Perator</a:t>
             </a:r>
             <a:endParaRPr lang="en-PH" dirty="0"/>
           </a:p>
@@ -8112,7 +8634,7 @@
           <p:cNvPr id="3" name="Picture 2">
             <a:extLst>
               <a:ext uri="{FF2B5EF4-FFF2-40B4-BE49-F238E27FC236}">
-                <a16:creationId xmlns:a16="http://schemas.microsoft.com/office/drawing/2014/main" id="{A86C06CA-B9B0-A3F7-628F-DEB6F024DA13}"/>
+                <a16:creationId xmlns:a16="http://schemas.microsoft.com/office/drawing/2014/main" id="{FD273CC3-18F5-2E24-277C-A9DAABD2C729}"/>
               </a:ext>
             </a:extLst>
           </p:cNvPr>
@@ -8129,8 +8651,8 @@
         </p:blipFill>
         <p:spPr>
           <a:xfrm>
-            <a:off x="4009734" y="1585655"/>
-            <a:ext cx="4172532" cy="3686689"/>
+            <a:off x="0" y="1434804"/>
+            <a:ext cx="12192000" cy="3988391"/>
           </a:xfrm>
           <a:prstGeom prst="rect">
             <a:avLst/>
@@ -8140,7 +8662,7 @@
     </p:spTree>
     <p:extLst>
       <p:ext uri="{BB962C8B-B14F-4D97-AF65-F5344CB8AC3E}">
-        <p14:creationId xmlns:p14="http://schemas.microsoft.com/office/powerpoint/2010/main" val="4269053863"/>
+        <p14:creationId xmlns:p14="http://schemas.microsoft.com/office/powerpoint/2010/main" val="1688315606"/>
       </p:ext>
     </p:extLst>
   </p:cSld>
@@ -8195,13 +8717,16 @@
           <a:p>
             <a:r>
               <a:rPr lang="en-US" dirty="0"/>
-              <a:t>T</a:t>
+              <a:t>E</a:t>
             </a:r>
             <a:r>
               <a:rPr lang="en-PH" dirty="0" err="1"/>
-              <a:t>erminator</a:t>
-            </a:r>
-            <a:endParaRPr lang="en-PH" dirty="0"/>
+              <a:t>xp</a:t>
+            </a:r>
+            <a:r>
+              <a:rPr lang="en-PH" dirty="0"/>
+              <a:t> Parenthesis</a:t>
+            </a:r>
           </a:p>
         </p:txBody>
       </p:sp>
@@ -8210,7 +8735,7 @@
           <p:cNvPr id="3" name="Picture 2">
             <a:extLst>
               <a:ext uri="{FF2B5EF4-FFF2-40B4-BE49-F238E27FC236}">
-                <a16:creationId xmlns:a16="http://schemas.microsoft.com/office/drawing/2014/main" id="{1A85B405-D40C-D6F8-449F-77FDB418F0E7}"/>
+                <a16:creationId xmlns:a16="http://schemas.microsoft.com/office/drawing/2014/main" id="{F5876AE4-5C28-26F7-5BBF-7A0FECF803A6}"/>
               </a:ext>
             </a:extLst>
           </p:cNvPr>
@@ -8227,8 +8752,8 @@
         </p:blipFill>
         <p:spPr>
           <a:xfrm>
-            <a:off x="889861" y="709233"/>
-            <a:ext cx="10412278" cy="5439534"/>
+            <a:off x="2018731" y="723522"/>
+            <a:ext cx="8154538" cy="5410955"/>
           </a:xfrm>
           <a:prstGeom prst="rect">
             <a:avLst/>
@@ -8238,7 +8763,7 @@
     </p:spTree>
     <p:extLst>
       <p:ext uri="{BB962C8B-B14F-4D97-AF65-F5344CB8AC3E}">
-        <p14:creationId xmlns:p14="http://schemas.microsoft.com/office/powerpoint/2010/main" val="3720609042"/>
+        <p14:creationId xmlns:p14="http://schemas.microsoft.com/office/powerpoint/2010/main" val="1212501474"/>
       </p:ext>
     </p:extLst>
   </p:cSld>
@@ -8292,20 +8817,51 @@
           <a:lstStyle/>
           <a:p>
             <a:r>
-              <a:rPr lang="en-US" dirty="0"/>
-              <a:t>F</a:t>
-            </a:r>
-            <a:r>
-              <a:rPr lang="en-PH" dirty="0"/>
-              <a:t>INAL Note</a:t>
-            </a:r>
-          </a:p>
-        </p:txBody>
-      </p:sp>
+              <a:rPr lang="en-US" dirty="0" err="1"/>
+              <a:t>i</a:t>
+            </a:r>
+            <a:r>
+              <a:rPr lang="en-PH" dirty="0" err="1"/>
+              <a:t>sbalanced</a:t>
+            </a:r>
+            <a:endParaRPr lang="en-PH" dirty="0"/>
+          </a:p>
+        </p:txBody>
+      </p:sp>
+      <p:pic>
+        <p:nvPicPr>
+          <p:cNvPr id="3" name="Picture 2">
+            <a:extLst>
+              <a:ext uri="{FF2B5EF4-FFF2-40B4-BE49-F238E27FC236}">
+                <a16:creationId xmlns:a16="http://schemas.microsoft.com/office/drawing/2014/main" id="{83600128-D12B-CAFC-BA45-BF0A654FFD9D}"/>
+              </a:ext>
+            </a:extLst>
+          </p:cNvPr>
+          <p:cNvPicPr>
+            <a:picLocks noChangeAspect="1"/>
+          </p:cNvPicPr>
+          <p:nvPr/>
+        </p:nvPicPr>
+        <p:blipFill>
+          <a:blip r:embed="rId2"/>
+          <a:stretch>
+            <a:fillRect/>
+          </a:stretch>
+        </p:blipFill>
+        <p:spPr>
+          <a:xfrm>
+            <a:off x="3239826" y="0"/>
+            <a:ext cx="5712348" cy="6858000"/>
+          </a:xfrm>
+          <a:prstGeom prst="rect">
+            <a:avLst/>
+          </a:prstGeom>
+        </p:spPr>
+      </p:pic>
     </p:spTree>
     <p:extLst>
       <p:ext uri="{BB962C8B-B14F-4D97-AF65-F5344CB8AC3E}">
-        <p14:creationId xmlns:p14="http://schemas.microsoft.com/office/powerpoint/2010/main" val="3223822791"/>
+        <p14:creationId xmlns:p14="http://schemas.microsoft.com/office/powerpoint/2010/main" val="2377979668"/>
       </p:ext>
     </p:extLst>
   </p:cSld>
@@ -8598,6 +9154,349 @@
 </file>
 
 <file path=ppt/slides/slide20.xml><?xml version="1.0" encoding="utf-8"?>
+<p:sld xmlns:a="http://schemas.openxmlformats.org/drawingml/2006/main" xmlns:r="http://schemas.openxmlformats.org/officeDocument/2006/relationships" xmlns:p="http://schemas.openxmlformats.org/presentationml/2006/main">
+  <p:cSld>
+    <p:spTree>
+      <p:nvGrpSpPr>
+        <p:cNvPr id="1" name=""/>
+        <p:cNvGrpSpPr/>
+        <p:nvPr/>
+      </p:nvGrpSpPr>
+      <p:grpSpPr>
+        <a:xfrm>
+          <a:off x="0" y="0"/>
+          <a:ext cx="0" cy="0"/>
+          <a:chOff x="0" y="0"/>
+          <a:chExt cx="0" cy="0"/>
+        </a:xfrm>
+      </p:grpSpPr>
+      <p:sp>
+        <p:nvSpPr>
+          <p:cNvPr id="12" name="Title 11">
+            <a:extLst>
+              <a:ext uri="{FF2B5EF4-FFF2-40B4-BE49-F238E27FC236}">
+                <a16:creationId xmlns:a16="http://schemas.microsoft.com/office/drawing/2014/main" id="{068262D9-1F10-9845-9286-018F872538C0}"/>
+              </a:ext>
+            </a:extLst>
+          </p:cNvPr>
+          <p:cNvSpPr>
+            <a:spLocks noGrp="1"/>
+          </p:cNvSpPr>
+          <p:nvPr>
+            <p:ph type="title"/>
+          </p:nvPr>
+        </p:nvSpPr>
+        <p:spPr>
+          <a:xfrm rot="5400000">
+            <a:off x="8913737" y="2233515"/>
+            <a:ext cx="5605272" cy="1572126"/>
+          </a:xfrm>
+        </p:spPr>
+        <p:txBody>
+          <a:bodyPr/>
+          <a:lstStyle/>
+          <a:p>
+            <a:r>
+              <a:rPr lang="en-US" dirty="0" err="1"/>
+              <a:t>i</a:t>
+            </a:r>
+            <a:r>
+              <a:rPr lang="en-PH" dirty="0" err="1"/>
+              <a:t>schar</a:t>
+            </a:r>
+            <a:endParaRPr lang="en-PH" dirty="0"/>
+          </a:p>
+        </p:txBody>
+      </p:sp>
+      <p:pic>
+        <p:nvPicPr>
+          <p:cNvPr id="3" name="Picture 2">
+            <a:extLst>
+              <a:ext uri="{FF2B5EF4-FFF2-40B4-BE49-F238E27FC236}">
+                <a16:creationId xmlns:a16="http://schemas.microsoft.com/office/drawing/2014/main" id="{A86C06CA-B9B0-A3F7-628F-DEB6F024DA13}"/>
+              </a:ext>
+            </a:extLst>
+          </p:cNvPr>
+          <p:cNvPicPr>
+            <a:picLocks noChangeAspect="1"/>
+          </p:cNvPicPr>
+          <p:nvPr/>
+        </p:nvPicPr>
+        <p:blipFill>
+          <a:blip r:embed="rId2"/>
+          <a:stretch>
+            <a:fillRect/>
+          </a:stretch>
+        </p:blipFill>
+        <p:spPr>
+          <a:xfrm>
+            <a:off x="4009734" y="1585655"/>
+            <a:ext cx="4172532" cy="3686689"/>
+          </a:xfrm>
+          <a:prstGeom prst="rect">
+            <a:avLst/>
+          </a:prstGeom>
+        </p:spPr>
+      </p:pic>
+    </p:spTree>
+    <p:extLst>
+      <p:ext uri="{BB962C8B-B14F-4D97-AF65-F5344CB8AC3E}">
+        <p14:creationId xmlns:p14="http://schemas.microsoft.com/office/powerpoint/2010/main" val="4269053863"/>
+      </p:ext>
+    </p:extLst>
+  </p:cSld>
+  <p:clrMapOvr>
+    <a:masterClrMapping/>
+  </p:clrMapOvr>
+</p:sld>
+</file>
+
+<file path=ppt/slides/slide21.xml><?xml version="1.0" encoding="utf-8"?>
+<p:sld xmlns:a="http://schemas.openxmlformats.org/drawingml/2006/main" xmlns:r="http://schemas.openxmlformats.org/officeDocument/2006/relationships" xmlns:p="http://schemas.openxmlformats.org/presentationml/2006/main">
+  <p:cSld>
+    <p:spTree>
+      <p:nvGrpSpPr>
+        <p:cNvPr id="1" name=""/>
+        <p:cNvGrpSpPr/>
+        <p:nvPr/>
+      </p:nvGrpSpPr>
+      <p:grpSpPr>
+        <a:xfrm>
+          <a:off x="0" y="0"/>
+          <a:ext cx="0" cy="0"/>
+          <a:chOff x="0" y="0"/>
+          <a:chExt cx="0" cy="0"/>
+        </a:xfrm>
+      </p:grpSpPr>
+      <p:pic>
+        <p:nvPicPr>
+          <p:cNvPr id="8" name="Picture Placeholder 7" descr="A person standing on a rock while looking at the ocean wave with outstretched arms">
+            <a:extLst>
+              <a:ext uri="{FF2B5EF4-FFF2-40B4-BE49-F238E27FC236}">
+                <a16:creationId xmlns:a16="http://schemas.microsoft.com/office/drawing/2014/main" id="{8C1A64BB-92C4-44CC-9AB7-8416F1B9BF56}"/>
+              </a:ext>
+            </a:extLst>
+          </p:cNvPr>
+          <p:cNvPicPr>
+            <a:picLocks noGrp="1" noChangeAspect="1"/>
+          </p:cNvPicPr>
+          <p:nvPr>
+            <p:ph type="pic" sz="quarter" idx="13"/>
+          </p:nvPr>
+        </p:nvPicPr>
+        <p:blipFill rotWithShape="1">
+          <a:blip r:embed="rId3" cstate="screen">
+            <a:extLst>
+              <a:ext uri="{28A0092B-C50C-407E-A947-70E740481C1C}">
+                <a14:useLocalDpi xmlns:a14="http://schemas.microsoft.com/office/drawing/2010/main"/>
+              </a:ext>
+            </a:extLst>
+          </a:blip>
+          <a:srcRect/>
+          <a:stretch/>
+        </p:blipFill>
+        <p:spPr>
+          <a:xfrm>
+            <a:off x="0" y="0"/>
+            <a:ext cx="12192000" cy="6858000"/>
+          </a:xfrm>
+          <a:solidFill>
+            <a:srgbClr val="6768AB">
+              <a:alpha val="75000"/>
+            </a:srgbClr>
+          </a:solidFill>
+        </p:spPr>
+      </p:pic>
+      <p:sp>
+        <p:nvSpPr>
+          <p:cNvPr id="9" name="Rectangle 8" descr="Shaded overlay">
+            <a:extLst>
+              <a:ext uri="{FF2B5EF4-FFF2-40B4-BE49-F238E27FC236}">
+                <a16:creationId xmlns:a16="http://schemas.microsoft.com/office/drawing/2014/main" id="{558C501A-DC1F-4BA4-BFFA-44EF8845A384}"/>
+              </a:ext>
+            </a:extLst>
+          </p:cNvPr>
+          <p:cNvSpPr/>
+          <p:nvPr/>
+        </p:nvSpPr>
+        <p:spPr>
+          <a:xfrm>
+            <a:off x="0" y="0"/>
+            <a:ext cx="12192000" cy="6858000"/>
+          </a:xfrm>
+          <a:prstGeom prst="rect">
+            <a:avLst/>
+          </a:prstGeom>
+          <a:solidFill>
+            <a:srgbClr val="6768AB">
+              <a:alpha val="74902"/>
+            </a:srgbClr>
+          </a:solidFill>
+        </p:spPr>
+        <p:style>
+          <a:lnRef idx="2">
+            <a:schemeClr val="accent1">
+              <a:shade val="50000"/>
+            </a:schemeClr>
+          </a:lnRef>
+          <a:fillRef idx="1">
+            <a:schemeClr val="accent1"/>
+          </a:fillRef>
+          <a:effectRef idx="0">
+            <a:schemeClr val="accent1"/>
+          </a:effectRef>
+          <a:fontRef idx="minor">
+            <a:schemeClr val="lt1"/>
+          </a:fontRef>
+        </p:style>
+        <p:txBody>
+          <a:bodyPr rtlCol="0" anchor="ctr"/>
+          <a:lstStyle/>
+          <a:p>
+            <a:pPr algn="ctr"/>
+            <a:endParaRPr lang="en-US" dirty="0"/>
+          </a:p>
+        </p:txBody>
+      </p:sp>
+      <p:sp>
+        <p:nvSpPr>
+          <p:cNvPr id="4" name="Title 3">
+            <a:extLst>
+              <a:ext uri="{FF2B5EF4-FFF2-40B4-BE49-F238E27FC236}">
+                <a16:creationId xmlns:a16="http://schemas.microsoft.com/office/drawing/2014/main" id="{135A981B-6487-4B00-9EAF-D0D748FA6014}"/>
+              </a:ext>
+            </a:extLst>
+          </p:cNvPr>
+          <p:cNvSpPr>
+            <a:spLocks noGrp="1"/>
+          </p:cNvSpPr>
+          <p:nvPr>
+            <p:ph type="title"/>
+          </p:nvPr>
+        </p:nvSpPr>
+        <p:spPr>
+          <a:xfrm>
+            <a:off x="92765" y="0"/>
+            <a:ext cx="11174819" cy="903767"/>
+          </a:xfrm>
+        </p:spPr>
+        <p:txBody>
+          <a:bodyPr/>
+          <a:lstStyle/>
+          <a:p>
+            <a:r>
+              <a:rPr lang="en-US" dirty="0"/>
+              <a:t>Links</a:t>
+            </a:r>
+          </a:p>
+        </p:txBody>
+      </p:sp>
+      <p:sp>
+        <p:nvSpPr>
+          <p:cNvPr id="6" name="Text Placeholder 5">
+            <a:extLst>
+              <a:ext uri="{FF2B5EF4-FFF2-40B4-BE49-F238E27FC236}">
+                <a16:creationId xmlns:a16="http://schemas.microsoft.com/office/drawing/2014/main" id="{B43F7E3B-CE99-4770-8587-6554C15693F8}"/>
+              </a:ext>
+            </a:extLst>
+          </p:cNvPr>
+          <p:cNvSpPr>
+            <a:spLocks noGrp="1"/>
+          </p:cNvSpPr>
+          <p:nvPr>
+            <p:ph type="body" sz="quarter" idx="14"/>
+          </p:nvPr>
+        </p:nvSpPr>
+        <p:spPr>
+          <a:xfrm>
+            <a:off x="0" y="2126189"/>
+            <a:ext cx="8905461" cy="4197096"/>
+          </a:xfrm>
+        </p:spPr>
+        <p:txBody>
+          <a:bodyPr/>
+          <a:lstStyle/>
+          <a:p>
+            <a:pPr marL="457200" indent="-457200">
+              <a:buFont typeface="Wingdings" panose="05000000000000000000" pitchFamily="2" charset="2"/>
+              <a:buChar char="Ø"/>
+            </a:pPr>
+            <a:r>
+              <a:rPr lang="en-US" sz="2800" b="0" i="0" dirty="0">
+                <a:solidFill>
+                  <a:srgbClr val="252424"/>
+                </a:solidFill>
+                <a:effectLst/>
+                <a:latin typeface="Segoe UI Web"/>
+              </a:rPr>
+              <a:t>Link of the Code:</a:t>
+            </a:r>
+          </a:p>
+          <a:p>
+            <a:pPr marL="914400" lvl="1" indent="-457200">
+              <a:buFont typeface="Wingdings" panose="05000000000000000000" pitchFamily="2" charset="2"/>
+              <a:buChar char="Ø"/>
+            </a:pPr>
+            <a:r>
+              <a:rPr lang="en-US" sz="3400" b="0" i="0" dirty="0">
+                <a:solidFill>
+                  <a:srgbClr val="252424"/>
+                </a:solidFill>
+                <a:effectLst/>
+                <a:latin typeface="Segoe UI Web"/>
+                <a:hlinkClick r:id="rId4"/>
+              </a:rPr>
+              <a:t>https://github.com/cristoph143/Programming-Languages.git</a:t>
+            </a:r>
+            <a:endParaRPr lang="en-US" sz="3400" dirty="0">
+              <a:solidFill>
+                <a:srgbClr val="252424"/>
+              </a:solidFill>
+              <a:latin typeface="Segoe UI Web"/>
+            </a:endParaRPr>
+          </a:p>
+          <a:p>
+            <a:pPr marL="914400" lvl="1" indent="-457200">
+              <a:buFont typeface="Wingdings" panose="05000000000000000000" pitchFamily="2" charset="2"/>
+              <a:buChar char="Ø"/>
+            </a:pPr>
+            <a:endParaRPr lang="en-US" sz="3400" b="0" i="0" dirty="0">
+              <a:solidFill>
+                <a:srgbClr val="252424"/>
+              </a:solidFill>
+              <a:effectLst/>
+              <a:latin typeface="Segoe UI Web"/>
+            </a:endParaRPr>
+          </a:p>
+          <a:p>
+            <a:pPr marL="914400" lvl="1" indent="-457200">
+              <a:buFont typeface="Wingdings" panose="05000000000000000000" pitchFamily="2" charset="2"/>
+              <a:buChar char="Ø"/>
+            </a:pPr>
+            <a:endParaRPr lang="en-US" sz="3400" b="0" i="0" dirty="0">
+              <a:solidFill>
+                <a:srgbClr val="252424"/>
+              </a:solidFill>
+              <a:effectLst/>
+              <a:latin typeface="Segoe UI Web"/>
+            </a:endParaRPr>
+          </a:p>
+        </p:txBody>
+      </p:sp>
+    </p:spTree>
+    <p:extLst>
+      <p:ext uri="{BB962C8B-B14F-4D97-AF65-F5344CB8AC3E}">
+        <p14:creationId xmlns:p14="http://schemas.microsoft.com/office/powerpoint/2010/main" val="1936977551"/>
+      </p:ext>
+    </p:extLst>
+  </p:cSld>
+  <p:clrMapOvr>
+    <a:masterClrMapping/>
+  </p:clrMapOvr>
+</p:sld>
+</file>
+
+<file path=ppt/slides/slide22.xml><?xml version="1.0" encoding="utf-8"?>
 <p:sld xmlns:a="http://schemas.openxmlformats.org/drawingml/2006/main" xmlns:r="http://schemas.openxmlformats.org/officeDocument/2006/relationships" xmlns:p="http://schemas.openxmlformats.org/presentationml/2006/main">
   <p:cSld>
     <p:spTree>
@@ -9008,589 +9907,566 @@
           <a:chExt cx="0" cy="0"/>
         </a:xfrm>
       </p:grpSpPr>
-      <p:sp>
-        <p:nvSpPr>
-          <p:cNvPr id="12" name="Title 11">
-            <a:extLst>
-              <a:ext uri="{FF2B5EF4-FFF2-40B4-BE49-F238E27FC236}">
-                <a16:creationId xmlns:a16="http://schemas.microsoft.com/office/drawing/2014/main" id="{068262D9-1F10-9845-9286-018F872538C0}"/>
-              </a:ext>
-            </a:extLst>
-          </p:cNvPr>
-          <p:cNvSpPr>
-            <a:spLocks noGrp="1"/>
-          </p:cNvSpPr>
-          <p:nvPr>
-            <p:ph type="title"/>
-          </p:nvPr>
-        </p:nvSpPr>
-        <p:spPr>
-          <a:xfrm rot="5400000">
-            <a:off x="8913737" y="2233515"/>
-            <a:ext cx="5605272" cy="1572126"/>
-          </a:xfrm>
-        </p:spPr>
-        <p:txBody>
-          <a:bodyPr/>
-          <a:lstStyle/>
-          <a:p>
-            <a:r>
-              <a:rPr lang="en-PH" dirty="0"/>
-              <a:t>Main</a:t>
-            </a:r>
-          </a:p>
-        </p:txBody>
-      </p:sp>
       <p:pic>
         <p:nvPicPr>
-          <p:cNvPr id="3" name="Picture 2">
-            <a:extLst>
-              <a:ext uri="{FF2B5EF4-FFF2-40B4-BE49-F238E27FC236}">
-                <a16:creationId xmlns:a16="http://schemas.microsoft.com/office/drawing/2014/main" id="{715A431E-7301-9AC9-9E27-B9E88CC2A975}"/>
+          <p:cNvPr id="8" name="Picture Placeholder 7" descr="A person standing on a rock while looking at the ocean wave with outstretched arms">
+            <a:extLst>
+              <a:ext uri="{FF2B5EF4-FFF2-40B4-BE49-F238E27FC236}">
+                <a16:creationId xmlns:a16="http://schemas.microsoft.com/office/drawing/2014/main" id="{8C1A64BB-92C4-44CC-9AB7-8416F1B9BF56}"/>
               </a:ext>
             </a:extLst>
           </p:cNvPr>
           <p:cNvPicPr>
-            <a:picLocks noChangeAspect="1"/>
+            <a:picLocks noGrp="1" noChangeAspect="1"/>
           </p:cNvPicPr>
+          <p:nvPr>
+            <p:ph type="pic" sz="quarter" idx="13"/>
+          </p:nvPr>
+        </p:nvPicPr>
+        <p:blipFill rotWithShape="1">
+          <a:blip r:embed="rId3" cstate="screen">
+            <a:extLst>
+              <a:ext uri="{28A0092B-C50C-407E-A947-70E740481C1C}">
+                <a14:useLocalDpi xmlns:a14="http://schemas.microsoft.com/office/drawing/2010/main"/>
+              </a:ext>
+            </a:extLst>
+          </a:blip>
+          <a:srcRect/>
+          <a:stretch/>
+        </p:blipFill>
+        <p:spPr>
+          <a:xfrm>
+            <a:off x="0" y="0"/>
+            <a:ext cx="12192000" cy="6858000"/>
+          </a:xfrm>
+          <a:solidFill>
+            <a:srgbClr val="6768AB">
+              <a:alpha val="75000"/>
+            </a:srgbClr>
+          </a:solidFill>
+        </p:spPr>
+      </p:pic>
+      <p:sp>
+        <p:nvSpPr>
+          <p:cNvPr id="9" name="Rectangle 8" descr="Shaded overlay">
+            <a:extLst>
+              <a:ext uri="{FF2B5EF4-FFF2-40B4-BE49-F238E27FC236}">
+                <a16:creationId xmlns:a16="http://schemas.microsoft.com/office/drawing/2014/main" id="{558C501A-DC1F-4BA4-BFFA-44EF8845A384}"/>
+              </a:ext>
+            </a:extLst>
+          </p:cNvPr>
+          <p:cNvSpPr/>
           <p:nvPr/>
-        </p:nvPicPr>
-        <p:blipFill>
-          <a:blip r:embed="rId2"/>
-          <a:stretch>
-            <a:fillRect/>
-          </a:stretch>
-        </p:blipFill>
-        <p:spPr>
-          <a:xfrm>
-            <a:off x="475627" y="203088"/>
-            <a:ext cx="8417456" cy="6396406"/>
+        </p:nvSpPr>
+        <p:spPr>
+          <a:xfrm>
+            <a:off x="0" y="0"/>
+            <a:ext cx="12192000" cy="6858000"/>
           </a:xfrm>
           <a:prstGeom prst="rect">
             <a:avLst/>
           </a:prstGeom>
-        </p:spPr>
-      </p:pic>
-      <p:sp>
-        <p:nvSpPr>
-          <p:cNvPr id="4" name="TextBox 3">
-            <a:extLst>
-              <a:ext uri="{FF2B5EF4-FFF2-40B4-BE49-F238E27FC236}">
-                <a16:creationId xmlns:a16="http://schemas.microsoft.com/office/drawing/2014/main" id="{47D08134-54B0-F680-8753-372E4022071E}"/>
-              </a:ext>
-            </a:extLst>
-          </p:cNvPr>
-          <p:cNvSpPr txBox="1"/>
-          <p:nvPr/>
-        </p:nvSpPr>
-        <p:spPr>
-          <a:xfrm>
-            <a:off x="1233055" y="1482436"/>
-            <a:ext cx="5514109" cy="307777"/>
-          </a:xfrm>
-          <a:prstGeom prst="rect">
-            <a:avLst/>
-          </a:prstGeom>
-          <a:noFill/>
-        </p:spPr>
-        <p:txBody>
-          <a:bodyPr wrap="square" rtlCol="0">
-            <a:spAutoFit/>
-          </a:bodyPr>
+          <a:solidFill>
+            <a:srgbClr val="6768AB">
+              <a:alpha val="74902"/>
+            </a:srgbClr>
+          </a:solidFill>
+        </p:spPr>
+        <p:style>
+          <a:lnRef idx="2">
+            <a:schemeClr val="accent1">
+              <a:shade val="50000"/>
+            </a:schemeClr>
+          </a:lnRef>
+          <a:fillRef idx="1">
+            <a:schemeClr val="accent1"/>
+          </a:fillRef>
+          <a:effectRef idx="0">
+            <a:schemeClr val="accent1"/>
+          </a:effectRef>
+          <a:fontRef idx="minor">
+            <a:schemeClr val="lt1"/>
+          </a:fontRef>
+        </p:style>
+        <p:txBody>
+          <a:bodyPr rtlCol="0" anchor="ctr"/>
           <a:lstStyle/>
           <a:p>
-            <a:r>
-              <a:rPr lang="en-US" sz="1400" dirty="0"/>
-              <a:t>Function that return s the parse tree of the given syntax code</a:t>
-            </a:r>
-            <a:endParaRPr lang="en-PH" sz="1400" dirty="0"/>
-          </a:p>
-        </p:txBody>
-      </p:sp>
-      <p:sp>
-        <p:nvSpPr>
-          <p:cNvPr id="8" name="TextBox 7">
-            <a:extLst>
-              <a:ext uri="{FF2B5EF4-FFF2-40B4-BE49-F238E27FC236}">
-                <a16:creationId xmlns:a16="http://schemas.microsoft.com/office/drawing/2014/main" id="{422FC4F4-A900-2203-C4F4-B0DD511E8BA4}"/>
-              </a:ext>
-            </a:extLst>
-          </p:cNvPr>
-          <p:cNvSpPr txBox="1"/>
-          <p:nvPr/>
-        </p:nvSpPr>
-        <p:spPr>
-          <a:xfrm>
-            <a:off x="1233055" y="1847119"/>
-            <a:ext cx="6874625" cy="307777"/>
-          </a:xfrm>
-          <a:prstGeom prst="rect">
-            <a:avLst/>
-          </a:prstGeom>
-          <a:noFill/>
-        </p:spPr>
-        <p:txBody>
-          <a:bodyPr wrap="square" rtlCol="0">
-            <a:spAutoFit/>
-          </a:bodyPr>
+            <a:pPr algn="ctr"/>
+            <a:endParaRPr lang="en-US" dirty="0"/>
+          </a:p>
+        </p:txBody>
+      </p:sp>
+      <p:sp>
+        <p:nvSpPr>
+          <p:cNvPr id="4" name="Title 3">
+            <a:extLst>
+              <a:ext uri="{FF2B5EF4-FFF2-40B4-BE49-F238E27FC236}">
+                <a16:creationId xmlns:a16="http://schemas.microsoft.com/office/drawing/2014/main" id="{135A981B-6487-4B00-9EAF-D0D748FA6014}"/>
+              </a:ext>
+            </a:extLst>
+          </p:cNvPr>
+          <p:cNvSpPr>
+            <a:spLocks noGrp="1"/>
+          </p:cNvSpPr>
+          <p:nvPr>
+            <p:ph type="title"/>
+          </p:nvPr>
+        </p:nvSpPr>
+        <p:spPr>
+          <a:xfrm>
+            <a:off x="92765" y="0"/>
+            <a:ext cx="11174819" cy="903767"/>
+          </a:xfrm>
+        </p:spPr>
+        <p:txBody>
+          <a:bodyPr/>
           <a:lstStyle/>
           <a:p>
             <a:r>
-              <a:rPr lang="en-US" sz="1400" dirty="0"/>
-              <a:t>Function that covers the choices in dec where if the tokens[2] is = or , or none</a:t>
-            </a:r>
-            <a:endParaRPr lang="en-PH" sz="1400" dirty="0"/>
-          </a:p>
-        </p:txBody>
-      </p:sp>
-      <p:sp>
-        <p:nvSpPr>
-          <p:cNvPr id="9" name="TextBox 8">
-            <a:extLst>
-              <a:ext uri="{FF2B5EF4-FFF2-40B4-BE49-F238E27FC236}">
-                <a16:creationId xmlns:a16="http://schemas.microsoft.com/office/drawing/2014/main" id="{7494AE0E-9C1E-E9FE-D023-9E91195E97B8}"/>
-              </a:ext>
-            </a:extLst>
-          </p:cNvPr>
-          <p:cNvSpPr txBox="1"/>
-          <p:nvPr/>
-        </p:nvSpPr>
-        <p:spPr>
-          <a:xfrm>
-            <a:off x="1233054" y="2211802"/>
-            <a:ext cx="5514109" cy="307777"/>
-          </a:xfrm>
-          <a:prstGeom prst="rect">
-            <a:avLst/>
-          </a:prstGeom>
-          <a:noFill/>
-        </p:spPr>
-        <p:txBody>
-          <a:bodyPr wrap="square" rtlCol="0">
-            <a:spAutoFit/>
-          </a:bodyPr>
+              <a:rPr lang="en-US" dirty="0"/>
+              <a:t>List of possible errors covered in the code</a:t>
+            </a:r>
+          </a:p>
+        </p:txBody>
+      </p:sp>
+      <p:sp>
+        <p:nvSpPr>
+          <p:cNvPr id="6" name="Text Placeholder 5">
+            <a:extLst>
+              <a:ext uri="{FF2B5EF4-FFF2-40B4-BE49-F238E27FC236}">
+                <a16:creationId xmlns:a16="http://schemas.microsoft.com/office/drawing/2014/main" id="{B43F7E3B-CE99-4770-8587-6554C15693F8}"/>
+              </a:ext>
+            </a:extLst>
+          </p:cNvPr>
+          <p:cNvSpPr>
+            <a:spLocks noGrp="1"/>
+          </p:cNvSpPr>
+          <p:nvPr>
+            <p:ph type="body" sz="quarter" idx="14"/>
+          </p:nvPr>
+        </p:nvSpPr>
+        <p:spPr>
+          <a:xfrm>
+            <a:off x="92765" y="699171"/>
+            <a:ext cx="8905461" cy="4197096"/>
+          </a:xfrm>
+        </p:spPr>
+        <p:txBody>
+          <a:bodyPr/>
           <a:lstStyle/>
           <a:p>
-            <a:r>
-              <a:rPr lang="en-US" sz="1400" dirty="0"/>
-              <a:t>Function that checks if the last index is terminator</a:t>
-            </a:r>
-            <a:endParaRPr lang="en-PH" sz="1400" dirty="0"/>
-          </a:p>
-        </p:txBody>
-      </p:sp>
-      <p:sp>
-        <p:nvSpPr>
-          <p:cNvPr id="10" name="TextBox 9">
-            <a:extLst>
-              <a:ext uri="{FF2B5EF4-FFF2-40B4-BE49-F238E27FC236}">
-                <a16:creationId xmlns:a16="http://schemas.microsoft.com/office/drawing/2014/main" id="{CC2B9036-868C-93B8-8F5E-31C6FF03C051}"/>
-              </a:ext>
-            </a:extLst>
-          </p:cNvPr>
-          <p:cNvSpPr txBox="1"/>
-          <p:nvPr/>
-        </p:nvSpPr>
-        <p:spPr>
-          <a:xfrm>
-            <a:off x="1233051" y="2610103"/>
-            <a:ext cx="5514109" cy="307777"/>
-          </a:xfrm>
-          <a:prstGeom prst="rect">
-            <a:avLst/>
-          </a:prstGeom>
-          <a:noFill/>
-        </p:spPr>
-        <p:txBody>
-          <a:bodyPr wrap="square" rtlCol="0">
-            <a:spAutoFit/>
-          </a:bodyPr>
-          <a:lstStyle/>
-          <a:p>
-            <a:r>
-              <a:rPr lang="en-US" sz="1400" dirty="0"/>
-              <a:t>Function that path where choice from dec is =</a:t>
-            </a:r>
-            <a:endParaRPr lang="en-PH" sz="1400" dirty="0"/>
-          </a:p>
-        </p:txBody>
-      </p:sp>
-      <p:sp>
-        <p:nvSpPr>
-          <p:cNvPr id="11" name="TextBox 10">
-            <a:extLst>
-              <a:ext uri="{FF2B5EF4-FFF2-40B4-BE49-F238E27FC236}">
-                <a16:creationId xmlns:a16="http://schemas.microsoft.com/office/drawing/2014/main" id="{9CBFA152-BCE9-0BE7-D0CA-241F225CE22F}"/>
-              </a:ext>
-            </a:extLst>
-          </p:cNvPr>
-          <p:cNvSpPr txBox="1"/>
-          <p:nvPr/>
-        </p:nvSpPr>
-        <p:spPr>
-          <a:xfrm>
-            <a:off x="1233055" y="2941464"/>
-            <a:ext cx="6806045" cy="307777"/>
-          </a:xfrm>
-          <a:prstGeom prst="rect">
-            <a:avLst/>
-          </a:prstGeom>
-          <a:noFill/>
-        </p:spPr>
-        <p:txBody>
-          <a:bodyPr wrap="square" rtlCol="0">
-            <a:spAutoFit/>
-          </a:bodyPr>
-          <a:lstStyle/>
-          <a:p>
-            <a:r>
-              <a:rPr lang="en-US" sz="1400" dirty="0"/>
-              <a:t>Function that checks the conditions being fulfilled from &lt;exp&gt; &lt;op&gt; &lt;exp&gt;</a:t>
-            </a:r>
-            <a:endParaRPr lang="en-PH" sz="1400" dirty="0"/>
-          </a:p>
-        </p:txBody>
-      </p:sp>
-      <p:sp>
-        <p:nvSpPr>
-          <p:cNvPr id="13" name="TextBox 12">
-            <a:extLst>
-              <a:ext uri="{FF2B5EF4-FFF2-40B4-BE49-F238E27FC236}">
-                <a16:creationId xmlns:a16="http://schemas.microsoft.com/office/drawing/2014/main" id="{05197080-843F-FDF0-AD55-AF340979CED0}"/>
-              </a:ext>
-            </a:extLst>
-          </p:cNvPr>
-          <p:cNvSpPr txBox="1"/>
-          <p:nvPr/>
-        </p:nvSpPr>
-        <p:spPr>
-          <a:xfrm>
-            <a:off x="1233054" y="3320893"/>
-            <a:ext cx="7590906" cy="307777"/>
-          </a:xfrm>
-          <a:prstGeom prst="rect">
-            <a:avLst/>
-          </a:prstGeom>
-          <a:noFill/>
-        </p:spPr>
-        <p:txBody>
-          <a:bodyPr wrap="square" rtlCol="0">
-            <a:spAutoFit/>
-          </a:bodyPr>
-          <a:lstStyle/>
-          <a:p>
-            <a:r>
-              <a:rPr lang="en-US" sz="1400" dirty="0"/>
-              <a:t>Function that check if users has ( brace then copy the token from the index of ( until end </a:t>
-            </a:r>
-            <a:endParaRPr lang="en-PH" sz="1400" dirty="0"/>
-          </a:p>
-        </p:txBody>
-      </p:sp>
-      <p:sp>
-        <p:nvSpPr>
-          <p:cNvPr id="14" name="TextBox 13">
-            <a:extLst>
-              <a:ext uri="{FF2B5EF4-FFF2-40B4-BE49-F238E27FC236}">
-                <a16:creationId xmlns:a16="http://schemas.microsoft.com/office/drawing/2014/main" id="{78DEBCC3-4B81-9E72-53CB-C7F23C046A43}"/>
-              </a:ext>
-            </a:extLst>
-          </p:cNvPr>
-          <p:cNvSpPr txBox="1"/>
-          <p:nvPr/>
-        </p:nvSpPr>
-        <p:spPr>
-          <a:xfrm>
-            <a:off x="1233054" y="3671126"/>
-            <a:ext cx="7590906" cy="307777"/>
-          </a:xfrm>
-          <a:prstGeom prst="rect">
-            <a:avLst/>
-          </a:prstGeom>
-          <a:noFill/>
-        </p:spPr>
-        <p:txBody>
-          <a:bodyPr wrap="square" rtlCol="0">
-            <a:spAutoFit/>
-          </a:bodyPr>
-          <a:lstStyle/>
-          <a:p>
-            <a:r>
-              <a:rPr lang="en-US" sz="1400" dirty="0"/>
-              <a:t>Function that check the if the token has balanced parenthesis then identify for errors</a:t>
-            </a:r>
-            <a:endParaRPr lang="en-PH" sz="1400" dirty="0"/>
-          </a:p>
-        </p:txBody>
-      </p:sp>
-      <p:sp>
-        <p:nvSpPr>
-          <p:cNvPr id="16" name="TextBox 15">
-            <a:extLst>
-              <a:ext uri="{FF2B5EF4-FFF2-40B4-BE49-F238E27FC236}">
-                <a16:creationId xmlns:a16="http://schemas.microsoft.com/office/drawing/2014/main" id="{A6D9B3C4-4E98-1117-0723-A63F03D5C1CB}"/>
-              </a:ext>
-            </a:extLst>
-          </p:cNvPr>
-          <p:cNvSpPr txBox="1"/>
-          <p:nvPr/>
-        </p:nvSpPr>
-        <p:spPr>
-          <a:xfrm>
-            <a:off x="1233053" y="4035809"/>
-            <a:ext cx="7660029" cy="307777"/>
-          </a:xfrm>
-          <a:prstGeom prst="rect">
-            <a:avLst/>
-          </a:prstGeom>
-          <a:noFill/>
-        </p:spPr>
-        <p:txBody>
-          <a:bodyPr wrap="square" rtlCol="0">
-            <a:spAutoFit/>
-          </a:bodyPr>
-          <a:lstStyle/>
-          <a:p>
-            <a:r>
-              <a:rPr lang="en-US" sz="1400" dirty="0"/>
-              <a:t>Function that return Boolean to </a:t>
-            </a:r>
-            <a:r>
-              <a:rPr lang="en-US" sz="1400" dirty="0" err="1"/>
-              <a:t>isBalanced</a:t>
-            </a:r>
-            <a:r>
-              <a:rPr lang="en-US" sz="1400" dirty="0"/>
-              <a:t> if certain index is identifier or constant for checking</a:t>
-            </a:r>
-            <a:endParaRPr lang="en-PH" sz="1400" dirty="0"/>
-          </a:p>
-        </p:txBody>
-      </p:sp>
-      <p:sp>
-        <p:nvSpPr>
-          <p:cNvPr id="17" name="TextBox 16">
-            <a:extLst>
-              <a:ext uri="{FF2B5EF4-FFF2-40B4-BE49-F238E27FC236}">
-                <a16:creationId xmlns:a16="http://schemas.microsoft.com/office/drawing/2014/main" id="{DAA34F96-B073-5411-653A-1DEC0FD9E9D0}"/>
-              </a:ext>
-            </a:extLst>
-          </p:cNvPr>
-          <p:cNvSpPr txBox="1"/>
-          <p:nvPr/>
-        </p:nvSpPr>
-        <p:spPr>
-          <a:xfrm>
-            <a:off x="1233054" y="4420246"/>
-            <a:ext cx="7590906" cy="307777"/>
-          </a:xfrm>
-          <a:prstGeom prst="rect">
-            <a:avLst/>
-          </a:prstGeom>
-          <a:noFill/>
-        </p:spPr>
-        <p:txBody>
-          <a:bodyPr wrap="square" rtlCol="0">
-            <a:spAutoFit/>
-          </a:bodyPr>
-          <a:lstStyle/>
-          <a:p>
-            <a:r>
-              <a:rPr lang="en-US" sz="1400" dirty="0"/>
-              <a:t>Function that throws error if it is not identifier and return the string of successive identifier</a:t>
-            </a:r>
-            <a:endParaRPr lang="en-PH" sz="1400" dirty="0"/>
-          </a:p>
-        </p:txBody>
-      </p:sp>
-      <p:sp>
-        <p:nvSpPr>
-          <p:cNvPr id="18" name="TextBox 17">
-            <a:extLst>
-              <a:ext uri="{FF2B5EF4-FFF2-40B4-BE49-F238E27FC236}">
-                <a16:creationId xmlns:a16="http://schemas.microsoft.com/office/drawing/2014/main" id="{F1F41B5E-4204-2DFB-AF60-3A4A8797D4DD}"/>
-              </a:ext>
-            </a:extLst>
-          </p:cNvPr>
-          <p:cNvSpPr txBox="1"/>
-          <p:nvPr/>
-        </p:nvSpPr>
-        <p:spPr>
-          <a:xfrm>
-            <a:off x="1233053" y="4770479"/>
-            <a:ext cx="7202287" cy="307777"/>
-          </a:xfrm>
-          <a:prstGeom prst="rect">
-            <a:avLst/>
-          </a:prstGeom>
-          <a:noFill/>
-        </p:spPr>
-        <p:txBody>
-          <a:bodyPr wrap="square" rtlCol="0">
-            <a:spAutoFit/>
-          </a:bodyPr>
-          <a:lstStyle/>
-          <a:p>
-            <a:r>
-              <a:rPr lang="en-US" sz="1400" dirty="0"/>
-              <a:t>Function that return the string of successive identifier</a:t>
-            </a:r>
-            <a:endParaRPr lang="en-PH" sz="1400" dirty="0"/>
-          </a:p>
-        </p:txBody>
-      </p:sp>
-      <p:sp>
-        <p:nvSpPr>
-          <p:cNvPr id="19" name="TextBox 18">
-            <a:extLst>
-              <a:ext uri="{FF2B5EF4-FFF2-40B4-BE49-F238E27FC236}">
-                <a16:creationId xmlns:a16="http://schemas.microsoft.com/office/drawing/2014/main" id="{7070D257-8969-22F9-A302-519DC2D5CEAB}"/>
-              </a:ext>
-            </a:extLst>
-          </p:cNvPr>
-          <p:cNvSpPr txBox="1"/>
-          <p:nvPr/>
-        </p:nvSpPr>
-        <p:spPr>
-          <a:xfrm>
-            <a:off x="1233052" y="5135162"/>
-            <a:ext cx="5514109" cy="307777"/>
-          </a:xfrm>
-          <a:prstGeom prst="rect">
-            <a:avLst/>
-          </a:prstGeom>
-          <a:noFill/>
-        </p:spPr>
-        <p:txBody>
-          <a:bodyPr wrap="square" rtlCol="0">
-            <a:spAutoFit/>
-          </a:bodyPr>
-          <a:lstStyle/>
-          <a:p>
-            <a:r>
-              <a:rPr lang="en-US" sz="1400" dirty="0"/>
-              <a:t>Function that return s the parse tree of the given syntax code</a:t>
-            </a:r>
-            <a:endParaRPr lang="en-PH" sz="1400" dirty="0"/>
-          </a:p>
-        </p:txBody>
-      </p:sp>
-      <p:sp>
-        <p:nvSpPr>
-          <p:cNvPr id="20" name="TextBox 19">
-            <a:extLst>
-              <a:ext uri="{FF2B5EF4-FFF2-40B4-BE49-F238E27FC236}">
-                <a16:creationId xmlns:a16="http://schemas.microsoft.com/office/drawing/2014/main" id="{D119680C-8982-27A2-DBF3-7280FC4FA6E4}"/>
-              </a:ext>
-            </a:extLst>
-          </p:cNvPr>
-          <p:cNvSpPr txBox="1"/>
-          <p:nvPr/>
-        </p:nvSpPr>
-        <p:spPr>
-          <a:xfrm>
-            <a:off x="1233051" y="5880012"/>
-            <a:ext cx="5514109" cy="307777"/>
-          </a:xfrm>
-          <a:prstGeom prst="rect">
-            <a:avLst/>
-          </a:prstGeom>
-          <a:noFill/>
-        </p:spPr>
-        <p:txBody>
-          <a:bodyPr wrap="square" rtlCol="0">
-            <a:spAutoFit/>
-          </a:bodyPr>
-          <a:lstStyle/>
-          <a:p>
-            <a:r>
-              <a:rPr lang="en-US" sz="1400" dirty="0"/>
-              <a:t>Function that return if it is a </a:t>
-            </a:r>
-            <a:r>
-              <a:rPr lang="en-US" sz="1400" dirty="0" err="1"/>
-              <a:t>data_type</a:t>
-            </a:r>
-            <a:endParaRPr lang="en-PH" sz="1400" dirty="0"/>
-          </a:p>
-        </p:txBody>
-      </p:sp>
-      <p:sp>
-        <p:nvSpPr>
-          <p:cNvPr id="21" name="TextBox 20">
-            <a:extLst>
-              <a:ext uri="{FF2B5EF4-FFF2-40B4-BE49-F238E27FC236}">
-                <a16:creationId xmlns:a16="http://schemas.microsoft.com/office/drawing/2014/main" id="{15CC8848-2BC0-C683-F024-2D29B8DA061E}"/>
-              </a:ext>
-            </a:extLst>
-          </p:cNvPr>
-          <p:cNvSpPr txBox="1"/>
-          <p:nvPr/>
-        </p:nvSpPr>
-        <p:spPr>
-          <a:xfrm>
-            <a:off x="1233052" y="5507587"/>
-            <a:ext cx="7660030" cy="307777"/>
-          </a:xfrm>
-          <a:prstGeom prst="rect">
-            <a:avLst/>
-          </a:prstGeom>
-          <a:noFill/>
-        </p:spPr>
-        <p:txBody>
-          <a:bodyPr wrap="square" rtlCol="0">
-            <a:spAutoFit/>
-          </a:bodyPr>
-          <a:lstStyle/>
-          <a:p>
-            <a:r>
-              <a:rPr lang="en-US" sz="1400" dirty="0"/>
-              <a:t>Function that throws error if it is not constant and return the string of successive identifier</a:t>
-            </a:r>
-            <a:endParaRPr lang="en-PH" sz="1400" dirty="0"/>
-          </a:p>
-        </p:txBody>
-      </p:sp>
-      <p:sp>
-        <p:nvSpPr>
-          <p:cNvPr id="6" name="TextBox 5">
-            <a:extLst>
-              <a:ext uri="{FF2B5EF4-FFF2-40B4-BE49-F238E27FC236}">
-                <a16:creationId xmlns:a16="http://schemas.microsoft.com/office/drawing/2014/main" id="{458EDAD3-8AAB-0247-C374-7219DEB7FAC3}"/>
-              </a:ext>
-            </a:extLst>
-          </p:cNvPr>
-          <p:cNvSpPr txBox="1"/>
-          <p:nvPr/>
-        </p:nvSpPr>
-        <p:spPr>
-          <a:xfrm>
-            <a:off x="9448800" y="1482436"/>
-            <a:ext cx="2267573" cy="1754326"/>
-          </a:xfrm>
-          <a:prstGeom prst="rect">
-            <a:avLst/>
-          </a:prstGeom>
-          <a:noFill/>
-        </p:spPr>
-        <p:txBody>
-          <a:bodyPr wrap="square" rtlCol="0">
-            <a:spAutoFit/>
-          </a:bodyPr>
-          <a:lstStyle/>
-          <a:p>
-            <a:r>
-              <a:rPr lang="en-US" dirty="0"/>
-              <a:t>The summary of Function use in checking the grammar if it is a valid syntax code or not.</a:t>
-            </a:r>
-            <a:endParaRPr lang="en-PH" dirty="0"/>
+            <a:pPr marL="457200" indent="-457200">
+              <a:buFont typeface="Wingdings" panose="05000000000000000000" pitchFamily="2" charset="2"/>
+              <a:buChar char="Ø"/>
+            </a:pPr>
+            <a:r>
+              <a:rPr lang="en-US" sz="2800" b="0" i="0" dirty="0">
+                <a:solidFill>
+                  <a:srgbClr val="252424"/>
+                </a:solidFill>
+                <a:effectLst/>
+                <a:latin typeface="Segoe UI Web"/>
+              </a:rPr>
+              <a:t>Syntax error, insert ";" to complete </a:t>
+            </a:r>
+            <a:r>
+              <a:rPr lang="en-US" sz="2800" b="0" i="0" dirty="0" err="1">
+                <a:solidFill>
+                  <a:srgbClr val="252424"/>
+                </a:solidFill>
+                <a:effectLst/>
+                <a:latin typeface="Segoe UI Web"/>
+              </a:rPr>
+              <a:t>LocalVariableDeclarationStatement</a:t>
+            </a:r>
+            <a:endParaRPr lang="en-US" sz="2800" b="0" i="0" dirty="0">
+              <a:solidFill>
+                <a:srgbClr val="252424"/>
+              </a:solidFill>
+              <a:effectLst/>
+              <a:latin typeface="Segoe UI Web"/>
+            </a:endParaRPr>
+          </a:p>
+          <a:p>
+            <a:pPr marL="457200" indent="-457200">
+              <a:buFont typeface="Wingdings" panose="05000000000000000000" pitchFamily="2" charset="2"/>
+              <a:buChar char="Ø"/>
+            </a:pPr>
+            <a:r>
+              <a:rPr lang="en-US" sz="2800" b="0" i="0" dirty="0">
+                <a:solidFill>
+                  <a:srgbClr val="252424"/>
+                </a:solidFill>
+                <a:effectLst/>
+                <a:latin typeface="Segoe UI Web"/>
+              </a:rPr>
+              <a:t>&gt; int a</a:t>
+            </a:r>
+          </a:p>
+          <a:p>
+            <a:pPr marL="457200" indent="-457200">
+              <a:buFont typeface="Wingdings" panose="05000000000000000000" pitchFamily="2" charset="2"/>
+              <a:buChar char="Ø"/>
+            </a:pPr>
+            <a:r>
+              <a:rPr lang="en-US" sz="2800" b="0" i="0" dirty="0">
+                <a:solidFill>
+                  <a:srgbClr val="252424"/>
+                </a:solidFill>
+                <a:effectLst/>
+                <a:latin typeface="Segoe UI Web"/>
+              </a:rPr>
+              <a:t>Syntax error on token \""+ tokens[</a:t>
+            </a:r>
+            <a:r>
+              <a:rPr lang="en-US" sz="2800" b="0" i="0" dirty="0" err="1">
+                <a:solidFill>
+                  <a:srgbClr val="252424"/>
+                </a:solidFill>
+                <a:effectLst/>
+                <a:latin typeface="Segoe UI Web"/>
+              </a:rPr>
+              <a:t>idx</a:t>
+            </a:r>
+            <a:r>
+              <a:rPr lang="en-US" sz="2800" b="0" i="0" dirty="0">
+                <a:solidFill>
+                  <a:srgbClr val="252424"/>
+                </a:solidFill>
+                <a:effectLst/>
+                <a:latin typeface="Segoe UI Web"/>
+              </a:rPr>
+              <a:t>]+"\", invalid </a:t>
+            </a:r>
+            <a:r>
+              <a:rPr lang="en-US" sz="2800" b="0" i="0" dirty="0" err="1">
+                <a:solidFill>
+                  <a:srgbClr val="252424"/>
+                </a:solidFill>
+                <a:effectLst/>
+                <a:latin typeface="Segoe UI Web"/>
+              </a:rPr>
+              <a:t>AssignmentOperator</a:t>
+            </a:r>
+            <a:endParaRPr lang="en-US" sz="2800" b="0" i="0" dirty="0">
+              <a:solidFill>
+                <a:srgbClr val="252424"/>
+              </a:solidFill>
+              <a:effectLst/>
+              <a:latin typeface="Segoe UI Web"/>
+            </a:endParaRPr>
+          </a:p>
+          <a:p>
+            <a:pPr marL="457200" indent="-457200">
+              <a:buFont typeface="Wingdings" panose="05000000000000000000" pitchFamily="2" charset="2"/>
+              <a:buChar char="Ø"/>
+            </a:pPr>
+            <a:r>
+              <a:rPr lang="en-US" sz="2800" b="0" i="0" dirty="0">
+                <a:solidFill>
+                  <a:srgbClr val="252424"/>
+                </a:solidFill>
+                <a:effectLst/>
+                <a:latin typeface="Segoe UI Web"/>
+              </a:rPr>
+              <a:t>Syntax error on token ")", expected Identifier or Constant or "(“</a:t>
+            </a:r>
+          </a:p>
+          <a:p>
+            <a:pPr marL="457200" indent="-457200">
+              <a:buFont typeface="Wingdings" panose="05000000000000000000" pitchFamily="2" charset="2"/>
+              <a:buChar char="Ø"/>
+            </a:pPr>
+            <a:r>
+              <a:rPr lang="en-US" sz="2800" b="0" i="0" dirty="0">
+                <a:solidFill>
+                  <a:srgbClr val="252424"/>
+                </a:solidFill>
+                <a:effectLst/>
+                <a:latin typeface="Segoe UI Web"/>
+              </a:rPr>
+              <a:t>int a=);</a:t>
+            </a:r>
+          </a:p>
+          <a:p>
+            <a:pPr marL="457200" indent="-457200">
+              <a:buFont typeface="Wingdings" panose="05000000000000000000" pitchFamily="2" charset="2"/>
+              <a:buChar char="Ø"/>
+            </a:pPr>
+            <a:r>
+              <a:rPr lang="en-US" sz="2800" b="0" i="0" dirty="0">
+                <a:solidFill>
+                  <a:srgbClr val="252424"/>
+                </a:solidFill>
+                <a:effectLst/>
+                <a:latin typeface="Segoe UI Web"/>
+              </a:rPr>
+              <a:t>Syntax error on token \""+ </a:t>
+            </a:r>
+            <a:r>
+              <a:rPr lang="en-US" sz="2800" b="0" i="0" dirty="0" err="1">
+                <a:solidFill>
+                  <a:srgbClr val="252424"/>
+                </a:solidFill>
+                <a:effectLst/>
+                <a:latin typeface="Segoe UI Web"/>
+              </a:rPr>
+              <a:t>sub_tokens</a:t>
+            </a:r>
+            <a:r>
+              <a:rPr lang="en-US" sz="2800" b="0" i="0" dirty="0">
+                <a:solidFill>
+                  <a:srgbClr val="252424"/>
+                </a:solidFill>
+                <a:effectLst/>
+                <a:latin typeface="Segoe UI Web"/>
+              </a:rPr>
+              <a:t>[0]+"\", expected Identifier or Constant</a:t>
+            </a:r>
+          </a:p>
+          <a:p>
+            <a:pPr marL="457200" indent="-457200">
+              <a:buFont typeface="Wingdings" panose="05000000000000000000" pitchFamily="2" charset="2"/>
+              <a:buChar char="Ø"/>
+            </a:pPr>
+            <a:r>
+              <a:rPr lang="en-US" sz="2800" b="0" i="0" dirty="0">
+                <a:solidFill>
+                  <a:srgbClr val="252424"/>
+                </a:solidFill>
+                <a:effectLst/>
+                <a:latin typeface="Segoe UI Web"/>
+              </a:rPr>
+              <a:t>Error: " + tokens[</a:t>
+            </a:r>
+            <a:r>
+              <a:rPr lang="en-US" sz="2800" b="0" i="0" dirty="0" err="1">
+                <a:solidFill>
+                  <a:srgbClr val="252424"/>
+                </a:solidFill>
+                <a:effectLst/>
+                <a:latin typeface="Segoe UI Web"/>
+              </a:rPr>
+              <a:t>idx</a:t>
+            </a:r>
+            <a:r>
+              <a:rPr lang="en-US" sz="2800" b="0" i="0" dirty="0">
+                <a:solidFill>
+                  <a:srgbClr val="252424"/>
+                </a:solidFill>
+                <a:effectLst/>
+                <a:latin typeface="Segoe UI Web"/>
+              </a:rPr>
+              <a:t> + 1] + " is not an identifier"</a:t>
+            </a:r>
+          </a:p>
+          <a:p>
+            <a:pPr marL="457200" indent="-457200">
+              <a:buFont typeface="Wingdings" panose="05000000000000000000" pitchFamily="2" charset="2"/>
+              <a:buChar char="Ø"/>
+            </a:pPr>
+            <a:r>
+              <a:rPr lang="en-US" sz="2800" b="0" i="0" dirty="0">
+                <a:solidFill>
+                  <a:srgbClr val="252424"/>
+                </a:solidFill>
+                <a:effectLst/>
+                <a:latin typeface="Segoe UI Web"/>
+              </a:rPr>
+              <a:t>Error: " + tokens[</a:t>
+            </a:r>
+            <a:r>
+              <a:rPr lang="en-US" sz="2800" b="0" i="0" dirty="0" err="1">
+                <a:solidFill>
+                  <a:srgbClr val="252424"/>
+                </a:solidFill>
+                <a:effectLst/>
+                <a:latin typeface="Segoe UI Web"/>
+              </a:rPr>
+              <a:t>idx</a:t>
+            </a:r>
+            <a:r>
+              <a:rPr lang="en-US" sz="2800" b="0" i="0" dirty="0">
+                <a:solidFill>
+                  <a:srgbClr val="252424"/>
+                </a:solidFill>
+                <a:effectLst/>
+                <a:latin typeface="Segoe UI Web"/>
+              </a:rPr>
+              <a:t>] + " is not a constant"</a:t>
+            </a:r>
+          </a:p>
+          <a:p>
+            <a:pPr marL="457200" indent="-457200">
+              <a:buFont typeface="Wingdings" panose="05000000000000000000" pitchFamily="2" charset="2"/>
+              <a:buChar char="Ø"/>
+            </a:pPr>
+            <a:r>
+              <a:rPr lang="en-US" sz="2800" b="0" i="0" dirty="0">
+                <a:solidFill>
+                  <a:srgbClr val="252424"/>
+                </a:solidFill>
+                <a:effectLst/>
+                <a:latin typeface="Segoe UI Web"/>
+              </a:rPr>
+              <a:t>Error: " + </a:t>
+            </a:r>
+            <a:r>
+              <a:rPr lang="en-US" sz="2800" b="0" i="0" dirty="0" err="1">
+                <a:solidFill>
+                  <a:srgbClr val="252424"/>
+                </a:solidFill>
+                <a:effectLst/>
+                <a:latin typeface="Segoe UI Web"/>
+              </a:rPr>
+              <a:t>tmp</a:t>
+            </a:r>
+            <a:r>
+              <a:rPr lang="en-US" sz="2800" b="0" i="0" dirty="0">
+                <a:solidFill>
+                  <a:srgbClr val="252424"/>
+                </a:solidFill>
+                <a:effectLst/>
+                <a:latin typeface="Segoe UI Web"/>
+              </a:rPr>
+              <a:t> + " is not a data type</a:t>
+            </a:r>
+          </a:p>
+          <a:p>
+            <a:pPr marL="457200" indent="-457200">
+              <a:buFont typeface="Wingdings" panose="05000000000000000000" pitchFamily="2" charset="2"/>
+              <a:buChar char="Ø"/>
+            </a:pPr>
+            <a:r>
+              <a:rPr lang="en-US" sz="2800" b="0" i="0" dirty="0" err="1">
+                <a:solidFill>
+                  <a:srgbClr val="252424"/>
+                </a:solidFill>
+                <a:effectLst/>
+                <a:latin typeface="Segoe UI Web"/>
+              </a:rPr>
+              <a:t>aint</a:t>
+            </a:r>
+            <a:r>
+              <a:rPr lang="en-US" sz="2800" b="0" i="0" dirty="0">
+                <a:solidFill>
+                  <a:srgbClr val="252424"/>
+                </a:solidFill>
+                <a:effectLst/>
+                <a:latin typeface="Segoe UI Web"/>
+              </a:rPr>
+              <a:t>;  </a:t>
+            </a:r>
+            <a:r>
+              <a:rPr lang="en-US" sz="2800" b="0" i="0" dirty="0" err="1">
+                <a:solidFill>
+                  <a:srgbClr val="252424"/>
+                </a:solidFill>
+                <a:effectLst/>
+                <a:latin typeface="Segoe UI Web"/>
+              </a:rPr>
+              <a:t>aint+aint</a:t>
+            </a:r>
+            <a:endParaRPr lang="en-US" sz="2800" b="0" i="0" dirty="0">
+              <a:solidFill>
+                <a:srgbClr val="252424"/>
+              </a:solidFill>
+              <a:effectLst/>
+              <a:latin typeface="Segoe UI Web"/>
+            </a:endParaRPr>
+          </a:p>
+          <a:p>
+            <a:pPr marL="457200" indent="-457200">
+              <a:buFont typeface="Wingdings" panose="05000000000000000000" pitchFamily="2" charset="2"/>
+              <a:buChar char="Ø"/>
+            </a:pPr>
+            <a:r>
+              <a:rPr lang="en-US" sz="2800" b="0" i="0" dirty="0" err="1">
+                <a:solidFill>
+                  <a:srgbClr val="252424"/>
+                </a:solidFill>
+                <a:effectLst/>
+                <a:latin typeface="Segoe UI Web"/>
+              </a:rPr>
+              <a:t>aint+aint</a:t>
+            </a:r>
+            <a:r>
+              <a:rPr lang="en-US" sz="2800" b="0" i="0" dirty="0">
+                <a:solidFill>
+                  <a:srgbClr val="252424"/>
+                </a:solidFill>
+                <a:effectLst/>
+                <a:latin typeface="Segoe UI Web"/>
+              </a:rPr>
+              <a:t>;</a:t>
+            </a:r>
+          </a:p>
+          <a:p>
+            <a:pPr marL="457200" indent="-457200">
+              <a:buFont typeface="Wingdings" panose="05000000000000000000" pitchFamily="2" charset="2"/>
+              <a:buChar char="Ø"/>
+            </a:pPr>
+            <a:r>
+              <a:rPr lang="en-US" sz="2800" b="0" i="0" dirty="0">
+                <a:solidFill>
+                  <a:srgbClr val="252424"/>
+                </a:solidFill>
+                <a:effectLst/>
+                <a:latin typeface="Segoe UI Web"/>
+              </a:rPr>
+              <a:t>Error: " + </a:t>
+            </a:r>
+            <a:r>
+              <a:rPr lang="en-US" sz="2800" b="0" i="0" dirty="0" err="1">
+                <a:solidFill>
+                  <a:srgbClr val="252424"/>
+                </a:solidFill>
+                <a:effectLst/>
+                <a:latin typeface="Segoe UI Web"/>
+              </a:rPr>
+              <a:t>sub_tokens</a:t>
+            </a:r>
+            <a:r>
+              <a:rPr lang="en-US" sz="2800" b="0" i="0" dirty="0">
+                <a:solidFill>
+                  <a:srgbClr val="252424"/>
+                </a:solidFill>
+                <a:effectLst/>
+                <a:latin typeface="Segoe UI Web"/>
+              </a:rPr>
+              <a:t>[0] + " expected \"Identifier\"</a:t>
+            </a:r>
+          </a:p>
+          <a:p>
+            <a:pPr marL="457200" indent="-457200">
+              <a:buFont typeface="Wingdings" panose="05000000000000000000" pitchFamily="2" charset="2"/>
+              <a:buChar char="Ø"/>
+            </a:pPr>
+            <a:r>
+              <a:rPr lang="en-US" sz="2800" b="0" i="0" dirty="0">
+                <a:solidFill>
+                  <a:srgbClr val="252424"/>
+                </a:solidFill>
+                <a:effectLst/>
+                <a:latin typeface="Segoe UI Web"/>
+              </a:rPr>
+              <a:t>int=;</a:t>
+            </a:r>
+            <a:endParaRPr lang="en-US" sz="3400" b="0" i="0" dirty="0">
+              <a:solidFill>
+                <a:srgbClr val="252424"/>
+              </a:solidFill>
+              <a:effectLst/>
+              <a:latin typeface="Segoe UI Web"/>
+            </a:endParaRPr>
           </a:p>
         </p:txBody>
       </p:sp>
     </p:spTree>
     <p:extLst>
       <p:ext uri="{BB962C8B-B14F-4D97-AF65-F5344CB8AC3E}">
-        <p14:creationId xmlns:p14="http://schemas.microsoft.com/office/powerpoint/2010/main" val="1646138950"/>
+        <p14:creationId xmlns:p14="http://schemas.microsoft.com/office/powerpoint/2010/main" val="3958521308"/>
       </p:ext>
     </p:extLst>
   </p:cSld>
@@ -9617,88 +10493,589 @@
           <a:chExt cx="0" cy="0"/>
         </a:xfrm>
       </p:grpSpPr>
+      <p:sp>
+        <p:nvSpPr>
+          <p:cNvPr id="12" name="Title 11">
+            <a:extLst>
+              <a:ext uri="{FF2B5EF4-FFF2-40B4-BE49-F238E27FC236}">
+                <a16:creationId xmlns:a16="http://schemas.microsoft.com/office/drawing/2014/main" id="{068262D9-1F10-9845-9286-018F872538C0}"/>
+              </a:ext>
+            </a:extLst>
+          </p:cNvPr>
+          <p:cNvSpPr>
+            <a:spLocks noGrp="1"/>
+          </p:cNvSpPr>
+          <p:nvPr>
+            <p:ph type="title"/>
+          </p:nvPr>
+        </p:nvSpPr>
+        <p:spPr>
+          <a:xfrm rot="5400000">
+            <a:off x="8913737" y="2233515"/>
+            <a:ext cx="5605272" cy="1572126"/>
+          </a:xfrm>
+        </p:spPr>
+        <p:txBody>
+          <a:bodyPr/>
+          <a:lstStyle/>
+          <a:p>
+            <a:r>
+              <a:rPr lang="en-PH" dirty="0"/>
+              <a:t>Main</a:t>
+            </a:r>
+          </a:p>
+        </p:txBody>
+      </p:sp>
       <p:pic>
         <p:nvPicPr>
-          <p:cNvPr id="8" name="Picture Placeholder 7" descr="Abstract image of curvy lines">
-            <a:extLst>
-              <a:ext uri="{FF2B5EF4-FFF2-40B4-BE49-F238E27FC236}">
-                <a16:creationId xmlns:a16="http://schemas.microsoft.com/office/drawing/2014/main" id="{81F59575-96AE-45B0-B1FB-3CFC139E9D12}"/>
+          <p:cNvPr id="3" name="Picture 2">
+            <a:extLst>
+              <a:ext uri="{FF2B5EF4-FFF2-40B4-BE49-F238E27FC236}">
+                <a16:creationId xmlns:a16="http://schemas.microsoft.com/office/drawing/2014/main" id="{715A431E-7301-9AC9-9E27-B9E88CC2A975}"/>
               </a:ext>
             </a:extLst>
           </p:cNvPr>
           <p:cNvPicPr>
-            <a:picLocks noGrp="1" noChangeAspect="1"/>
+            <a:picLocks noChangeAspect="1"/>
           </p:cNvPicPr>
-          <p:nvPr>
-            <p:ph type="pic" sz="quarter" idx="13"/>
-          </p:nvPr>
+          <p:nvPr/>
         </p:nvPicPr>
         <p:blipFill>
-          <a:blip r:embed="rId3"/>
-          <a:srcRect/>
-          <a:stretch/>
+          <a:blip r:embed="rId2"/>
+          <a:stretch>
+            <a:fillRect/>
+          </a:stretch>
         </p:blipFill>
         <p:spPr>
           <a:xfrm>
-            <a:off x="225" y="0"/>
-            <a:ext cx="12191550" cy="6857999"/>
-          </a:xfrm>
+            <a:off x="475627" y="203088"/>
+            <a:ext cx="8417456" cy="6396406"/>
+          </a:xfrm>
+          <a:prstGeom prst="rect">
+            <a:avLst/>
+          </a:prstGeom>
         </p:spPr>
       </p:pic>
       <p:sp>
         <p:nvSpPr>
-          <p:cNvPr id="4" name="Title 3">
-            <a:extLst>
-              <a:ext uri="{FF2B5EF4-FFF2-40B4-BE49-F238E27FC236}">
-                <a16:creationId xmlns:a16="http://schemas.microsoft.com/office/drawing/2014/main" id="{08347D8D-E852-43D5-858E-2D01BE57FA93}"/>
-              </a:ext>
-            </a:extLst>
-          </p:cNvPr>
-          <p:cNvSpPr>
-            <a:spLocks noGrp="1"/>
-          </p:cNvSpPr>
-          <p:nvPr>
-            <p:ph type="title"/>
-          </p:nvPr>
-        </p:nvSpPr>
-        <p:spPr>
-          <a:xfrm>
-            <a:off x="457200" y="4515034"/>
-            <a:ext cx="9474200" cy="1371600"/>
-          </a:xfrm>
-        </p:spPr>
-        <p:txBody>
-          <a:bodyPr anchor="t" anchorCtr="0">
-            <a:normAutofit/>
+          <p:cNvPr id="4" name="TextBox 3">
+            <a:extLst>
+              <a:ext uri="{FF2B5EF4-FFF2-40B4-BE49-F238E27FC236}">
+                <a16:creationId xmlns:a16="http://schemas.microsoft.com/office/drawing/2014/main" id="{47D08134-54B0-F680-8753-372E4022071E}"/>
+              </a:ext>
+            </a:extLst>
+          </p:cNvPr>
+          <p:cNvSpPr txBox="1"/>
+          <p:nvPr/>
+        </p:nvSpPr>
+        <p:spPr>
+          <a:xfrm>
+            <a:off x="1233055" y="1482436"/>
+            <a:ext cx="5514109" cy="307777"/>
+          </a:xfrm>
+          <a:prstGeom prst="rect">
+            <a:avLst/>
+          </a:prstGeom>
+          <a:noFill/>
+        </p:spPr>
+        <p:txBody>
+          <a:bodyPr wrap="square" rtlCol="0">
+            <a:spAutoFit/>
           </a:bodyPr>
           <a:lstStyle/>
           <a:p>
             <a:r>
+              <a:rPr lang="en-US" sz="1400" dirty="0"/>
+              <a:t>Function that return s the parse tree of the given syntax code</a:t>
+            </a:r>
+            <a:endParaRPr lang="en-PH" sz="1400" dirty="0"/>
+          </a:p>
+        </p:txBody>
+      </p:sp>
+      <p:sp>
+        <p:nvSpPr>
+          <p:cNvPr id="8" name="TextBox 7">
+            <a:extLst>
+              <a:ext uri="{FF2B5EF4-FFF2-40B4-BE49-F238E27FC236}">
+                <a16:creationId xmlns:a16="http://schemas.microsoft.com/office/drawing/2014/main" id="{422FC4F4-A900-2203-C4F4-B0DD511E8BA4}"/>
+              </a:ext>
+            </a:extLst>
+          </p:cNvPr>
+          <p:cNvSpPr txBox="1"/>
+          <p:nvPr/>
+        </p:nvSpPr>
+        <p:spPr>
+          <a:xfrm>
+            <a:off x="1233055" y="1847119"/>
+            <a:ext cx="6874625" cy="307777"/>
+          </a:xfrm>
+          <a:prstGeom prst="rect">
+            <a:avLst/>
+          </a:prstGeom>
+          <a:noFill/>
+        </p:spPr>
+        <p:txBody>
+          <a:bodyPr wrap="square" rtlCol="0">
+            <a:spAutoFit/>
+          </a:bodyPr>
+          <a:lstStyle/>
+          <a:p>
+            <a:r>
+              <a:rPr lang="en-US" sz="1400" dirty="0"/>
+              <a:t>Function that covers the choices in dec where if the tokens[2] is = or , or none</a:t>
+            </a:r>
+            <a:endParaRPr lang="en-PH" sz="1400" dirty="0"/>
+          </a:p>
+        </p:txBody>
+      </p:sp>
+      <p:sp>
+        <p:nvSpPr>
+          <p:cNvPr id="9" name="TextBox 8">
+            <a:extLst>
+              <a:ext uri="{FF2B5EF4-FFF2-40B4-BE49-F238E27FC236}">
+                <a16:creationId xmlns:a16="http://schemas.microsoft.com/office/drawing/2014/main" id="{7494AE0E-9C1E-E9FE-D023-9E91195E97B8}"/>
+              </a:ext>
+            </a:extLst>
+          </p:cNvPr>
+          <p:cNvSpPr txBox="1"/>
+          <p:nvPr/>
+        </p:nvSpPr>
+        <p:spPr>
+          <a:xfrm>
+            <a:off x="1233054" y="2211802"/>
+            <a:ext cx="5514109" cy="307777"/>
+          </a:xfrm>
+          <a:prstGeom prst="rect">
+            <a:avLst/>
+          </a:prstGeom>
+          <a:noFill/>
+        </p:spPr>
+        <p:txBody>
+          <a:bodyPr wrap="square" rtlCol="0">
+            <a:spAutoFit/>
+          </a:bodyPr>
+          <a:lstStyle/>
+          <a:p>
+            <a:r>
+              <a:rPr lang="en-US" sz="1400" dirty="0"/>
+              <a:t>Function that checks if the last index is terminator</a:t>
+            </a:r>
+            <a:endParaRPr lang="en-PH" sz="1400" dirty="0"/>
+          </a:p>
+        </p:txBody>
+      </p:sp>
+      <p:sp>
+        <p:nvSpPr>
+          <p:cNvPr id="10" name="TextBox 9">
+            <a:extLst>
+              <a:ext uri="{FF2B5EF4-FFF2-40B4-BE49-F238E27FC236}">
+                <a16:creationId xmlns:a16="http://schemas.microsoft.com/office/drawing/2014/main" id="{CC2B9036-868C-93B8-8F5E-31C6FF03C051}"/>
+              </a:ext>
+            </a:extLst>
+          </p:cNvPr>
+          <p:cNvSpPr txBox="1"/>
+          <p:nvPr/>
+        </p:nvSpPr>
+        <p:spPr>
+          <a:xfrm>
+            <a:off x="1233051" y="2610103"/>
+            <a:ext cx="5514109" cy="307777"/>
+          </a:xfrm>
+          <a:prstGeom prst="rect">
+            <a:avLst/>
+          </a:prstGeom>
+          <a:noFill/>
+        </p:spPr>
+        <p:txBody>
+          <a:bodyPr wrap="square" rtlCol="0">
+            <a:spAutoFit/>
+          </a:bodyPr>
+          <a:lstStyle/>
+          <a:p>
+            <a:r>
+              <a:rPr lang="en-US" sz="1400" dirty="0"/>
+              <a:t>Function that path where choice from dec is =</a:t>
+            </a:r>
+            <a:endParaRPr lang="en-PH" sz="1400" dirty="0"/>
+          </a:p>
+        </p:txBody>
+      </p:sp>
+      <p:sp>
+        <p:nvSpPr>
+          <p:cNvPr id="11" name="TextBox 10">
+            <a:extLst>
+              <a:ext uri="{FF2B5EF4-FFF2-40B4-BE49-F238E27FC236}">
+                <a16:creationId xmlns:a16="http://schemas.microsoft.com/office/drawing/2014/main" id="{9CBFA152-BCE9-0BE7-D0CA-241F225CE22F}"/>
+              </a:ext>
+            </a:extLst>
+          </p:cNvPr>
+          <p:cNvSpPr txBox="1"/>
+          <p:nvPr/>
+        </p:nvSpPr>
+        <p:spPr>
+          <a:xfrm>
+            <a:off x="1233055" y="2941464"/>
+            <a:ext cx="6806045" cy="307777"/>
+          </a:xfrm>
+          <a:prstGeom prst="rect">
+            <a:avLst/>
+          </a:prstGeom>
+          <a:noFill/>
+        </p:spPr>
+        <p:txBody>
+          <a:bodyPr wrap="square" rtlCol="0">
+            <a:spAutoFit/>
+          </a:bodyPr>
+          <a:lstStyle/>
+          <a:p>
+            <a:r>
+              <a:rPr lang="en-US" sz="1400" dirty="0"/>
+              <a:t>Function that checks the conditions being fulfilled from &lt;exp&gt; &lt;op&gt; &lt;exp&gt;</a:t>
+            </a:r>
+            <a:endParaRPr lang="en-PH" sz="1400" dirty="0"/>
+          </a:p>
+        </p:txBody>
+      </p:sp>
+      <p:sp>
+        <p:nvSpPr>
+          <p:cNvPr id="13" name="TextBox 12">
+            <a:extLst>
+              <a:ext uri="{FF2B5EF4-FFF2-40B4-BE49-F238E27FC236}">
+                <a16:creationId xmlns:a16="http://schemas.microsoft.com/office/drawing/2014/main" id="{05197080-843F-FDF0-AD55-AF340979CED0}"/>
+              </a:ext>
+            </a:extLst>
+          </p:cNvPr>
+          <p:cNvSpPr txBox="1"/>
+          <p:nvPr/>
+        </p:nvSpPr>
+        <p:spPr>
+          <a:xfrm>
+            <a:off x="1233054" y="3320893"/>
+            <a:ext cx="7590906" cy="307777"/>
+          </a:xfrm>
+          <a:prstGeom prst="rect">
+            <a:avLst/>
+          </a:prstGeom>
+          <a:noFill/>
+        </p:spPr>
+        <p:txBody>
+          <a:bodyPr wrap="square" rtlCol="0">
+            <a:spAutoFit/>
+          </a:bodyPr>
+          <a:lstStyle/>
+          <a:p>
+            <a:r>
+              <a:rPr lang="en-US" sz="1400" dirty="0"/>
+              <a:t>Function that check if users has ( brace then copy the token from the index of ( until end </a:t>
+            </a:r>
+            <a:endParaRPr lang="en-PH" sz="1400" dirty="0"/>
+          </a:p>
+        </p:txBody>
+      </p:sp>
+      <p:sp>
+        <p:nvSpPr>
+          <p:cNvPr id="14" name="TextBox 13">
+            <a:extLst>
+              <a:ext uri="{FF2B5EF4-FFF2-40B4-BE49-F238E27FC236}">
+                <a16:creationId xmlns:a16="http://schemas.microsoft.com/office/drawing/2014/main" id="{78DEBCC3-4B81-9E72-53CB-C7F23C046A43}"/>
+              </a:ext>
+            </a:extLst>
+          </p:cNvPr>
+          <p:cNvSpPr txBox="1"/>
+          <p:nvPr/>
+        </p:nvSpPr>
+        <p:spPr>
+          <a:xfrm>
+            <a:off x="1233054" y="3671126"/>
+            <a:ext cx="7590906" cy="307777"/>
+          </a:xfrm>
+          <a:prstGeom prst="rect">
+            <a:avLst/>
+          </a:prstGeom>
+          <a:noFill/>
+        </p:spPr>
+        <p:txBody>
+          <a:bodyPr wrap="square" rtlCol="0">
+            <a:spAutoFit/>
+          </a:bodyPr>
+          <a:lstStyle/>
+          <a:p>
+            <a:r>
+              <a:rPr lang="en-US" sz="1400" dirty="0"/>
+              <a:t>Function that check the if the token has balanced parenthesis then identify for errors</a:t>
+            </a:r>
+            <a:endParaRPr lang="en-PH" sz="1400" dirty="0"/>
+          </a:p>
+        </p:txBody>
+      </p:sp>
+      <p:sp>
+        <p:nvSpPr>
+          <p:cNvPr id="16" name="TextBox 15">
+            <a:extLst>
+              <a:ext uri="{FF2B5EF4-FFF2-40B4-BE49-F238E27FC236}">
+                <a16:creationId xmlns:a16="http://schemas.microsoft.com/office/drawing/2014/main" id="{A6D9B3C4-4E98-1117-0723-A63F03D5C1CB}"/>
+              </a:ext>
+            </a:extLst>
+          </p:cNvPr>
+          <p:cNvSpPr txBox="1"/>
+          <p:nvPr/>
+        </p:nvSpPr>
+        <p:spPr>
+          <a:xfrm>
+            <a:off x="1233053" y="4035809"/>
+            <a:ext cx="7660029" cy="307777"/>
+          </a:xfrm>
+          <a:prstGeom prst="rect">
+            <a:avLst/>
+          </a:prstGeom>
+          <a:noFill/>
+        </p:spPr>
+        <p:txBody>
+          <a:bodyPr wrap="square" rtlCol="0">
+            <a:spAutoFit/>
+          </a:bodyPr>
+          <a:lstStyle/>
+          <a:p>
+            <a:r>
+              <a:rPr lang="en-US" sz="1400" dirty="0"/>
+              <a:t>Function that return Boolean to </a:t>
+            </a:r>
+            <a:r>
+              <a:rPr lang="en-US" sz="1400" dirty="0" err="1"/>
+              <a:t>isBalanced</a:t>
+            </a:r>
+            <a:r>
+              <a:rPr lang="en-US" sz="1400" dirty="0"/>
+              <a:t> if certain index is identifier or constant for checking</a:t>
+            </a:r>
+            <a:endParaRPr lang="en-PH" sz="1400" dirty="0"/>
+          </a:p>
+        </p:txBody>
+      </p:sp>
+      <p:sp>
+        <p:nvSpPr>
+          <p:cNvPr id="17" name="TextBox 16">
+            <a:extLst>
+              <a:ext uri="{FF2B5EF4-FFF2-40B4-BE49-F238E27FC236}">
+                <a16:creationId xmlns:a16="http://schemas.microsoft.com/office/drawing/2014/main" id="{DAA34F96-B073-5411-653A-1DEC0FD9E9D0}"/>
+              </a:ext>
+            </a:extLst>
+          </p:cNvPr>
+          <p:cNvSpPr txBox="1"/>
+          <p:nvPr/>
+        </p:nvSpPr>
+        <p:spPr>
+          <a:xfrm>
+            <a:off x="1233054" y="4420246"/>
+            <a:ext cx="7590906" cy="307777"/>
+          </a:xfrm>
+          <a:prstGeom prst="rect">
+            <a:avLst/>
+          </a:prstGeom>
+          <a:noFill/>
+        </p:spPr>
+        <p:txBody>
+          <a:bodyPr wrap="square" rtlCol="0">
+            <a:spAutoFit/>
+          </a:bodyPr>
+          <a:lstStyle/>
+          <a:p>
+            <a:r>
+              <a:rPr lang="en-US" sz="1400" dirty="0"/>
+              <a:t>Function that throws error if it is not identifier and return the string of successive identifier</a:t>
+            </a:r>
+            <a:endParaRPr lang="en-PH" sz="1400" dirty="0"/>
+          </a:p>
+        </p:txBody>
+      </p:sp>
+      <p:sp>
+        <p:nvSpPr>
+          <p:cNvPr id="18" name="TextBox 17">
+            <a:extLst>
+              <a:ext uri="{FF2B5EF4-FFF2-40B4-BE49-F238E27FC236}">
+                <a16:creationId xmlns:a16="http://schemas.microsoft.com/office/drawing/2014/main" id="{F1F41B5E-4204-2DFB-AF60-3A4A8797D4DD}"/>
+              </a:ext>
+            </a:extLst>
+          </p:cNvPr>
+          <p:cNvSpPr txBox="1"/>
+          <p:nvPr/>
+        </p:nvSpPr>
+        <p:spPr>
+          <a:xfrm>
+            <a:off x="1233053" y="4770479"/>
+            <a:ext cx="7202287" cy="307777"/>
+          </a:xfrm>
+          <a:prstGeom prst="rect">
+            <a:avLst/>
+          </a:prstGeom>
+          <a:noFill/>
+        </p:spPr>
+        <p:txBody>
+          <a:bodyPr wrap="square" rtlCol="0">
+            <a:spAutoFit/>
+          </a:bodyPr>
+          <a:lstStyle/>
+          <a:p>
+            <a:r>
+              <a:rPr lang="en-US" sz="1400" dirty="0"/>
+              <a:t>Function that return the string of successive identifier</a:t>
+            </a:r>
+            <a:endParaRPr lang="en-PH" sz="1400" dirty="0"/>
+          </a:p>
+        </p:txBody>
+      </p:sp>
+      <p:sp>
+        <p:nvSpPr>
+          <p:cNvPr id="19" name="TextBox 18">
+            <a:extLst>
+              <a:ext uri="{FF2B5EF4-FFF2-40B4-BE49-F238E27FC236}">
+                <a16:creationId xmlns:a16="http://schemas.microsoft.com/office/drawing/2014/main" id="{7070D257-8969-22F9-A302-519DC2D5CEAB}"/>
+              </a:ext>
+            </a:extLst>
+          </p:cNvPr>
+          <p:cNvSpPr txBox="1"/>
+          <p:nvPr/>
+        </p:nvSpPr>
+        <p:spPr>
+          <a:xfrm>
+            <a:off x="1233052" y="5135162"/>
+            <a:ext cx="5514109" cy="307777"/>
+          </a:xfrm>
+          <a:prstGeom prst="rect">
+            <a:avLst/>
+          </a:prstGeom>
+          <a:noFill/>
+        </p:spPr>
+        <p:txBody>
+          <a:bodyPr wrap="square" rtlCol="0">
+            <a:spAutoFit/>
+          </a:bodyPr>
+          <a:lstStyle/>
+          <a:p>
+            <a:r>
+              <a:rPr lang="en-US" sz="1400" dirty="0"/>
+              <a:t>Function that return s the parse tree of the given syntax code</a:t>
+            </a:r>
+            <a:endParaRPr lang="en-PH" sz="1400" dirty="0"/>
+          </a:p>
+        </p:txBody>
+      </p:sp>
+      <p:sp>
+        <p:nvSpPr>
+          <p:cNvPr id="20" name="TextBox 19">
+            <a:extLst>
+              <a:ext uri="{FF2B5EF4-FFF2-40B4-BE49-F238E27FC236}">
+                <a16:creationId xmlns:a16="http://schemas.microsoft.com/office/drawing/2014/main" id="{D119680C-8982-27A2-DBF3-7280FC4FA6E4}"/>
+              </a:ext>
+            </a:extLst>
+          </p:cNvPr>
+          <p:cNvSpPr txBox="1"/>
+          <p:nvPr/>
+        </p:nvSpPr>
+        <p:spPr>
+          <a:xfrm>
+            <a:off x="1233051" y="5880012"/>
+            <a:ext cx="5514109" cy="307777"/>
+          </a:xfrm>
+          <a:prstGeom prst="rect">
+            <a:avLst/>
+          </a:prstGeom>
+          <a:noFill/>
+        </p:spPr>
+        <p:txBody>
+          <a:bodyPr wrap="square" rtlCol="0">
+            <a:spAutoFit/>
+          </a:bodyPr>
+          <a:lstStyle/>
+          <a:p>
+            <a:r>
+              <a:rPr lang="en-US" sz="1400" dirty="0"/>
+              <a:t>Function that return if it is a </a:t>
+            </a:r>
+            <a:r>
+              <a:rPr lang="en-US" sz="1400" dirty="0" err="1"/>
+              <a:t>data_type</a:t>
+            </a:r>
+            <a:endParaRPr lang="en-PH" sz="1400" dirty="0"/>
+          </a:p>
+        </p:txBody>
+      </p:sp>
+      <p:sp>
+        <p:nvSpPr>
+          <p:cNvPr id="21" name="TextBox 20">
+            <a:extLst>
+              <a:ext uri="{FF2B5EF4-FFF2-40B4-BE49-F238E27FC236}">
+                <a16:creationId xmlns:a16="http://schemas.microsoft.com/office/drawing/2014/main" id="{15CC8848-2BC0-C683-F024-2D29B8DA061E}"/>
+              </a:ext>
+            </a:extLst>
+          </p:cNvPr>
+          <p:cNvSpPr txBox="1"/>
+          <p:nvPr/>
+        </p:nvSpPr>
+        <p:spPr>
+          <a:xfrm>
+            <a:off x="1233052" y="5507587"/>
+            <a:ext cx="7660030" cy="307777"/>
+          </a:xfrm>
+          <a:prstGeom prst="rect">
+            <a:avLst/>
+          </a:prstGeom>
+          <a:noFill/>
+        </p:spPr>
+        <p:txBody>
+          <a:bodyPr wrap="square" rtlCol="0">
+            <a:spAutoFit/>
+          </a:bodyPr>
+          <a:lstStyle/>
+          <a:p>
+            <a:r>
+              <a:rPr lang="en-US" sz="1400" dirty="0"/>
+              <a:t>Function that throws error if it is not constant and return the string of successive identifier</a:t>
+            </a:r>
+            <a:endParaRPr lang="en-PH" sz="1400" dirty="0"/>
+          </a:p>
+        </p:txBody>
+      </p:sp>
+      <p:sp>
+        <p:nvSpPr>
+          <p:cNvPr id="6" name="TextBox 5">
+            <a:extLst>
+              <a:ext uri="{FF2B5EF4-FFF2-40B4-BE49-F238E27FC236}">
+                <a16:creationId xmlns:a16="http://schemas.microsoft.com/office/drawing/2014/main" id="{458EDAD3-8AAB-0247-C374-7219DEB7FAC3}"/>
+              </a:ext>
+            </a:extLst>
+          </p:cNvPr>
+          <p:cNvSpPr txBox="1"/>
+          <p:nvPr/>
+        </p:nvSpPr>
+        <p:spPr>
+          <a:xfrm>
+            <a:off x="9448800" y="1482436"/>
+            <a:ext cx="2267573" cy="1754326"/>
+          </a:xfrm>
+          <a:prstGeom prst="rect">
+            <a:avLst/>
+          </a:prstGeom>
+          <a:noFill/>
+        </p:spPr>
+        <p:txBody>
+          <a:bodyPr wrap="square" rtlCol="0">
+            <a:spAutoFit/>
+          </a:bodyPr>
+          <a:lstStyle/>
+          <a:p>
+            <a:r>
               <a:rPr lang="en-US" dirty="0"/>
-              <a:t>Header rule</a:t>
-            </a:r>
-            <a:br>
-              <a:rPr lang="en-US" dirty="0"/>
-            </a:br>
-            <a:r>
-              <a:rPr lang="en-US" dirty="0"/>
-              <a:t>{</a:t>
-            </a:r>
-            <a:r>
-              <a:rPr lang="en-US" dirty="0" err="1"/>
-              <a:t>Data_type</a:t>
-            </a:r>
-            <a:r>
-              <a:rPr lang="en-US" dirty="0"/>
-              <a:t>, DEC, exp, IDENTIFIER</a:t>
-            </a:r>
+              <a:t>The summary of Function use in checking the grammar if it is a valid syntax code or not.</a:t>
+            </a:r>
+            <a:endParaRPr lang="en-PH" dirty="0"/>
           </a:p>
         </p:txBody>
       </p:sp>
     </p:spTree>
     <p:extLst>
       <p:ext uri="{BB962C8B-B14F-4D97-AF65-F5344CB8AC3E}">
-        <p14:creationId xmlns:p14="http://schemas.microsoft.com/office/powerpoint/2010/main" val="949181838"/>
+        <p14:creationId xmlns:p14="http://schemas.microsoft.com/office/powerpoint/2010/main" val="1646138950"/>
       </p:ext>
     </p:extLst>
   </p:cSld>
@@ -9725,81 +11102,88 @@
           <a:chExt cx="0" cy="0"/>
         </a:xfrm>
       </p:grpSpPr>
-      <p:sp>
-        <p:nvSpPr>
-          <p:cNvPr id="12" name="Title 11">
-            <a:extLst>
-              <a:ext uri="{FF2B5EF4-FFF2-40B4-BE49-F238E27FC236}">
-                <a16:creationId xmlns:a16="http://schemas.microsoft.com/office/drawing/2014/main" id="{068262D9-1F10-9845-9286-018F872538C0}"/>
-              </a:ext>
-            </a:extLst>
-          </p:cNvPr>
-          <p:cNvSpPr>
-            <a:spLocks noGrp="1"/>
-          </p:cNvSpPr>
-          <p:nvPr>
-            <p:ph type="title"/>
-          </p:nvPr>
-        </p:nvSpPr>
-        <p:spPr>
-          <a:xfrm rot="5400000">
-            <a:off x="8913737" y="2233515"/>
-            <a:ext cx="5605272" cy="1572126"/>
-          </a:xfrm>
-        </p:spPr>
-        <p:txBody>
-          <a:bodyPr/>
-          <a:lstStyle/>
-          <a:p>
-            <a:r>
-              <a:rPr lang="en-US" dirty="0"/>
-              <a:t>S</a:t>
-            </a:r>
-            <a:r>
-              <a:rPr lang="en-PH" dirty="0" err="1"/>
-              <a:t>yntax</a:t>
-            </a:r>
-            <a:r>
-              <a:rPr lang="en-PH" dirty="0"/>
-              <a:t> analyzer</a:t>
-            </a:r>
-          </a:p>
-        </p:txBody>
-      </p:sp>
       <p:pic>
         <p:nvPicPr>
-          <p:cNvPr id="4" name="Picture 3">
-            <a:extLst>
-              <a:ext uri="{FF2B5EF4-FFF2-40B4-BE49-F238E27FC236}">
-                <a16:creationId xmlns:a16="http://schemas.microsoft.com/office/drawing/2014/main" id="{080FAFA9-FD4C-4FB8-3F08-A239D144E8AF}"/>
+          <p:cNvPr id="8" name="Picture Placeholder 7" descr="Abstract image of curvy lines">
+            <a:extLst>
+              <a:ext uri="{FF2B5EF4-FFF2-40B4-BE49-F238E27FC236}">
+                <a16:creationId xmlns:a16="http://schemas.microsoft.com/office/drawing/2014/main" id="{81F59575-96AE-45B0-B1FB-3CFC139E9D12}"/>
               </a:ext>
             </a:extLst>
           </p:cNvPr>
           <p:cNvPicPr>
-            <a:picLocks noChangeAspect="1"/>
+            <a:picLocks noGrp="1" noChangeAspect="1"/>
           </p:cNvPicPr>
-          <p:nvPr/>
+          <p:nvPr>
+            <p:ph type="pic" sz="quarter" idx="13"/>
+          </p:nvPr>
         </p:nvPicPr>
         <p:blipFill>
-          <a:blip r:embed="rId2"/>
-          <a:stretch>
-            <a:fillRect/>
-          </a:stretch>
+          <a:blip r:embed="rId3"/>
+          <a:srcRect/>
+          <a:stretch/>
         </p:blipFill>
         <p:spPr>
           <a:xfrm>
-            <a:off x="758991" y="0"/>
-            <a:ext cx="6377790" cy="6858000"/>
-          </a:xfrm>
-          <a:prstGeom prst="rect">
-            <a:avLst/>
-          </a:prstGeom>
+            <a:off x="225" y="0"/>
+            <a:ext cx="12191550" cy="6857999"/>
+          </a:xfrm>
         </p:spPr>
       </p:pic>
+      <p:sp>
+        <p:nvSpPr>
+          <p:cNvPr id="4" name="Title 3">
+            <a:extLst>
+              <a:ext uri="{FF2B5EF4-FFF2-40B4-BE49-F238E27FC236}">
+                <a16:creationId xmlns:a16="http://schemas.microsoft.com/office/drawing/2014/main" id="{08347D8D-E852-43D5-858E-2D01BE57FA93}"/>
+              </a:ext>
+            </a:extLst>
+          </p:cNvPr>
+          <p:cNvSpPr>
+            <a:spLocks noGrp="1"/>
+          </p:cNvSpPr>
+          <p:nvPr>
+            <p:ph type="title"/>
+          </p:nvPr>
+        </p:nvSpPr>
+        <p:spPr>
+          <a:xfrm>
+            <a:off x="457200" y="4515034"/>
+            <a:ext cx="9474200" cy="1371600"/>
+          </a:xfrm>
+        </p:spPr>
+        <p:txBody>
+          <a:bodyPr anchor="t" anchorCtr="0">
+            <a:normAutofit/>
+          </a:bodyPr>
+          <a:lstStyle/>
+          <a:p>
+            <a:r>
+              <a:rPr lang="en-US" dirty="0"/>
+              <a:t>Header rule Flowchart</a:t>
+            </a:r>
+            <a:br>
+              <a:rPr lang="en-US" dirty="0"/>
+            </a:br>
+            <a:r>
+              <a:rPr lang="en-US" dirty="0"/>
+              <a:t>{</a:t>
+            </a:r>
+            <a:r>
+              <a:rPr lang="en-US" dirty="0" err="1"/>
+              <a:t>Data_type</a:t>
+            </a:r>
+            <a:r>
+              <a:rPr lang="en-US" dirty="0"/>
+              <a:t>, DEC, exp, IDENTIFIER</a:t>
+            </a:r>
+          </a:p>
+        </p:txBody>
+      </p:sp>
     </p:spTree>
     <p:extLst>
       <p:ext uri="{BB962C8B-B14F-4D97-AF65-F5344CB8AC3E}">
-        <p14:creationId xmlns:p14="http://schemas.microsoft.com/office/powerpoint/2010/main" val="3812670178"/>
+        <p14:creationId xmlns:p14="http://schemas.microsoft.com/office/powerpoint/2010/main" val="949181838"/>
       </p:ext>
     </p:extLst>
   </p:cSld>
@@ -9853,19 +11237,26 @@
           <a:lstStyle/>
           <a:p>
             <a:r>
+              <a:rPr lang="en-US" dirty="0"/>
+              <a:t>S</a:t>
+            </a:r>
+            <a:r>
               <a:rPr lang="en-PH" dirty="0" err="1"/>
-              <a:t>Data_type</a:t>
-            </a:r>
-            <a:endParaRPr lang="en-PH" dirty="0"/>
+              <a:t>yntax</a:t>
+            </a:r>
+            <a:r>
+              <a:rPr lang="en-PH" dirty="0"/>
+              <a:t> analyzer</a:t>
+            </a:r>
           </a:p>
         </p:txBody>
       </p:sp>
       <p:pic>
         <p:nvPicPr>
-          <p:cNvPr id="6" name="Picture 5">
-            <a:extLst>
-              <a:ext uri="{FF2B5EF4-FFF2-40B4-BE49-F238E27FC236}">
-                <a16:creationId xmlns:a16="http://schemas.microsoft.com/office/drawing/2014/main" id="{A1A0C161-BE6D-79F6-A9BE-FC940AAF04F9}"/>
+          <p:cNvPr id="4" name="Picture 3">
+            <a:extLst>
+              <a:ext uri="{FF2B5EF4-FFF2-40B4-BE49-F238E27FC236}">
+                <a16:creationId xmlns:a16="http://schemas.microsoft.com/office/drawing/2014/main" id="{080FAFA9-FD4C-4FB8-3F08-A239D144E8AF}"/>
               </a:ext>
             </a:extLst>
           </p:cNvPr>
@@ -9882,8 +11273,8 @@
         </p:blipFill>
         <p:spPr>
           <a:xfrm>
-            <a:off x="3245726" y="0"/>
-            <a:ext cx="5281448" cy="6858000"/>
+            <a:off x="758991" y="0"/>
+            <a:ext cx="6377790" cy="6858000"/>
           </a:xfrm>
           <a:prstGeom prst="rect">
             <a:avLst/>
@@ -9893,7 +11284,7 @@
     </p:spTree>
     <p:extLst>
       <p:ext uri="{BB962C8B-B14F-4D97-AF65-F5344CB8AC3E}">
-        <p14:creationId xmlns:p14="http://schemas.microsoft.com/office/powerpoint/2010/main" val="3632709021"/>
+        <p14:creationId xmlns:p14="http://schemas.microsoft.com/office/powerpoint/2010/main" val="3812670178"/>
       </p:ext>
     </p:extLst>
   </p:cSld>
@@ -9920,12 +11311,46 @@
           <a:chExt cx="0" cy="0"/>
         </a:xfrm>
       </p:grpSpPr>
+      <p:sp>
+        <p:nvSpPr>
+          <p:cNvPr id="12" name="Title 11">
+            <a:extLst>
+              <a:ext uri="{FF2B5EF4-FFF2-40B4-BE49-F238E27FC236}">
+                <a16:creationId xmlns:a16="http://schemas.microsoft.com/office/drawing/2014/main" id="{068262D9-1F10-9845-9286-018F872538C0}"/>
+              </a:ext>
+            </a:extLst>
+          </p:cNvPr>
+          <p:cNvSpPr>
+            <a:spLocks noGrp="1"/>
+          </p:cNvSpPr>
+          <p:nvPr>
+            <p:ph type="title"/>
+          </p:nvPr>
+        </p:nvSpPr>
+        <p:spPr>
+          <a:xfrm rot="5400000">
+            <a:off x="8913737" y="2233515"/>
+            <a:ext cx="5605272" cy="1572126"/>
+          </a:xfrm>
+        </p:spPr>
+        <p:txBody>
+          <a:bodyPr/>
+          <a:lstStyle/>
+          <a:p>
+            <a:r>
+              <a:rPr lang="en-PH" dirty="0" err="1"/>
+              <a:t>Data_type</a:t>
+            </a:r>
+            <a:endParaRPr lang="en-PH" dirty="0"/>
+          </a:p>
+        </p:txBody>
+      </p:sp>
       <p:pic>
         <p:nvPicPr>
-          <p:cNvPr id="3" name="Picture 2">
-            <a:extLst>
-              <a:ext uri="{FF2B5EF4-FFF2-40B4-BE49-F238E27FC236}">
-                <a16:creationId xmlns:a16="http://schemas.microsoft.com/office/drawing/2014/main" id="{360EFAEF-A8E3-798F-159C-BB4579B25195}"/>
+          <p:cNvPr id="6" name="Picture 5">
+            <a:extLst>
+              <a:ext uri="{FF2B5EF4-FFF2-40B4-BE49-F238E27FC236}">
+                <a16:creationId xmlns:a16="http://schemas.microsoft.com/office/drawing/2014/main" id="{A1A0C161-BE6D-79F6-A9BE-FC940AAF04F9}"/>
               </a:ext>
             </a:extLst>
           </p:cNvPr>
@@ -9942,55 +11367,18 @@
         </p:blipFill>
         <p:spPr>
           <a:xfrm>
-            <a:off x="32426" y="0"/>
-            <a:ext cx="12159574" cy="6858000"/>
+            <a:off x="3245726" y="0"/>
+            <a:ext cx="5281448" cy="6858000"/>
           </a:xfrm>
           <a:prstGeom prst="rect">
             <a:avLst/>
           </a:prstGeom>
         </p:spPr>
       </p:pic>
-      <p:sp>
-        <p:nvSpPr>
-          <p:cNvPr id="12" name="Title 11">
-            <a:extLst>
-              <a:ext uri="{FF2B5EF4-FFF2-40B4-BE49-F238E27FC236}">
-                <a16:creationId xmlns:a16="http://schemas.microsoft.com/office/drawing/2014/main" id="{068262D9-1F10-9845-9286-018F872538C0}"/>
-              </a:ext>
-            </a:extLst>
-          </p:cNvPr>
-          <p:cNvSpPr>
-            <a:spLocks noGrp="1"/>
-          </p:cNvSpPr>
-          <p:nvPr>
-            <p:ph type="title"/>
-          </p:nvPr>
-        </p:nvSpPr>
-        <p:spPr>
-          <a:xfrm rot="5400000">
-            <a:off x="8913737" y="2233515"/>
-            <a:ext cx="5605272" cy="1572126"/>
-          </a:xfrm>
-        </p:spPr>
-        <p:txBody>
-          <a:bodyPr/>
-          <a:lstStyle/>
-          <a:p>
-            <a:r>
-              <a:rPr lang="en-PH" dirty="0">
-                <a:solidFill>
-                  <a:srgbClr val="FF0000"/>
-                </a:solidFill>
-              </a:rPr>
-              <a:t>Declaration</a:t>
-            </a:r>
-          </a:p>
-        </p:txBody>
-      </p:sp>
     </p:spTree>
     <p:extLst>
       <p:ext uri="{BB962C8B-B14F-4D97-AF65-F5344CB8AC3E}">
-        <p14:creationId xmlns:p14="http://schemas.microsoft.com/office/powerpoint/2010/main" val="3945899871"/>
+        <p14:creationId xmlns:p14="http://schemas.microsoft.com/office/powerpoint/2010/main" val="3632709021"/>
       </p:ext>
     </p:extLst>
   </p:cSld>
@@ -10017,50 +11405,12 @@
           <a:chExt cx="0" cy="0"/>
         </a:xfrm>
       </p:grpSpPr>
-      <p:sp>
-        <p:nvSpPr>
-          <p:cNvPr id="12" name="Title 11">
-            <a:extLst>
-              <a:ext uri="{FF2B5EF4-FFF2-40B4-BE49-F238E27FC236}">
-                <a16:creationId xmlns:a16="http://schemas.microsoft.com/office/drawing/2014/main" id="{068262D9-1F10-9845-9286-018F872538C0}"/>
-              </a:ext>
-            </a:extLst>
-          </p:cNvPr>
-          <p:cNvSpPr>
-            <a:spLocks noGrp="1"/>
-          </p:cNvSpPr>
-          <p:nvPr>
-            <p:ph type="title"/>
-          </p:nvPr>
-        </p:nvSpPr>
-        <p:spPr>
-          <a:xfrm>
-            <a:off x="166310" y="-562365"/>
-            <a:ext cx="5605272" cy="1572126"/>
-          </a:xfrm>
-        </p:spPr>
-        <p:txBody>
-          <a:bodyPr/>
-          <a:lstStyle/>
-          <a:p>
-            <a:r>
-              <a:rPr lang="en-US" dirty="0"/>
-              <a:t>E</a:t>
-            </a:r>
-            <a:r>
-              <a:rPr lang="en-PH" dirty="0" err="1"/>
-              <a:t>XPression</a:t>
-            </a:r>
-            <a:endParaRPr lang="en-PH" dirty="0"/>
-          </a:p>
-        </p:txBody>
-      </p:sp>
       <p:pic>
         <p:nvPicPr>
           <p:cNvPr id="3" name="Picture 2">
             <a:extLst>
               <a:ext uri="{FF2B5EF4-FFF2-40B4-BE49-F238E27FC236}">
-                <a16:creationId xmlns:a16="http://schemas.microsoft.com/office/drawing/2014/main" id="{74556390-5240-1489-E360-C36711615360}"/>
+                <a16:creationId xmlns:a16="http://schemas.microsoft.com/office/drawing/2014/main" id="{360EFAEF-A8E3-798F-159C-BB4579B25195}"/>
               </a:ext>
             </a:extLst>
           </p:cNvPr>
@@ -10077,18 +11427,55 @@
         </p:blipFill>
         <p:spPr>
           <a:xfrm>
-            <a:off x="0" y="452298"/>
-            <a:ext cx="12192000" cy="5953404"/>
+            <a:off x="32426" y="0"/>
+            <a:ext cx="12159574" cy="6858000"/>
           </a:xfrm>
           <a:prstGeom prst="rect">
             <a:avLst/>
           </a:prstGeom>
         </p:spPr>
       </p:pic>
+      <p:sp>
+        <p:nvSpPr>
+          <p:cNvPr id="12" name="Title 11">
+            <a:extLst>
+              <a:ext uri="{FF2B5EF4-FFF2-40B4-BE49-F238E27FC236}">
+                <a16:creationId xmlns:a16="http://schemas.microsoft.com/office/drawing/2014/main" id="{068262D9-1F10-9845-9286-018F872538C0}"/>
+              </a:ext>
+            </a:extLst>
+          </p:cNvPr>
+          <p:cNvSpPr>
+            <a:spLocks noGrp="1"/>
+          </p:cNvSpPr>
+          <p:nvPr>
+            <p:ph type="title"/>
+          </p:nvPr>
+        </p:nvSpPr>
+        <p:spPr>
+          <a:xfrm rot="5400000">
+            <a:off x="8913737" y="2233515"/>
+            <a:ext cx="5605272" cy="1572126"/>
+          </a:xfrm>
+        </p:spPr>
+        <p:txBody>
+          <a:bodyPr/>
+          <a:lstStyle/>
+          <a:p>
+            <a:r>
+              <a:rPr lang="en-PH" dirty="0">
+                <a:solidFill>
+                  <a:srgbClr val="FF0000"/>
+                </a:solidFill>
+              </a:rPr>
+              <a:t>Declaration</a:t>
+            </a:r>
+          </a:p>
+        </p:txBody>
+      </p:sp>
     </p:spTree>
     <p:extLst>
       <p:ext uri="{BB962C8B-B14F-4D97-AF65-F5344CB8AC3E}">
-        <p14:creationId xmlns:p14="http://schemas.microsoft.com/office/powerpoint/2010/main" val="1530652028"/>
+        <p14:creationId xmlns:p14="http://schemas.microsoft.com/office/powerpoint/2010/main" val="3945899871"/>
       </p:ext>
     </p:extLst>
   </p:cSld>
